--- a/ML Group Project_Sentiment Analysis of Twitter Data (1).pptx
+++ b/ML Group Project_Sentiment Analysis of Twitter Data (1).pptx
@@ -5,10 +5,10 @@
     <p:sldMasterId id="2147483648" r:id="rId4"/>
   </p:sldMasterIdLst>
   <p:notesMasterIdLst>
-    <p:notesMasterId r:id="rId23"/>
+    <p:notesMasterId r:id="rId24"/>
   </p:notesMasterIdLst>
   <p:handoutMasterIdLst>
-    <p:handoutMasterId r:id="rId24"/>
+    <p:handoutMasterId r:id="rId25"/>
   </p:handoutMasterIdLst>
   <p:sldIdLst>
     <p:sldId id="256" r:id="rId5"/>
@@ -23,12 +23,13 @@
     <p:sldId id="274" r:id="rId14"/>
     <p:sldId id="284" r:id="rId15"/>
     <p:sldId id="285" r:id="rId16"/>
-    <p:sldId id="281" r:id="rId17"/>
-    <p:sldId id="275" r:id="rId18"/>
-    <p:sldId id="277" r:id="rId19"/>
-    <p:sldId id="280" r:id="rId20"/>
-    <p:sldId id="276" r:id="rId21"/>
-    <p:sldId id="272" r:id="rId22"/>
+    <p:sldId id="287" r:id="rId17"/>
+    <p:sldId id="288" r:id="rId18"/>
+    <p:sldId id="281" r:id="rId19"/>
+    <p:sldId id="277" r:id="rId20"/>
+    <p:sldId id="280" r:id="rId21"/>
+    <p:sldId id="276" r:id="rId22"/>
+    <p:sldId id="272" r:id="rId23"/>
   </p:sldIdLst>
   <p:sldSz cx="12192000" cy="6858000"/>
   <p:notesSz cx="6858000" cy="9144000"/>
@@ -154,6 +155,4891 @@
 </p:presentation>
 </file>
 
+<file path=ppt/charts/chart1.xml><?xml version="1.0" encoding="utf-8"?>
+<c:chartSpace xmlns:c="http://schemas.openxmlformats.org/drawingml/2006/chart" xmlns:a="http://schemas.openxmlformats.org/drawingml/2006/main" xmlns:r="http://schemas.openxmlformats.org/officeDocument/2006/relationships" xmlns:c16r2="http://schemas.microsoft.com/office/drawing/2015/06/chart">
+  <c:date1904 val="0"/>
+  <c:lang val="en-US"/>
+  <c:roundedCorners val="0"/>
+  <mc:AlternateContent xmlns:mc="http://schemas.openxmlformats.org/markup-compatibility/2006">
+    <mc:Choice xmlns:c14="http://schemas.microsoft.com/office/drawing/2007/8/2/chart" Requires="c14">
+      <c14:style val="102"/>
+    </mc:Choice>
+    <mc:Fallback>
+      <c:style val="2"/>
+    </mc:Fallback>
+  </mc:AlternateContent>
+  <c:chart>
+    <c:title>
+      <c:tx>
+        <c:rich>
+          <a:bodyPr rot="0" spcFirstLastPara="1" vertOverflow="ellipsis" vert="horz" wrap="square" anchor="ctr" anchorCtr="1"/>
+          <a:lstStyle/>
+          <a:p>
+            <a:pPr>
+              <a:defRPr sz="1400" b="1" i="0" u="none" strike="noStrike" kern="1200" spc="0" baseline="0">
+                <a:solidFill>
+                  <a:schemeClr val="tx1"/>
+                </a:solidFill>
+                <a:latin typeface="+mn-lt"/>
+                <a:ea typeface="+mn-ea"/>
+                <a:cs typeface="+mn-cs"/>
+              </a:defRPr>
+            </a:pPr>
+            <a:r>
+              <a:rPr lang="en-US" b="1" dirty="0">
+                <a:solidFill>
+                  <a:schemeClr val="tx1"/>
+                </a:solidFill>
+              </a:rPr>
+              <a:t>Average Prediction</a:t>
+            </a:r>
+            <a:r>
+              <a:rPr lang="en-US" b="1" baseline="0" dirty="0">
+                <a:solidFill>
+                  <a:schemeClr val="tx1"/>
+                </a:solidFill>
+              </a:rPr>
+              <a:t> and Polarity by Brand Name</a:t>
+            </a:r>
+            <a:endParaRPr lang="en-US" b="1" dirty="0">
+              <a:solidFill>
+                <a:schemeClr val="tx1"/>
+              </a:solidFill>
+            </a:endParaRPr>
+          </a:p>
+        </c:rich>
+      </c:tx>
+      <c:overlay val="0"/>
+      <c:spPr>
+        <a:noFill/>
+        <a:ln>
+          <a:noFill/>
+        </a:ln>
+        <a:effectLst/>
+      </c:spPr>
+      <c:txPr>
+        <a:bodyPr rot="0" spcFirstLastPara="1" vertOverflow="ellipsis" vert="horz" wrap="square" anchor="ctr" anchorCtr="1"/>
+        <a:lstStyle/>
+        <a:p>
+          <a:pPr>
+            <a:defRPr sz="1400" b="1" i="0" u="none" strike="noStrike" kern="1200" spc="0" baseline="0">
+              <a:solidFill>
+                <a:schemeClr val="tx1"/>
+              </a:solidFill>
+              <a:latin typeface="+mn-lt"/>
+              <a:ea typeface="+mn-ea"/>
+              <a:cs typeface="+mn-cs"/>
+            </a:defRPr>
+          </a:pPr>
+          <a:endParaRPr lang="en-US"/>
+        </a:p>
+      </c:txPr>
+    </c:title>
+    <c:autoTitleDeleted val="0"/>
+    <c:plotArea>
+      <c:layout/>
+      <c:barChart>
+        <c:barDir val="col"/>
+        <c:grouping val="clustered"/>
+        <c:varyColors val="0"/>
+        <c:ser>
+          <c:idx val="0"/>
+          <c:order val="0"/>
+          <c:tx>
+            <c:strRef>
+              <c:f>Sheet2!$B$1</c:f>
+              <c:strCache>
+                <c:ptCount val="1"/>
+                <c:pt idx="0">
+                  <c:v>TextBlob</c:v>
+                </c:pt>
+              </c:strCache>
+            </c:strRef>
+          </c:tx>
+          <c:spPr>
+            <a:solidFill>
+              <a:schemeClr val="accent1"/>
+            </a:solidFill>
+            <a:ln>
+              <a:noFill/>
+            </a:ln>
+            <a:effectLst/>
+          </c:spPr>
+          <c:invertIfNegative val="0"/>
+          <c:cat>
+            <c:strRef>
+              <c:f>Sheet2!$A$2:$A$9</c:f>
+              <c:strCache>
+                <c:ptCount val="8"/>
+                <c:pt idx="0">
+                  <c:v>Polo</c:v>
+                </c:pt>
+                <c:pt idx="1">
+                  <c:v>Gucci</c:v>
+                </c:pt>
+                <c:pt idx="2">
+                  <c:v>Chanel</c:v>
+                </c:pt>
+                <c:pt idx="3">
+                  <c:v>Burberry</c:v>
+                </c:pt>
+                <c:pt idx="4">
+                  <c:v>Prada</c:v>
+                </c:pt>
+                <c:pt idx="5">
+                  <c:v>Versace</c:v>
+                </c:pt>
+                <c:pt idx="6">
+                  <c:v>Fendi</c:v>
+                </c:pt>
+                <c:pt idx="7">
+                  <c:v>Hermes</c:v>
+                </c:pt>
+              </c:strCache>
+            </c:strRef>
+          </c:cat>
+          <c:val>
+            <c:numRef>
+              <c:f>Sheet2!$B$2:$B$9</c:f>
+              <c:numCache>
+                <c:formatCode>General</c:formatCode>
+                <c:ptCount val="8"/>
+                <c:pt idx="0">
+                  <c:v>0.13996952861952866</c:v>
+                </c:pt>
+                <c:pt idx="1">
+                  <c:v>0.24895021244187909</c:v>
+                </c:pt>
+                <c:pt idx="2">
+                  <c:v>0.16684507575757562</c:v>
+                </c:pt>
+                <c:pt idx="3">
+                  <c:v>0.30240353535353509</c:v>
+                </c:pt>
+                <c:pt idx="4">
+                  <c:v>0.22369243025493005</c:v>
+                </c:pt>
+                <c:pt idx="5">
+                  <c:v>0.24341061207311193</c:v>
+                </c:pt>
+                <c:pt idx="6">
+                  <c:v>0.34645395622895669</c:v>
+                </c:pt>
+                <c:pt idx="7">
+                  <c:v>0.21089566498316509</c:v>
+                </c:pt>
+              </c:numCache>
+            </c:numRef>
+          </c:val>
+          <c:extLst>
+            <c:ext xmlns:c16="http://schemas.microsoft.com/office/drawing/2014/chart" uri="{C3380CC4-5D6E-409C-BE32-E72D297353CC}">
+              <c16:uniqueId val="{00000000-EB17-41E9-8571-9C26F46BCA5D}"/>
+            </c:ext>
+          </c:extLst>
+        </c:ser>
+        <c:ser>
+          <c:idx val="1"/>
+          <c:order val="1"/>
+          <c:tx>
+            <c:strRef>
+              <c:f>Sheet2!$C$1</c:f>
+              <c:strCache>
+                <c:ptCount val="1"/>
+                <c:pt idx="0">
+                  <c:v>NB</c:v>
+                </c:pt>
+              </c:strCache>
+            </c:strRef>
+          </c:tx>
+          <c:spPr>
+            <a:solidFill>
+              <a:schemeClr val="accent2"/>
+            </a:solidFill>
+            <a:ln>
+              <a:noFill/>
+            </a:ln>
+            <a:effectLst/>
+          </c:spPr>
+          <c:invertIfNegative val="0"/>
+          <c:cat>
+            <c:strRef>
+              <c:f>Sheet2!$A$2:$A$9</c:f>
+              <c:strCache>
+                <c:ptCount val="8"/>
+                <c:pt idx="0">
+                  <c:v>Polo</c:v>
+                </c:pt>
+                <c:pt idx="1">
+                  <c:v>Gucci</c:v>
+                </c:pt>
+                <c:pt idx="2">
+                  <c:v>Chanel</c:v>
+                </c:pt>
+                <c:pt idx="3">
+                  <c:v>Burberry</c:v>
+                </c:pt>
+                <c:pt idx="4">
+                  <c:v>Prada</c:v>
+                </c:pt>
+                <c:pt idx="5">
+                  <c:v>Versace</c:v>
+                </c:pt>
+                <c:pt idx="6">
+                  <c:v>Fendi</c:v>
+                </c:pt>
+                <c:pt idx="7">
+                  <c:v>Hermes</c:v>
+                </c:pt>
+              </c:strCache>
+            </c:strRef>
+          </c:cat>
+          <c:val>
+            <c:numRef>
+              <c:f>Sheet2!$C$2:$C$9</c:f>
+              <c:numCache>
+                <c:formatCode>General</c:formatCode>
+                <c:ptCount val="8"/>
+                <c:pt idx="0">
+                  <c:v>3.8557689000000002</c:v>
+                </c:pt>
+                <c:pt idx="1">
+                  <c:v>0.21971250000000001</c:v>
+                </c:pt>
+                <c:pt idx="2">
+                  <c:v>1.605691</c:v>
+                </c:pt>
+                <c:pt idx="3">
+                  <c:v>1</c:v>
+                </c:pt>
+                <c:pt idx="4">
+                  <c:v>2.5217390000000002</c:v>
+                </c:pt>
+                <c:pt idx="5">
+                  <c:v>4.0322579999999997</c:v>
+                </c:pt>
+                <c:pt idx="6">
+                  <c:v>3.308411</c:v>
+                </c:pt>
+                <c:pt idx="7">
+                  <c:v>4.2866239999999998</c:v>
+                </c:pt>
+              </c:numCache>
+            </c:numRef>
+          </c:val>
+          <c:extLst>
+            <c:ext xmlns:c16="http://schemas.microsoft.com/office/drawing/2014/chart" uri="{C3380CC4-5D6E-409C-BE32-E72D297353CC}">
+              <c16:uniqueId val="{00000001-EB17-41E9-8571-9C26F46BCA5D}"/>
+            </c:ext>
+          </c:extLst>
+        </c:ser>
+        <c:dLbls>
+          <c:showLegendKey val="0"/>
+          <c:showVal val="0"/>
+          <c:showCatName val="0"/>
+          <c:showSerName val="0"/>
+          <c:showPercent val="0"/>
+          <c:showBubbleSize val="0"/>
+        </c:dLbls>
+        <c:gapWidth val="219"/>
+        <c:axId val="1119303024"/>
+        <c:axId val="1119304272"/>
+      </c:barChart>
+      <c:catAx>
+        <c:axId val="1119303024"/>
+        <c:scaling>
+          <c:orientation val="minMax"/>
+        </c:scaling>
+        <c:delete val="0"/>
+        <c:axPos val="b"/>
+        <c:numFmt formatCode="General" sourceLinked="1"/>
+        <c:majorTickMark val="none"/>
+        <c:minorTickMark val="none"/>
+        <c:tickLblPos val="nextTo"/>
+        <c:spPr>
+          <a:noFill/>
+          <a:ln w="9525" cap="flat" cmpd="sng" algn="ctr">
+            <a:solidFill>
+              <a:schemeClr val="tx1">
+                <a:lumMod val="15000"/>
+                <a:lumOff val="85000"/>
+              </a:schemeClr>
+            </a:solidFill>
+            <a:round/>
+          </a:ln>
+          <a:effectLst/>
+        </c:spPr>
+        <c:txPr>
+          <a:bodyPr rot="-60000000" spcFirstLastPara="1" vertOverflow="ellipsis" vert="horz" wrap="square" anchor="ctr" anchorCtr="1"/>
+          <a:lstStyle/>
+          <a:p>
+            <a:pPr>
+              <a:defRPr sz="900" b="0" i="0" u="none" strike="noStrike" kern="1200" baseline="0">
+                <a:solidFill>
+                  <a:schemeClr val="tx1">
+                    <a:lumMod val="65000"/>
+                    <a:lumOff val="35000"/>
+                  </a:schemeClr>
+                </a:solidFill>
+                <a:latin typeface="+mn-lt"/>
+                <a:ea typeface="+mn-ea"/>
+                <a:cs typeface="+mn-cs"/>
+              </a:defRPr>
+            </a:pPr>
+            <a:endParaRPr lang="en-US"/>
+          </a:p>
+        </c:txPr>
+        <c:crossAx val="1119304272"/>
+        <c:crosses val="autoZero"/>
+        <c:auto val="1"/>
+        <c:lblAlgn val="ctr"/>
+        <c:lblOffset val="100"/>
+        <c:noMultiLvlLbl val="0"/>
+      </c:catAx>
+      <c:valAx>
+        <c:axId val="1119304272"/>
+        <c:scaling>
+          <c:orientation val="minMax"/>
+        </c:scaling>
+        <c:delete val="0"/>
+        <c:axPos val="l"/>
+        <c:majorGridlines>
+          <c:spPr>
+            <a:ln w="9525" cap="flat" cmpd="sng" algn="ctr">
+              <a:solidFill>
+                <a:schemeClr val="tx1">
+                  <a:lumMod val="15000"/>
+                  <a:lumOff val="85000"/>
+                </a:schemeClr>
+              </a:solidFill>
+              <a:round/>
+            </a:ln>
+            <a:effectLst/>
+          </c:spPr>
+        </c:majorGridlines>
+        <c:numFmt formatCode="General" sourceLinked="1"/>
+        <c:majorTickMark val="none"/>
+        <c:minorTickMark val="none"/>
+        <c:tickLblPos val="nextTo"/>
+        <c:spPr>
+          <a:noFill/>
+          <a:ln>
+            <a:noFill/>
+          </a:ln>
+          <a:effectLst/>
+        </c:spPr>
+        <c:txPr>
+          <a:bodyPr rot="-60000000" spcFirstLastPara="1" vertOverflow="ellipsis" vert="horz" wrap="square" anchor="ctr" anchorCtr="1"/>
+          <a:lstStyle/>
+          <a:p>
+            <a:pPr>
+              <a:defRPr sz="900" b="0" i="0" u="none" strike="noStrike" kern="1200" baseline="0">
+                <a:solidFill>
+                  <a:schemeClr val="tx1">
+                    <a:lumMod val="65000"/>
+                    <a:lumOff val="35000"/>
+                  </a:schemeClr>
+                </a:solidFill>
+                <a:latin typeface="+mn-lt"/>
+                <a:ea typeface="+mn-ea"/>
+                <a:cs typeface="+mn-cs"/>
+              </a:defRPr>
+            </a:pPr>
+            <a:endParaRPr lang="en-US"/>
+          </a:p>
+        </c:txPr>
+        <c:crossAx val="1119303024"/>
+        <c:crosses val="autoZero"/>
+        <c:crossBetween val="between"/>
+        <c:majorUnit val="1"/>
+      </c:valAx>
+      <c:spPr>
+        <a:noFill/>
+        <a:ln>
+          <a:noFill/>
+        </a:ln>
+        <a:effectLst/>
+      </c:spPr>
+    </c:plotArea>
+    <c:legend>
+      <c:legendPos val="b"/>
+      <c:overlay val="0"/>
+      <c:spPr>
+        <a:noFill/>
+        <a:ln>
+          <a:noFill/>
+        </a:ln>
+        <a:effectLst/>
+      </c:spPr>
+      <c:txPr>
+        <a:bodyPr rot="0" spcFirstLastPara="1" vertOverflow="ellipsis" vert="horz" wrap="square" anchor="ctr" anchorCtr="1"/>
+        <a:lstStyle/>
+        <a:p>
+          <a:pPr>
+            <a:defRPr sz="900" b="0" i="0" u="none" strike="noStrike" kern="1200" baseline="0">
+              <a:solidFill>
+                <a:schemeClr val="tx1">
+                  <a:lumMod val="65000"/>
+                  <a:lumOff val="35000"/>
+                </a:schemeClr>
+              </a:solidFill>
+              <a:latin typeface="+mn-lt"/>
+              <a:ea typeface="+mn-ea"/>
+              <a:cs typeface="+mn-cs"/>
+            </a:defRPr>
+          </a:pPr>
+          <a:endParaRPr lang="en-US"/>
+        </a:p>
+      </c:txPr>
+    </c:legend>
+    <c:plotVisOnly val="1"/>
+    <c:dispBlanksAs val="gap"/>
+    <c:extLst>
+      <c:ext xmlns:c16r3="http://schemas.microsoft.com/office/drawing/2017/03/chart" uri="{56B9EC1D-385E-4148-901F-78D8002777C0}">
+        <c16r3:dataDisplayOptions16>
+          <c16r3:dispNaAsBlank val="1"/>
+        </c16r3:dataDisplayOptions16>
+      </c:ext>
+    </c:extLst>
+    <c:showDLblsOverMax val="0"/>
+  </c:chart>
+  <c:spPr>
+    <a:solidFill>
+      <a:schemeClr val="bg1"/>
+    </a:solidFill>
+    <a:ln>
+      <a:solidFill>
+        <a:schemeClr val="tx1"/>
+      </a:solidFill>
+    </a:ln>
+    <a:effectLst/>
+  </c:spPr>
+  <c:txPr>
+    <a:bodyPr/>
+    <a:lstStyle/>
+    <a:p>
+      <a:pPr>
+        <a:defRPr/>
+      </a:pPr>
+      <a:endParaRPr lang="en-US"/>
+    </a:p>
+  </c:txPr>
+  <c:externalData r:id="rId3">
+    <c:autoUpdate val="0"/>
+  </c:externalData>
+</c:chartSpace>
+</file>
+
+<file path=ppt/charts/chart2.xml><?xml version="1.0" encoding="utf-8"?>
+<c:chartSpace xmlns:c="http://schemas.openxmlformats.org/drawingml/2006/chart" xmlns:a="http://schemas.openxmlformats.org/drawingml/2006/main" xmlns:r="http://schemas.openxmlformats.org/officeDocument/2006/relationships" xmlns:c16r2="http://schemas.microsoft.com/office/drawing/2015/06/chart">
+  <c:date1904 val="0"/>
+  <c:lang val="en-US"/>
+  <c:roundedCorners val="0"/>
+  <mc:AlternateContent xmlns:mc="http://schemas.openxmlformats.org/markup-compatibility/2006">
+    <mc:Choice xmlns:c14="http://schemas.microsoft.com/office/drawing/2007/8/2/chart" Requires="c14">
+      <c14:style val="102"/>
+    </mc:Choice>
+    <mc:Fallback>
+      <c:style val="2"/>
+    </mc:Fallback>
+  </mc:AlternateContent>
+  <c:chart>
+    <c:title>
+      <c:tx>
+        <c:rich>
+          <a:bodyPr rot="0" spcFirstLastPara="1" vertOverflow="ellipsis" vert="horz" wrap="square" anchor="ctr" anchorCtr="1"/>
+          <a:lstStyle/>
+          <a:p>
+            <a:pPr>
+              <a:defRPr sz="1400" b="1" i="0" u="none" strike="noStrike" kern="1200" spc="0" baseline="0">
+                <a:solidFill>
+                  <a:schemeClr val="tx1"/>
+                </a:solidFill>
+                <a:latin typeface="+mn-lt"/>
+                <a:ea typeface="+mn-ea"/>
+                <a:cs typeface="+mn-cs"/>
+              </a:defRPr>
+            </a:pPr>
+            <a:r>
+              <a:rPr lang="en-US" b="1" dirty="0">
+                <a:solidFill>
+                  <a:schemeClr val="tx1"/>
+                </a:solidFill>
+              </a:rPr>
+              <a:t>Average</a:t>
+            </a:r>
+            <a:r>
+              <a:rPr lang="en-US" b="1" baseline="0" dirty="0">
+                <a:solidFill>
+                  <a:schemeClr val="tx1"/>
+                </a:solidFill>
+              </a:rPr>
+              <a:t> Sentiment </a:t>
+            </a:r>
+            <a:r>
+              <a:rPr lang="en-US" b="1" dirty="0">
+                <a:solidFill>
+                  <a:schemeClr val="tx1"/>
+                </a:solidFill>
+              </a:rPr>
+              <a:t>Naïve Bayes and</a:t>
+            </a:r>
+            <a:r>
+              <a:rPr lang="en-US" b="1" baseline="0" dirty="0">
+                <a:solidFill>
+                  <a:schemeClr val="tx1"/>
+                </a:solidFill>
+              </a:rPr>
+              <a:t> </a:t>
+            </a:r>
+            <a:r>
+              <a:rPr lang="en-US" b="1" baseline="0" dirty="0" err="1">
+                <a:solidFill>
+                  <a:schemeClr val="tx1"/>
+                </a:solidFill>
+              </a:rPr>
+              <a:t>TextBlob</a:t>
+            </a:r>
+            <a:endParaRPr lang="en-US" b="1" dirty="0">
+              <a:solidFill>
+                <a:schemeClr val="tx1"/>
+              </a:solidFill>
+            </a:endParaRPr>
+          </a:p>
+        </c:rich>
+      </c:tx>
+      <c:overlay val="0"/>
+      <c:spPr>
+        <a:noFill/>
+        <a:ln>
+          <a:noFill/>
+        </a:ln>
+        <a:effectLst/>
+      </c:spPr>
+      <c:txPr>
+        <a:bodyPr rot="0" spcFirstLastPara="1" vertOverflow="ellipsis" vert="horz" wrap="square" anchor="ctr" anchorCtr="1"/>
+        <a:lstStyle/>
+        <a:p>
+          <a:pPr>
+            <a:defRPr sz="1400" b="1" i="0" u="none" strike="noStrike" kern="1200" spc="0" baseline="0">
+              <a:solidFill>
+                <a:schemeClr val="tx1"/>
+              </a:solidFill>
+              <a:latin typeface="+mn-lt"/>
+              <a:ea typeface="+mn-ea"/>
+              <a:cs typeface="+mn-cs"/>
+            </a:defRPr>
+          </a:pPr>
+          <a:endParaRPr lang="en-US"/>
+        </a:p>
+      </c:txPr>
+    </c:title>
+    <c:autoTitleDeleted val="0"/>
+    <c:plotArea>
+      <c:layout/>
+      <c:scatterChart>
+        <c:scatterStyle val="lineMarker"/>
+        <c:varyColors val="0"/>
+        <c:ser>
+          <c:idx val="0"/>
+          <c:order val="0"/>
+          <c:spPr>
+            <a:ln w="25400" cap="rnd">
+              <a:noFill/>
+              <a:round/>
+            </a:ln>
+            <a:effectLst/>
+          </c:spPr>
+          <c:marker>
+            <c:symbol val="circle"/>
+            <c:size val="5"/>
+            <c:spPr>
+              <a:solidFill>
+                <a:schemeClr val="accent1"/>
+              </a:solidFill>
+              <a:ln w="9525">
+                <a:solidFill>
+                  <a:schemeClr val="accent1"/>
+                </a:solidFill>
+              </a:ln>
+              <a:effectLst/>
+            </c:spPr>
+          </c:marker>
+          <c:trendline>
+            <c:spPr>
+              <a:ln w="19050" cap="rnd">
+                <a:solidFill>
+                  <a:schemeClr val="accent1"/>
+                </a:solidFill>
+                <a:prstDash val="sysDot"/>
+              </a:ln>
+              <a:effectLst/>
+            </c:spPr>
+            <c:trendlineType val="linear"/>
+            <c:dispRSqr val="0"/>
+            <c:dispEq val="0"/>
+          </c:trendline>
+          <c:xVal>
+            <c:numRef>
+              <c:f>Sheet2!$B$2:$B$9</c:f>
+              <c:numCache>
+                <c:formatCode>General</c:formatCode>
+                <c:ptCount val="8"/>
+                <c:pt idx="0">
+                  <c:v>0.13996952861952866</c:v>
+                </c:pt>
+                <c:pt idx="1">
+                  <c:v>0.24895021244187909</c:v>
+                </c:pt>
+                <c:pt idx="2">
+                  <c:v>0.16684507575757562</c:v>
+                </c:pt>
+                <c:pt idx="3">
+                  <c:v>0.30240353535353509</c:v>
+                </c:pt>
+                <c:pt idx="4">
+                  <c:v>0.22369243025493005</c:v>
+                </c:pt>
+                <c:pt idx="5">
+                  <c:v>0.24341061207311193</c:v>
+                </c:pt>
+                <c:pt idx="6">
+                  <c:v>0.34645395622895669</c:v>
+                </c:pt>
+                <c:pt idx="7">
+                  <c:v>0.21089566498316509</c:v>
+                </c:pt>
+              </c:numCache>
+            </c:numRef>
+          </c:xVal>
+          <c:yVal>
+            <c:numRef>
+              <c:f>Sheet2!$C$2:$C$9</c:f>
+              <c:numCache>
+                <c:formatCode>General</c:formatCode>
+                <c:ptCount val="8"/>
+                <c:pt idx="0">
+                  <c:v>3.8557689000000002</c:v>
+                </c:pt>
+                <c:pt idx="1">
+                  <c:v>0.21971250000000001</c:v>
+                </c:pt>
+                <c:pt idx="2">
+                  <c:v>1.605691</c:v>
+                </c:pt>
+                <c:pt idx="3">
+                  <c:v>1</c:v>
+                </c:pt>
+                <c:pt idx="4">
+                  <c:v>2.5217390000000002</c:v>
+                </c:pt>
+                <c:pt idx="5">
+                  <c:v>4.0322579999999997</c:v>
+                </c:pt>
+                <c:pt idx="6">
+                  <c:v>3.308411</c:v>
+                </c:pt>
+                <c:pt idx="7">
+                  <c:v>4.2866239999999998</c:v>
+                </c:pt>
+              </c:numCache>
+            </c:numRef>
+          </c:yVal>
+          <c:smooth val="0"/>
+          <c:extLst>
+            <c:ext xmlns:c16="http://schemas.microsoft.com/office/drawing/2014/chart" uri="{C3380CC4-5D6E-409C-BE32-E72D297353CC}">
+              <c16:uniqueId val="{00000001-1CB1-4233-8506-F080DD4827BA}"/>
+            </c:ext>
+          </c:extLst>
+        </c:ser>
+        <c:dLbls>
+          <c:showLegendKey val="0"/>
+          <c:showVal val="0"/>
+          <c:showCatName val="0"/>
+          <c:showSerName val="0"/>
+          <c:showPercent val="0"/>
+          <c:showBubbleSize val="0"/>
+        </c:dLbls>
+        <c:axId val="1025091280"/>
+        <c:axId val="1025085040"/>
+      </c:scatterChart>
+      <c:valAx>
+        <c:axId val="1025091280"/>
+        <c:scaling>
+          <c:orientation val="minMax"/>
+          <c:max val="0.4"/>
+          <c:min val="0.1"/>
+        </c:scaling>
+        <c:delete val="0"/>
+        <c:axPos val="b"/>
+        <c:majorGridlines>
+          <c:spPr>
+            <a:ln w="9525" cap="flat" cmpd="sng" algn="ctr">
+              <a:solidFill>
+                <a:schemeClr val="tx1">
+                  <a:lumMod val="15000"/>
+                  <a:lumOff val="85000"/>
+                </a:schemeClr>
+              </a:solidFill>
+              <a:round/>
+            </a:ln>
+            <a:effectLst/>
+          </c:spPr>
+        </c:majorGridlines>
+        <c:title>
+          <c:tx>
+            <c:rich>
+              <a:bodyPr rot="0" spcFirstLastPara="1" vertOverflow="ellipsis" vert="horz" wrap="square" anchor="ctr" anchorCtr="1"/>
+              <a:lstStyle/>
+              <a:p>
+                <a:pPr>
+                  <a:defRPr sz="1000" b="0" i="0" u="none" strike="noStrike" kern="1200" baseline="0">
+                    <a:solidFill>
+                      <a:schemeClr val="tx1">
+                        <a:lumMod val="65000"/>
+                        <a:lumOff val="35000"/>
+                      </a:schemeClr>
+                    </a:solidFill>
+                    <a:latin typeface="+mn-lt"/>
+                    <a:ea typeface="+mn-ea"/>
+                    <a:cs typeface="+mn-cs"/>
+                  </a:defRPr>
+                </a:pPr>
+                <a:r>
+                  <a:rPr lang="en-US"/>
+                  <a:t>TextBlob</a:t>
+                </a:r>
+                <a:r>
+                  <a:rPr lang="en-US" baseline="0"/>
+                  <a:t> Polarity</a:t>
+                </a:r>
+                <a:endParaRPr lang="en-US"/>
+              </a:p>
+            </c:rich>
+          </c:tx>
+          <c:overlay val="0"/>
+          <c:spPr>
+            <a:noFill/>
+            <a:ln>
+              <a:noFill/>
+            </a:ln>
+            <a:effectLst/>
+          </c:spPr>
+          <c:txPr>
+            <a:bodyPr rot="0" spcFirstLastPara="1" vertOverflow="ellipsis" vert="horz" wrap="square" anchor="ctr" anchorCtr="1"/>
+            <a:lstStyle/>
+            <a:p>
+              <a:pPr>
+                <a:defRPr sz="1000" b="0" i="0" u="none" strike="noStrike" kern="1200" baseline="0">
+                  <a:solidFill>
+                    <a:schemeClr val="tx1">
+                      <a:lumMod val="65000"/>
+                      <a:lumOff val="35000"/>
+                    </a:schemeClr>
+                  </a:solidFill>
+                  <a:latin typeface="+mn-lt"/>
+                  <a:ea typeface="+mn-ea"/>
+                  <a:cs typeface="+mn-cs"/>
+                </a:defRPr>
+              </a:pPr>
+              <a:endParaRPr lang="en-US"/>
+            </a:p>
+          </c:txPr>
+        </c:title>
+        <c:numFmt formatCode="General" sourceLinked="1"/>
+        <c:majorTickMark val="none"/>
+        <c:minorTickMark val="none"/>
+        <c:tickLblPos val="nextTo"/>
+        <c:spPr>
+          <a:noFill/>
+          <a:ln w="9525" cap="flat" cmpd="sng" algn="ctr">
+            <a:solidFill>
+              <a:schemeClr val="tx1">
+                <a:lumMod val="25000"/>
+                <a:lumOff val="75000"/>
+              </a:schemeClr>
+            </a:solidFill>
+            <a:round/>
+          </a:ln>
+          <a:effectLst/>
+        </c:spPr>
+        <c:txPr>
+          <a:bodyPr rot="-60000000" spcFirstLastPara="1" vertOverflow="ellipsis" vert="horz" wrap="square" anchor="ctr" anchorCtr="1"/>
+          <a:lstStyle/>
+          <a:p>
+            <a:pPr>
+              <a:defRPr sz="900" b="0" i="0" u="none" strike="noStrike" kern="1200" baseline="0">
+                <a:solidFill>
+                  <a:schemeClr val="tx1">
+                    <a:lumMod val="65000"/>
+                    <a:lumOff val="35000"/>
+                  </a:schemeClr>
+                </a:solidFill>
+                <a:latin typeface="+mn-lt"/>
+                <a:ea typeface="+mn-ea"/>
+                <a:cs typeface="+mn-cs"/>
+              </a:defRPr>
+            </a:pPr>
+            <a:endParaRPr lang="en-US"/>
+          </a:p>
+        </c:txPr>
+        <c:crossAx val="1025085040"/>
+        <c:crosses val="autoZero"/>
+        <c:crossBetween val="midCat"/>
+      </c:valAx>
+      <c:valAx>
+        <c:axId val="1025085040"/>
+        <c:scaling>
+          <c:orientation val="minMax"/>
+        </c:scaling>
+        <c:delete val="0"/>
+        <c:axPos val="l"/>
+        <c:majorGridlines>
+          <c:spPr>
+            <a:ln w="9525" cap="flat" cmpd="sng" algn="ctr">
+              <a:solidFill>
+                <a:schemeClr val="tx1">
+                  <a:lumMod val="15000"/>
+                  <a:lumOff val="85000"/>
+                </a:schemeClr>
+              </a:solidFill>
+              <a:round/>
+            </a:ln>
+            <a:effectLst/>
+          </c:spPr>
+        </c:majorGridlines>
+        <c:title>
+          <c:tx>
+            <c:rich>
+              <a:bodyPr rot="-5400000" spcFirstLastPara="1" vertOverflow="ellipsis" vert="horz" wrap="square" anchor="ctr" anchorCtr="1"/>
+              <a:lstStyle/>
+              <a:p>
+                <a:pPr>
+                  <a:defRPr sz="1000" b="0" i="0" u="none" strike="noStrike" kern="1200" baseline="0">
+                    <a:solidFill>
+                      <a:schemeClr val="tx1">
+                        <a:lumMod val="65000"/>
+                        <a:lumOff val="35000"/>
+                      </a:schemeClr>
+                    </a:solidFill>
+                    <a:latin typeface="+mn-lt"/>
+                    <a:ea typeface="+mn-ea"/>
+                    <a:cs typeface="+mn-cs"/>
+                  </a:defRPr>
+                </a:pPr>
+                <a:r>
+                  <a:rPr lang="en-US"/>
+                  <a:t>Naive Bayes</a:t>
+                </a:r>
+                <a:r>
+                  <a:rPr lang="en-US" baseline="0"/>
+                  <a:t> Prediction</a:t>
+                </a:r>
+                <a:endParaRPr lang="en-US"/>
+              </a:p>
+            </c:rich>
+          </c:tx>
+          <c:overlay val="0"/>
+          <c:spPr>
+            <a:noFill/>
+            <a:ln>
+              <a:noFill/>
+            </a:ln>
+            <a:effectLst/>
+          </c:spPr>
+          <c:txPr>
+            <a:bodyPr rot="-5400000" spcFirstLastPara="1" vertOverflow="ellipsis" vert="horz" wrap="square" anchor="ctr" anchorCtr="1"/>
+            <a:lstStyle/>
+            <a:p>
+              <a:pPr>
+                <a:defRPr sz="1000" b="0" i="0" u="none" strike="noStrike" kern="1200" baseline="0">
+                  <a:solidFill>
+                    <a:schemeClr val="tx1">
+                      <a:lumMod val="65000"/>
+                      <a:lumOff val="35000"/>
+                    </a:schemeClr>
+                  </a:solidFill>
+                  <a:latin typeface="+mn-lt"/>
+                  <a:ea typeface="+mn-ea"/>
+                  <a:cs typeface="+mn-cs"/>
+                </a:defRPr>
+              </a:pPr>
+              <a:endParaRPr lang="en-US"/>
+            </a:p>
+          </c:txPr>
+        </c:title>
+        <c:numFmt formatCode="General" sourceLinked="1"/>
+        <c:majorTickMark val="none"/>
+        <c:minorTickMark val="none"/>
+        <c:tickLblPos val="nextTo"/>
+        <c:spPr>
+          <a:noFill/>
+          <a:ln w="9525" cap="flat" cmpd="sng" algn="ctr">
+            <a:solidFill>
+              <a:schemeClr val="tx1">
+                <a:lumMod val="25000"/>
+                <a:lumOff val="75000"/>
+              </a:schemeClr>
+            </a:solidFill>
+            <a:round/>
+          </a:ln>
+          <a:effectLst/>
+        </c:spPr>
+        <c:txPr>
+          <a:bodyPr rot="-60000000" spcFirstLastPara="1" vertOverflow="ellipsis" vert="horz" wrap="square" anchor="ctr" anchorCtr="1"/>
+          <a:lstStyle/>
+          <a:p>
+            <a:pPr>
+              <a:defRPr sz="900" b="0" i="0" u="none" strike="noStrike" kern="1200" baseline="0">
+                <a:solidFill>
+                  <a:schemeClr val="tx1">
+                    <a:lumMod val="65000"/>
+                    <a:lumOff val="35000"/>
+                  </a:schemeClr>
+                </a:solidFill>
+                <a:latin typeface="+mn-lt"/>
+                <a:ea typeface="+mn-ea"/>
+                <a:cs typeface="+mn-cs"/>
+              </a:defRPr>
+            </a:pPr>
+            <a:endParaRPr lang="en-US"/>
+          </a:p>
+        </c:txPr>
+        <c:crossAx val="1025091280"/>
+        <c:crosses val="autoZero"/>
+        <c:crossBetween val="midCat"/>
+      </c:valAx>
+      <c:spPr>
+        <a:noFill/>
+        <a:ln>
+          <a:noFill/>
+        </a:ln>
+        <a:effectLst/>
+      </c:spPr>
+    </c:plotArea>
+    <c:plotVisOnly val="1"/>
+    <c:dispBlanksAs val="gap"/>
+    <c:extLst>
+      <c:ext xmlns:c16r3="http://schemas.microsoft.com/office/drawing/2017/03/chart" uri="{56B9EC1D-385E-4148-901F-78D8002777C0}">
+        <c16r3:dataDisplayOptions16>
+          <c16r3:dispNaAsBlank val="1"/>
+        </c16r3:dataDisplayOptions16>
+      </c:ext>
+    </c:extLst>
+    <c:showDLblsOverMax val="0"/>
+  </c:chart>
+  <c:spPr>
+    <a:solidFill>
+      <a:schemeClr val="bg1"/>
+    </a:solidFill>
+    <a:ln>
+      <a:solidFill>
+        <a:schemeClr val="tx1"/>
+      </a:solidFill>
+    </a:ln>
+    <a:effectLst/>
+  </c:spPr>
+  <c:txPr>
+    <a:bodyPr/>
+    <a:lstStyle/>
+    <a:p>
+      <a:pPr>
+        <a:defRPr/>
+      </a:pPr>
+      <a:endParaRPr lang="en-US"/>
+    </a:p>
+  </c:txPr>
+  <c:externalData r:id="rId3">
+    <c:autoUpdate val="0"/>
+  </c:externalData>
+  <c:userShapes r:id="rId4"/>
+</c:chartSpace>
+</file>
+
+<file path=ppt/charts/colors1.xml><?xml version="1.0" encoding="utf-8"?>
+<cs:colorStyle xmlns:cs="http://schemas.microsoft.com/office/drawing/2012/chartStyle" xmlns:a="http://schemas.openxmlformats.org/drawingml/2006/main" meth="cycle" id="10">
+  <a:schemeClr val="accent1"/>
+  <a:schemeClr val="accent2"/>
+  <a:schemeClr val="accent3"/>
+  <a:schemeClr val="accent4"/>
+  <a:schemeClr val="accent5"/>
+  <a:schemeClr val="accent6"/>
+  <cs:variation/>
+  <cs:variation>
+    <a:lumMod val="60000"/>
+  </cs:variation>
+  <cs:variation>
+    <a:lumMod val="80000"/>
+    <a:lumOff val="20000"/>
+  </cs:variation>
+  <cs:variation>
+    <a:lumMod val="80000"/>
+  </cs:variation>
+  <cs:variation>
+    <a:lumMod val="60000"/>
+    <a:lumOff val="40000"/>
+  </cs:variation>
+  <cs:variation>
+    <a:lumMod val="50000"/>
+  </cs:variation>
+  <cs:variation>
+    <a:lumMod val="70000"/>
+    <a:lumOff val="30000"/>
+  </cs:variation>
+  <cs:variation>
+    <a:lumMod val="70000"/>
+  </cs:variation>
+  <cs:variation>
+    <a:lumMod val="50000"/>
+    <a:lumOff val="50000"/>
+  </cs:variation>
+</cs:colorStyle>
+</file>
+
+<file path=ppt/charts/colors2.xml><?xml version="1.0" encoding="utf-8"?>
+<cs:colorStyle xmlns:cs="http://schemas.microsoft.com/office/drawing/2012/chartStyle" xmlns:a="http://schemas.openxmlformats.org/drawingml/2006/main" meth="cycle" id="10">
+  <a:schemeClr val="accent1"/>
+  <a:schemeClr val="accent2"/>
+  <a:schemeClr val="accent3"/>
+  <a:schemeClr val="accent4"/>
+  <a:schemeClr val="accent5"/>
+  <a:schemeClr val="accent6"/>
+  <cs:variation/>
+  <cs:variation>
+    <a:lumMod val="60000"/>
+  </cs:variation>
+  <cs:variation>
+    <a:lumMod val="80000"/>
+    <a:lumOff val="20000"/>
+  </cs:variation>
+  <cs:variation>
+    <a:lumMod val="80000"/>
+  </cs:variation>
+  <cs:variation>
+    <a:lumMod val="60000"/>
+    <a:lumOff val="40000"/>
+  </cs:variation>
+  <cs:variation>
+    <a:lumMod val="50000"/>
+  </cs:variation>
+  <cs:variation>
+    <a:lumMod val="70000"/>
+    <a:lumOff val="30000"/>
+  </cs:variation>
+  <cs:variation>
+    <a:lumMod val="70000"/>
+  </cs:variation>
+  <cs:variation>
+    <a:lumMod val="50000"/>
+    <a:lumOff val="50000"/>
+  </cs:variation>
+</cs:colorStyle>
+</file>
+
+<file path=ppt/charts/style1.xml><?xml version="1.0" encoding="utf-8"?>
+<cs:chartStyle xmlns:cs="http://schemas.microsoft.com/office/drawing/2012/chartStyle" xmlns:a="http://schemas.openxmlformats.org/drawingml/2006/main" id="201">
+  <cs:axisTitle>
+    <cs:lnRef idx="0"/>
+    <cs:fillRef idx="0"/>
+    <cs:effectRef idx="0"/>
+    <cs:fontRef idx="minor">
+      <a:schemeClr val="tx1">
+        <a:lumMod val="65000"/>
+        <a:lumOff val="35000"/>
+      </a:schemeClr>
+    </cs:fontRef>
+    <cs:defRPr sz="1000" kern="1200"/>
+  </cs:axisTitle>
+  <cs:categoryAxis>
+    <cs:lnRef idx="0"/>
+    <cs:fillRef idx="0"/>
+    <cs:effectRef idx="0"/>
+    <cs:fontRef idx="minor">
+      <a:schemeClr val="tx1">
+        <a:lumMod val="65000"/>
+        <a:lumOff val="35000"/>
+      </a:schemeClr>
+    </cs:fontRef>
+    <cs:spPr>
+      <a:ln w="9525" cap="flat" cmpd="sng" algn="ctr">
+        <a:solidFill>
+          <a:schemeClr val="tx1">
+            <a:lumMod val="15000"/>
+            <a:lumOff val="85000"/>
+          </a:schemeClr>
+        </a:solidFill>
+        <a:round/>
+      </a:ln>
+    </cs:spPr>
+    <cs:defRPr sz="900" kern="1200"/>
+  </cs:categoryAxis>
+  <cs:chartArea mods="allowNoFillOverride allowNoLineOverride">
+    <cs:lnRef idx="0"/>
+    <cs:fillRef idx="0"/>
+    <cs:effectRef idx="0"/>
+    <cs:fontRef idx="minor">
+      <a:schemeClr val="tx1"/>
+    </cs:fontRef>
+    <cs:spPr>
+      <a:solidFill>
+        <a:schemeClr val="bg1"/>
+      </a:solidFill>
+      <a:ln w="9525" cap="flat" cmpd="sng" algn="ctr">
+        <a:solidFill>
+          <a:schemeClr val="tx1">
+            <a:lumMod val="15000"/>
+            <a:lumOff val="85000"/>
+          </a:schemeClr>
+        </a:solidFill>
+        <a:round/>
+      </a:ln>
+    </cs:spPr>
+    <cs:defRPr sz="1000" kern="1200"/>
+  </cs:chartArea>
+  <cs:dataLabel>
+    <cs:lnRef idx="0"/>
+    <cs:fillRef idx="0"/>
+    <cs:effectRef idx="0"/>
+    <cs:fontRef idx="minor">
+      <a:schemeClr val="tx1">
+        <a:lumMod val="75000"/>
+        <a:lumOff val="25000"/>
+      </a:schemeClr>
+    </cs:fontRef>
+    <cs:defRPr sz="900" kern="1200"/>
+  </cs:dataLabel>
+  <cs:dataLabelCallout>
+    <cs:lnRef idx="0"/>
+    <cs:fillRef idx="0"/>
+    <cs:effectRef idx="0"/>
+    <cs:fontRef idx="minor">
+      <a:schemeClr val="dk1">
+        <a:lumMod val="65000"/>
+        <a:lumOff val="35000"/>
+      </a:schemeClr>
+    </cs:fontRef>
+    <cs:spPr>
+      <a:solidFill>
+        <a:schemeClr val="lt1"/>
+      </a:solidFill>
+      <a:ln>
+        <a:solidFill>
+          <a:schemeClr val="dk1">
+            <a:lumMod val="25000"/>
+            <a:lumOff val="75000"/>
+          </a:schemeClr>
+        </a:solidFill>
+      </a:ln>
+    </cs:spPr>
+    <cs:defRPr sz="900" kern="1200"/>
+    <cs:bodyPr rot="0" spcFirstLastPara="1" vertOverflow="clip" horzOverflow="clip" vert="horz" wrap="square" lIns="36576" tIns="18288" rIns="36576" bIns="18288" anchor="ctr" anchorCtr="1">
+      <a:spAutoFit/>
+    </cs:bodyPr>
+  </cs:dataLabelCallout>
+  <cs:dataPoint>
+    <cs:lnRef idx="0"/>
+    <cs:fillRef idx="1">
+      <cs:styleClr val="auto"/>
+    </cs:fillRef>
+    <cs:effectRef idx="0"/>
+    <cs:fontRef idx="minor">
+      <a:schemeClr val="tx1"/>
+    </cs:fontRef>
+  </cs:dataPoint>
+  <cs:dataPoint3D>
+    <cs:lnRef idx="0"/>
+    <cs:fillRef idx="1">
+      <cs:styleClr val="auto"/>
+    </cs:fillRef>
+    <cs:effectRef idx="0"/>
+    <cs:fontRef idx="minor">
+      <a:schemeClr val="tx1"/>
+    </cs:fontRef>
+  </cs:dataPoint3D>
+  <cs:dataPointLine>
+    <cs:lnRef idx="0">
+      <cs:styleClr val="auto"/>
+    </cs:lnRef>
+    <cs:fillRef idx="1"/>
+    <cs:effectRef idx="0"/>
+    <cs:fontRef idx="minor">
+      <a:schemeClr val="tx1"/>
+    </cs:fontRef>
+    <cs:spPr>
+      <a:ln w="28575" cap="rnd">
+        <a:solidFill>
+          <a:schemeClr val="phClr"/>
+        </a:solidFill>
+        <a:round/>
+      </a:ln>
+    </cs:spPr>
+  </cs:dataPointLine>
+  <cs:dataPointMarker>
+    <cs:lnRef idx="0">
+      <cs:styleClr val="auto"/>
+    </cs:lnRef>
+    <cs:fillRef idx="1">
+      <cs:styleClr val="auto"/>
+    </cs:fillRef>
+    <cs:effectRef idx="0"/>
+    <cs:fontRef idx="minor">
+      <a:schemeClr val="tx1"/>
+    </cs:fontRef>
+    <cs:spPr>
+      <a:ln w="9525">
+        <a:solidFill>
+          <a:schemeClr val="phClr"/>
+        </a:solidFill>
+      </a:ln>
+    </cs:spPr>
+  </cs:dataPointMarker>
+  <cs:dataPointMarkerLayout symbol="circle" size="5"/>
+  <cs:dataPointWireframe>
+    <cs:lnRef idx="0">
+      <cs:styleClr val="auto"/>
+    </cs:lnRef>
+    <cs:fillRef idx="1"/>
+    <cs:effectRef idx="0"/>
+    <cs:fontRef idx="minor">
+      <a:schemeClr val="tx1"/>
+    </cs:fontRef>
+    <cs:spPr>
+      <a:ln w="9525" cap="rnd">
+        <a:solidFill>
+          <a:schemeClr val="phClr"/>
+        </a:solidFill>
+        <a:round/>
+      </a:ln>
+    </cs:spPr>
+  </cs:dataPointWireframe>
+  <cs:dataTable>
+    <cs:lnRef idx="0"/>
+    <cs:fillRef idx="0"/>
+    <cs:effectRef idx="0"/>
+    <cs:fontRef idx="minor">
+      <a:schemeClr val="tx1">
+        <a:lumMod val="65000"/>
+        <a:lumOff val="35000"/>
+      </a:schemeClr>
+    </cs:fontRef>
+    <cs:spPr>
+      <a:noFill/>
+      <a:ln w="9525" cap="flat" cmpd="sng" algn="ctr">
+        <a:solidFill>
+          <a:schemeClr val="tx1">
+            <a:lumMod val="15000"/>
+            <a:lumOff val="85000"/>
+          </a:schemeClr>
+        </a:solidFill>
+        <a:round/>
+      </a:ln>
+    </cs:spPr>
+    <cs:defRPr sz="900" kern="1200"/>
+  </cs:dataTable>
+  <cs:downBar>
+    <cs:lnRef idx="0"/>
+    <cs:fillRef idx="0"/>
+    <cs:effectRef idx="0"/>
+    <cs:fontRef idx="minor">
+      <a:schemeClr val="dk1"/>
+    </cs:fontRef>
+    <cs:spPr>
+      <a:solidFill>
+        <a:schemeClr val="dk1">
+          <a:lumMod val="65000"/>
+          <a:lumOff val="35000"/>
+        </a:schemeClr>
+      </a:solidFill>
+      <a:ln w="9525">
+        <a:solidFill>
+          <a:schemeClr val="tx1">
+            <a:lumMod val="65000"/>
+            <a:lumOff val="35000"/>
+          </a:schemeClr>
+        </a:solidFill>
+      </a:ln>
+    </cs:spPr>
+  </cs:downBar>
+  <cs:dropLine>
+    <cs:lnRef idx="0"/>
+    <cs:fillRef idx="0"/>
+    <cs:effectRef idx="0"/>
+    <cs:fontRef idx="minor">
+      <a:schemeClr val="tx1"/>
+    </cs:fontRef>
+    <cs:spPr>
+      <a:ln w="9525" cap="flat" cmpd="sng" algn="ctr">
+        <a:solidFill>
+          <a:schemeClr val="tx1">
+            <a:lumMod val="35000"/>
+            <a:lumOff val="65000"/>
+          </a:schemeClr>
+        </a:solidFill>
+        <a:round/>
+      </a:ln>
+    </cs:spPr>
+  </cs:dropLine>
+  <cs:errorBar>
+    <cs:lnRef idx="0"/>
+    <cs:fillRef idx="0"/>
+    <cs:effectRef idx="0"/>
+    <cs:fontRef idx="minor">
+      <a:schemeClr val="tx1"/>
+    </cs:fontRef>
+    <cs:spPr>
+      <a:ln w="9525" cap="flat" cmpd="sng" algn="ctr">
+        <a:solidFill>
+          <a:schemeClr val="tx1">
+            <a:lumMod val="65000"/>
+            <a:lumOff val="35000"/>
+          </a:schemeClr>
+        </a:solidFill>
+        <a:round/>
+      </a:ln>
+    </cs:spPr>
+  </cs:errorBar>
+  <cs:floor>
+    <cs:lnRef idx="0"/>
+    <cs:fillRef idx="0"/>
+    <cs:effectRef idx="0"/>
+    <cs:fontRef idx="minor">
+      <a:schemeClr val="tx1"/>
+    </cs:fontRef>
+    <cs:spPr>
+      <a:noFill/>
+      <a:ln>
+        <a:noFill/>
+      </a:ln>
+    </cs:spPr>
+  </cs:floor>
+  <cs:gridlineMajor>
+    <cs:lnRef idx="0"/>
+    <cs:fillRef idx="0"/>
+    <cs:effectRef idx="0"/>
+    <cs:fontRef idx="minor">
+      <a:schemeClr val="tx1"/>
+    </cs:fontRef>
+    <cs:spPr>
+      <a:ln w="9525" cap="flat" cmpd="sng" algn="ctr">
+        <a:solidFill>
+          <a:schemeClr val="tx1">
+            <a:lumMod val="15000"/>
+            <a:lumOff val="85000"/>
+          </a:schemeClr>
+        </a:solidFill>
+        <a:round/>
+      </a:ln>
+    </cs:spPr>
+  </cs:gridlineMajor>
+  <cs:gridlineMinor>
+    <cs:lnRef idx="0"/>
+    <cs:fillRef idx="0"/>
+    <cs:effectRef idx="0"/>
+    <cs:fontRef idx="minor">
+      <a:schemeClr val="tx1"/>
+    </cs:fontRef>
+    <cs:spPr>
+      <a:ln w="9525" cap="flat" cmpd="sng" algn="ctr">
+        <a:solidFill>
+          <a:schemeClr val="tx1">
+            <a:lumMod val="5000"/>
+            <a:lumOff val="95000"/>
+          </a:schemeClr>
+        </a:solidFill>
+        <a:round/>
+      </a:ln>
+    </cs:spPr>
+  </cs:gridlineMinor>
+  <cs:hiLoLine>
+    <cs:lnRef idx="0"/>
+    <cs:fillRef idx="0"/>
+    <cs:effectRef idx="0"/>
+    <cs:fontRef idx="minor">
+      <a:schemeClr val="tx1"/>
+    </cs:fontRef>
+    <cs:spPr>
+      <a:ln w="9525" cap="flat" cmpd="sng" algn="ctr">
+        <a:solidFill>
+          <a:schemeClr val="tx1">
+            <a:lumMod val="75000"/>
+            <a:lumOff val="25000"/>
+          </a:schemeClr>
+        </a:solidFill>
+        <a:round/>
+      </a:ln>
+    </cs:spPr>
+  </cs:hiLoLine>
+  <cs:leaderLine>
+    <cs:lnRef idx="0"/>
+    <cs:fillRef idx="0"/>
+    <cs:effectRef idx="0"/>
+    <cs:fontRef idx="minor">
+      <a:schemeClr val="tx1"/>
+    </cs:fontRef>
+    <cs:spPr>
+      <a:ln w="9525" cap="flat" cmpd="sng" algn="ctr">
+        <a:solidFill>
+          <a:schemeClr val="tx1">
+            <a:lumMod val="35000"/>
+            <a:lumOff val="65000"/>
+          </a:schemeClr>
+        </a:solidFill>
+        <a:round/>
+      </a:ln>
+    </cs:spPr>
+  </cs:leaderLine>
+  <cs:legend>
+    <cs:lnRef idx="0"/>
+    <cs:fillRef idx="0"/>
+    <cs:effectRef idx="0"/>
+    <cs:fontRef idx="minor">
+      <a:schemeClr val="tx1">
+        <a:lumMod val="65000"/>
+        <a:lumOff val="35000"/>
+      </a:schemeClr>
+    </cs:fontRef>
+    <cs:defRPr sz="900" kern="1200"/>
+  </cs:legend>
+  <cs:plotArea mods="allowNoFillOverride allowNoLineOverride">
+    <cs:lnRef idx="0"/>
+    <cs:fillRef idx="0"/>
+    <cs:effectRef idx="0"/>
+    <cs:fontRef idx="minor">
+      <a:schemeClr val="tx1"/>
+    </cs:fontRef>
+  </cs:plotArea>
+  <cs:plotArea3D mods="allowNoFillOverride allowNoLineOverride">
+    <cs:lnRef idx="0"/>
+    <cs:fillRef idx="0"/>
+    <cs:effectRef idx="0"/>
+    <cs:fontRef idx="minor">
+      <a:schemeClr val="tx1"/>
+    </cs:fontRef>
+  </cs:plotArea3D>
+  <cs:seriesAxis>
+    <cs:lnRef idx="0"/>
+    <cs:fillRef idx="0"/>
+    <cs:effectRef idx="0"/>
+    <cs:fontRef idx="minor">
+      <a:schemeClr val="tx1">
+        <a:lumMod val="65000"/>
+        <a:lumOff val="35000"/>
+      </a:schemeClr>
+    </cs:fontRef>
+    <cs:defRPr sz="900" kern="1200"/>
+  </cs:seriesAxis>
+  <cs:seriesLine>
+    <cs:lnRef idx="0"/>
+    <cs:fillRef idx="0"/>
+    <cs:effectRef idx="0"/>
+    <cs:fontRef idx="minor">
+      <a:schemeClr val="tx1"/>
+    </cs:fontRef>
+    <cs:spPr>
+      <a:ln w="9525" cap="flat" cmpd="sng" algn="ctr">
+        <a:solidFill>
+          <a:schemeClr val="tx1">
+            <a:lumMod val="35000"/>
+            <a:lumOff val="65000"/>
+          </a:schemeClr>
+        </a:solidFill>
+        <a:round/>
+      </a:ln>
+    </cs:spPr>
+  </cs:seriesLine>
+  <cs:title>
+    <cs:lnRef idx="0"/>
+    <cs:fillRef idx="0"/>
+    <cs:effectRef idx="0"/>
+    <cs:fontRef idx="minor">
+      <a:schemeClr val="tx1">
+        <a:lumMod val="65000"/>
+        <a:lumOff val="35000"/>
+      </a:schemeClr>
+    </cs:fontRef>
+    <cs:defRPr sz="1400" b="0" kern="1200" spc="0" baseline="0"/>
+  </cs:title>
+  <cs:trendline>
+    <cs:lnRef idx="0">
+      <cs:styleClr val="auto"/>
+    </cs:lnRef>
+    <cs:fillRef idx="0"/>
+    <cs:effectRef idx="0"/>
+    <cs:fontRef idx="minor">
+      <a:schemeClr val="tx1"/>
+    </cs:fontRef>
+    <cs:spPr>
+      <a:ln w="19050" cap="rnd">
+        <a:solidFill>
+          <a:schemeClr val="phClr"/>
+        </a:solidFill>
+        <a:prstDash val="sysDot"/>
+      </a:ln>
+    </cs:spPr>
+  </cs:trendline>
+  <cs:trendlineLabel>
+    <cs:lnRef idx="0"/>
+    <cs:fillRef idx="0"/>
+    <cs:effectRef idx="0"/>
+    <cs:fontRef idx="minor">
+      <a:schemeClr val="tx1">
+        <a:lumMod val="65000"/>
+        <a:lumOff val="35000"/>
+      </a:schemeClr>
+    </cs:fontRef>
+    <cs:defRPr sz="900" kern="1200"/>
+  </cs:trendlineLabel>
+  <cs:upBar>
+    <cs:lnRef idx="0"/>
+    <cs:fillRef idx="0"/>
+    <cs:effectRef idx="0"/>
+    <cs:fontRef idx="minor">
+      <a:schemeClr val="dk1"/>
+    </cs:fontRef>
+    <cs:spPr>
+      <a:solidFill>
+        <a:schemeClr val="lt1"/>
+      </a:solidFill>
+      <a:ln w="9525">
+        <a:solidFill>
+          <a:schemeClr val="tx1">
+            <a:lumMod val="15000"/>
+            <a:lumOff val="85000"/>
+          </a:schemeClr>
+        </a:solidFill>
+      </a:ln>
+    </cs:spPr>
+  </cs:upBar>
+  <cs:valueAxis>
+    <cs:lnRef idx="0"/>
+    <cs:fillRef idx="0"/>
+    <cs:effectRef idx="0"/>
+    <cs:fontRef idx="minor">
+      <a:schemeClr val="tx1">
+        <a:lumMod val="65000"/>
+        <a:lumOff val="35000"/>
+      </a:schemeClr>
+    </cs:fontRef>
+    <cs:defRPr sz="900" kern="1200"/>
+  </cs:valueAxis>
+  <cs:wall>
+    <cs:lnRef idx="0"/>
+    <cs:fillRef idx="0"/>
+    <cs:effectRef idx="0"/>
+    <cs:fontRef idx="minor">
+      <a:schemeClr val="tx1"/>
+    </cs:fontRef>
+    <cs:spPr>
+      <a:noFill/>
+      <a:ln>
+        <a:noFill/>
+      </a:ln>
+    </cs:spPr>
+  </cs:wall>
+</cs:chartStyle>
+</file>
+
+<file path=ppt/charts/style2.xml><?xml version="1.0" encoding="utf-8"?>
+<cs:chartStyle xmlns:cs="http://schemas.microsoft.com/office/drawing/2012/chartStyle" xmlns:a="http://schemas.openxmlformats.org/drawingml/2006/main" id="240">
+  <cs:axisTitle>
+    <cs:lnRef idx="0"/>
+    <cs:fillRef idx="0"/>
+    <cs:effectRef idx="0"/>
+    <cs:fontRef idx="minor">
+      <a:schemeClr val="tx1">
+        <a:lumMod val="65000"/>
+        <a:lumOff val="35000"/>
+      </a:schemeClr>
+    </cs:fontRef>
+    <cs:defRPr sz="1000" kern="1200"/>
+  </cs:axisTitle>
+  <cs:categoryAxis>
+    <cs:lnRef idx="0"/>
+    <cs:fillRef idx="0"/>
+    <cs:effectRef idx="0"/>
+    <cs:fontRef idx="minor">
+      <a:schemeClr val="tx1">
+        <a:lumMod val="65000"/>
+        <a:lumOff val="35000"/>
+      </a:schemeClr>
+    </cs:fontRef>
+    <cs:spPr>
+      <a:ln w="9525" cap="flat" cmpd="sng" algn="ctr">
+        <a:solidFill>
+          <a:schemeClr val="tx1">
+            <a:lumMod val="25000"/>
+            <a:lumOff val="75000"/>
+          </a:schemeClr>
+        </a:solidFill>
+        <a:round/>
+      </a:ln>
+    </cs:spPr>
+    <cs:defRPr sz="900" kern="1200"/>
+  </cs:categoryAxis>
+  <cs:chartArea mods="allowNoFillOverride allowNoLineOverride">
+    <cs:lnRef idx="0"/>
+    <cs:fillRef idx="0"/>
+    <cs:effectRef idx="0"/>
+    <cs:fontRef idx="minor">
+      <a:schemeClr val="tx1"/>
+    </cs:fontRef>
+    <cs:spPr>
+      <a:solidFill>
+        <a:schemeClr val="bg1"/>
+      </a:solidFill>
+      <a:ln w="9525" cap="flat" cmpd="sng" algn="ctr">
+        <a:solidFill>
+          <a:schemeClr val="tx1">
+            <a:lumMod val="15000"/>
+            <a:lumOff val="85000"/>
+          </a:schemeClr>
+        </a:solidFill>
+        <a:round/>
+      </a:ln>
+    </cs:spPr>
+    <cs:defRPr sz="1000" kern="1200"/>
+  </cs:chartArea>
+  <cs:dataLabel>
+    <cs:lnRef idx="0"/>
+    <cs:fillRef idx="0"/>
+    <cs:effectRef idx="0"/>
+    <cs:fontRef idx="minor">
+      <a:schemeClr val="tx1">
+        <a:lumMod val="75000"/>
+        <a:lumOff val="25000"/>
+      </a:schemeClr>
+    </cs:fontRef>
+    <cs:defRPr sz="900" kern="1200"/>
+  </cs:dataLabel>
+  <cs:dataLabelCallout>
+    <cs:lnRef idx="0"/>
+    <cs:fillRef idx="0"/>
+    <cs:effectRef idx="0"/>
+    <cs:fontRef idx="minor">
+      <a:schemeClr val="dk1">
+        <a:lumMod val="65000"/>
+        <a:lumOff val="35000"/>
+      </a:schemeClr>
+    </cs:fontRef>
+    <cs:spPr>
+      <a:solidFill>
+        <a:schemeClr val="lt1"/>
+      </a:solidFill>
+      <a:ln>
+        <a:solidFill>
+          <a:schemeClr val="dk1">
+            <a:lumMod val="25000"/>
+            <a:lumOff val="75000"/>
+          </a:schemeClr>
+        </a:solidFill>
+      </a:ln>
+    </cs:spPr>
+    <cs:defRPr sz="900" kern="1200"/>
+    <cs:bodyPr rot="0" spcFirstLastPara="1" vertOverflow="clip" horzOverflow="clip" vert="horz" wrap="square" lIns="36576" tIns="18288" rIns="36576" bIns="18288" anchor="ctr" anchorCtr="1">
+      <a:spAutoFit/>
+    </cs:bodyPr>
+  </cs:dataLabelCallout>
+  <cs:dataPoint>
+    <cs:lnRef idx="0"/>
+    <cs:fillRef idx="1">
+      <cs:styleClr val="auto"/>
+    </cs:fillRef>
+    <cs:effectRef idx="0"/>
+    <cs:fontRef idx="minor">
+      <a:schemeClr val="tx1"/>
+    </cs:fontRef>
+  </cs:dataPoint>
+  <cs:dataPoint3D>
+    <cs:lnRef idx="0"/>
+    <cs:fillRef idx="1">
+      <cs:styleClr val="auto"/>
+    </cs:fillRef>
+    <cs:effectRef idx="0"/>
+    <cs:fontRef idx="minor">
+      <a:schemeClr val="tx1"/>
+    </cs:fontRef>
+  </cs:dataPoint3D>
+  <cs:dataPointLine>
+    <cs:lnRef idx="0">
+      <cs:styleClr val="auto"/>
+    </cs:lnRef>
+    <cs:fillRef idx="1"/>
+    <cs:effectRef idx="0"/>
+    <cs:fontRef idx="minor">
+      <a:schemeClr val="tx1"/>
+    </cs:fontRef>
+    <cs:spPr>
+      <a:ln w="19050" cap="rnd">
+        <a:solidFill>
+          <a:schemeClr val="phClr"/>
+        </a:solidFill>
+        <a:round/>
+      </a:ln>
+    </cs:spPr>
+  </cs:dataPointLine>
+  <cs:dataPointMarker>
+    <cs:lnRef idx="0">
+      <cs:styleClr val="auto"/>
+    </cs:lnRef>
+    <cs:fillRef idx="1">
+      <cs:styleClr val="auto"/>
+    </cs:fillRef>
+    <cs:effectRef idx="0"/>
+    <cs:fontRef idx="minor">
+      <a:schemeClr val="tx1"/>
+    </cs:fontRef>
+    <cs:spPr>
+      <a:ln w="9525">
+        <a:solidFill>
+          <a:schemeClr val="phClr"/>
+        </a:solidFill>
+      </a:ln>
+    </cs:spPr>
+  </cs:dataPointMarker>
+  <cs:dataPointMarkerLayout symbol="circle" size="5"/>
+  <cs:dataPointWireframe>
+    <cs:lnRef idx="0">
+      <cs:styleClr val="auto"/>
+    </cs:lnRef>
+    <cs:fillRef idx="0"/>
+    <cs:effectRef idx="0"/>
+    <cs:fontRef idx="minor">
+      <a:schemeClr val="dk1"/>
+    </cs:fontRef>
+    <cs:spPr>
+      <a:ln w="9525" cap="rnd">
+        <a:solidFill>
+          <a:schemeClr val="phClr"/>
+        </a:solidFill>
+        <a:round/>
+      </a:ln>
+    </cs:spPr>
+  </cs:dataPointWireframe>
+  <cs:dataTable>
+    <cs:lnRef idx="0"/>
+    <cs:fillRef idx="0"/>
+    <cs:effectRef idx="0"/>
+    <cs:fontRef idx="minor">
+      <a:schemeClr val="tx1">
+        <a:lumMod val="65000"/>
+        <a:lumOff val="35000"/>
+      </a:schemeClr>
+    </cs:fontRef>
+    <cs:spPr>
+      <a:noFill/>
+      <a:ln w="9525" cap="flat" cmpd="sng" algn="ctr">
+        <a:solidFill>
+          <a:schemeClr val="tx1">
+            <a:lumMod val="15000"/>
+            <a:lumOff val="85000"/>
+          </a:schemeClr>
+        </a:solidFill>
+        <a:round/>
+      </a:ln>
+    </cs:spPr>
+    <cs:defRPr sz="900" kern="1200"/>
+  </cs:dataTable>
+  <cs:downBar>
+    <cs:lnRef idx="0"/>
+    <cs:fillRef idx="0"/>
+    <cs:effectRef idx="0"/>
+    <cs:fontRef idx="minor">
+      <a:schemeClr val="tx1"/>
+    </cs:fontRef>
+    <cs:spPr>
+      <a:solidFill>
+        <a:schemeClr val="dk1">
+          <a:lumMod val="75000"/>
+          <a:lumOff val="25000"/>
+        </a:schemeClr>
+      </a:solidFill>
+      <a:ln w="9525" cap="flat" cmpd="sng" algn="ctr">
+        <a:solidFill>
+          <a:schemeClr val="tx1">
+            <a:lumMod val="65000"/>
+            <a:lumOff val="35000"/>
+          </a:schemeClr>
+        </a:solidFill>
+        <a:round/>
+      </a:ln>
+    </cs:spPr>
+  </cs:downBar>
+  <cs:dropLine>
+    <cs:lnRef idx="0"/>
+    <cs:fillRef idx="0"/>
+    <cs:effectRef idx="0"/>
+    <cs:fontRef idx="minor">
+      <a:schemeClr val="tx1"/>
+    </cs:fontRef>
+    <cs:spPr>
+      <a:ln w="9525" cap="flat" cmpd="sng" algn="ctr">
+        <a:solidFill>
+          <a:schemeClr val="tx1">
+            <a:lumMod val="35000"/>
+            <a:lumOff val="65000"/>
+          </a:schemeClr>
+        </a:solidFill>
+        <a:round/>
+      </a:ln>
+    </cs:spPr>
+  </cs:dropLine>
+  <cs:errorBar>
+    <cs:lnRef idx="0"/>
+    <cs:fillRef idx="0"/>
+    <cs:effectRef idx="0"/>
+    <cs:fontRef idx="minor">
+      <a:schemeClr val="tx1"/>
+    </cs:fontRef>
+    <cs:spPr>
+      <a:ln w="9525" cap="flat" cmpd="sng" algn="ctr">
+        <a:solidFill>
+          <a:schemeClr val="tx1">
+            <a:lumMod val="65000"/>
+            <a:lumOff val="35000"/>
+          </a:schemeClr>
+        </a:solidFill>
+        <a:round/>
+      </a:ln>
+    </cs:spPr>
+  </cs:errorBar>
+  <cs:floor>
+    <cs:lnRef idx="0"/>
+    <cs:fillRef idx="0"/>
+    <cs:effectRef idx="0"/>
+    <cs:fontRef idx="minor">
+      <a:schemeClr val="tx1"/>
+    </cs:fontRef>
+    <cs:spPr>
+      <a:noFill/>
+      <a:ln>
+        <a:noFill/>
+      </a:ln>
+    </cs:spPr>
+  </cs:floor>
+  <cs:gridlineMajor>
+    <cs:lnRef idx="0"/>
+    <cs:fillRef idx="0"/>
+    <cs:effectRef idx="0"/>
+    <cs:fontRef idx="minor">
+      <a:schemeClr val="tx1"/>
+    </cs:fontRef>
+    <cs:spPr>
+      <a:ln w="9525" cap="flat" cmpd="sng" algn="ctr">
+        <a:solidFill>
+          <a:schemeClr val="tx1">
+            <a:lumMod val="15000"/>
+            <a:lumOff val="85000"/>
+          </a:schemeClr>
+        </a:solidFill>
+        <a:round/>
+      </a:ln>
+    </cs:spPr>
+  </cs:gridlineMajor>
+  <cs:gridlineMinor>
+    <cs:lnRef idx="0"/>
+    <cs:fillRef idx="0"/>
+    <cs:effectRef idx="0"/>
+    <cs:fontRef idx="minor">
+      <a:schemeClr val="tx1"/>
+    </cs:fontRef>
+    <cs:spPr>
+      <a:ln w="9525" cap="flat" cmpd="sng" algn="ctr">
+        <a:solidFill>
+          <a:schemeClr val="tx1">
+            <a:lumMod val="5000"/>
+            <a:lumOff val="95000"/>
+          </a:schemeClr>
+        </a:solidFill>
+        <a:round/>
+      </a:ln>
+    </cs:spPr>
+  </cs:gridlineMinor>
+  <cs:hiLoLine>
+    <cs:lnRef idx="0"/>
+    <cs:fillRef idx="0"/>
+    <cs:effectRef idx="0"/>
+    <cs:fontRef idx="minor">
+      <a:schemeClr val="tx1"/>
+    </cs:fontRef>
+    <cs:spPr>
+      <a:ln w="9525" cap="flat" cmpd="sng" algn="ctr">
+        <a:solidFill>
+          <a:schemeClr val="tx1">
+            <a:lumMod val="50000"/>
+            <a:lumOff val="50000"/>
+          </a:schemeClr>
+        </a:solidFill>
+        <a:round/>
+      </a:ln>
+    </cs:spPr>
+  </cs:hiLoLine>
+  <cs:leaderLine>
+    <cs:lnRef idx="0"/>
+    <cs:fillRef idx="0"/>
+    <cs:effectRef idx="0"/>
+    <cs:fontRef idx="minor">
+      <a:schemeClr val="tx1"/>
+    </cs:fontRef>
+    <cs:spPr>
+      <a:ln w="9525" cap="flat" cmpd="sng" algn="ctr">
+        <a:solidFill>
+          <a:schemeClr val="tx1">
+            <a:lumMod val="35000"/>
+            <a:lumOff val="65000"/>
+          </a:schemeClr>
+        </a:solidFill>
+        <a:round/>
+      </a:ln>
+    </cs:spPr>
+  </cs:leaderLine>
+  <cs:legend>
+    <cs:lnRef idx="0"/>
+    <cs:fillRef idx="0"/>
+    <cs:effectRef idx="0"/>
+    <cs:fontRef idx="minor">
+      <a:schemeClr val="tx1">
+        <a:lumMod val="65000"/>
+        <a:lumOff val="35000"/>
+      </a:schemeClr>
+    </cs:fontRef>
+    <cs:defRPr sz="900" kern="1200"/>
+  </cs:legend>
+  <cs:plotArea mods="allowNoFillOverride allowNoLineOverride">
+    <cs:lnRef idx="0"/>
+    <cs:fillRef idx="0"/>
+    <cs:effectRef idx="0"/>
+    <cs:fontRef idx="minor">
+      <a:schemeClr val="tx1"/>
+    </cs:fontRef>
+  </cs:plotArea>
+  <cs:plotArea3D mods="allowNoFillOverride allowNoLineOverride">
+    <cs:lnRef idx="0"/>
+    <cs:fillRef idx="0"/>
+    <cs:effectRef idx="0"/>
+    <cs:fontRef idx="minor">
+      <a:schemeClr val="tx1"/>
+    </cs:fontRef>
+  </cs:plotArea3D>
+  <cs:seriesAxis>
+    <cs:lnRef idx="0"/>
+    <cs:fillRef idx="0"/>
+    <cs:effectRef idx="0"/>
+    <cs:fontRef idx="minor">
+      <a:schemeClr val="tx1">
+        <a:lumMod val="65000"/>
+        <a:lumOff val="35000"/>
+      </a:schemeClr>
+    </cs:fontRef>
+    <cs:defRPr sz="900" kern="1200"/>
+  </cs:seriesAxis>
+  <cs:seriesLine>
+    <cs:lnRef idx="0"/>
+    <cs:fillRef idx="0"/>
+    <cs:effectRef idx="0"/>
+    <cs:fontRef idx="minor">
+      <a:schemeClr val="tx1"/>
+    </cs:fontRef>
+    <cs:spPr>
+      <a:ln w="9525" cap="flat" cmpd="sng" algn="ctr">
+        <a:solidFill>
+          <a:schemeClr val="tx1">
+            <a:lumMod val="35000"/>
+            <a:lumOff val="65000"/>
+          </a:schemeClr>
+        </a:solidFill>
+        <a:round/>
+      </a:ln>
+    </cs:spPr>
+  </cs:seriesLine>
+  <cs:title>
+    <cs:lnRef idx="0"/>
+    <cs:fillRef idx="0"/>
+    <cs:effectRef idx="0"/>
+    <cs:fontRef idx="minor">
+      <a:schemeClr val="tx1">
+        <a:lumMod val="65000"/>
+        <a:lumOff val="35000"/>
+      </a:schemeClr>
+    </cs:fontRef>
+    <cs:defRPr sz="1400" b="0" kern="1200" spc="0" baseline="0"/>
+  </cs:title>
+  <cs:trendline>
+    <cs:lnRef idx="0">
+      <cs:styleClr val="auto"/>
+    </cs:lnRef>
+    <cs:fillRef idx="0"/>
+    <cs:effectRef idx="0"/>
+    <cs:fontRef idx="minor">
+      <a:schemeClr val="tx1"/>
+    </cs:fontRef>
+    <cs:spPr>
+      <a:ln w="19050" cap="rnd">
+        <a:solidFill>
+          <a:schemeClr val="phClr"/>
+        </a:solidFill>
+        <a:prstDash val="sysDot"/>
+      </a:ln>
+    </cs:spPr>
+  </cs:trendline>
+  <cs:trendlineLabel>
+    <cs:lnRef idx="0"/>
+    <cs:fillRef idx="0"/>
+    <cs:effectRef idx="0"/>
+    <cs:fontRef idx="minor">
+      <a:schemeClr val="tx1">
+        <a:lumMod val="65000"/>
+        <a:lumOff val="35000"/>
+      </a:schemeClr>
+    </cs:fontRef>
+    <cs:defRPr sz="900" kern="1200"/>
+  </cs:trendlineLabel>
+  <cs:upBar>
+    <cs:lnRef idx="0"/>
+    <cs:fillRef idx="0"/>
+    <cs:effectRef idx="0"/>
+    <cs:fontRef idx="minor">
+      <a:schemeClr val="tx1"/>
+    </cs:fontRef>
+    <cs:spPr>
+      <a:solidFill>
+        <a:schemeClr val="lt1"/>
+      </a:solidFill>
+      <a:ln w="9525" cap="flat" cmpd="sng" algn="ctr">
+        <a:solidFill>
+          <a:schemeClr val="tx1">
+            <a:lumMod val="65000"/>
+            <a:lumOff val="35000"/>
+          </a:schemeClr>
+        </a:solidFill>
+        <a:round/>
+      </a:ln>
+    </cs:spPr>
+  </cs:upBar>
+  <cs:valueAxis>
+    <cs:lnRef idx="0"/>
+    <cs:fillRef idx="0"/>
+    <cs:effectRef idx="0"/>
+    <cs:fontRef idx="minor">
+      <a:schemeClr val="tx1">
+        <a:lumMod val="65000"/>
+        <a:lumOff val="35000"/>
+      </a:schemeClr>
+    </cs:fontRef>
+    <cs:spPr>
+      <a:ln w="9525" cap="flat" cmpd="sng" algn="ctr">
+        <a:solidFill>
+          <a:schemeClr val="tx1">
+            <a:lumMod val="25000"/>
+            <a:lumOff val="75000"/>
+          </a:schemeClr>
+        </a:solidFill>
+        <a:round/>
+      </a:ln>
+    </cs:spPr>
+    <cs:defRPr sz="900" kern="1200"/>
+  </cs:valueAxis>
+  <cs:wall>
+    <cs:lnRef idx="0"/>
+    <cs:fillRef idx="0"/>
+    <cs:effectRef idx="0"/>
+    <cs:fontRef idx="minor">
+      <a:schemeClr val="tx1"/>
+    </cs:fontRef>
+    <cs:spPr>
+      <a:noFill/>
+      <a:ln>
+        <a:noFill/>
+      </a:ln>
+    </cs:spPr>
+  </cs:wall>
+</cs:chartStyle>
+</file>
+
+<file path=ppt/diagrams/colors1.xml><?xml version="1.0" encoding="utf-8"?>
+<dgm:colorsDef xmlns:dgm="http://schemas.openxmlformats.org/drawingml/2006/diagram" xmlns:a="http://schemas.openxmlformats.org/drawingml/2006/main" uniqueId="urn:microsoft.com/office/officeart/2005/8/colors/accent1_2">
+  <dgm:title val=""/>
+  <dgm:desc val=""/>
+  <dgm:catLst>
+    <dgm:cat type="accent1" pri="11200"/>
+  </dgm:catLst>
+  <dgm:styleLbl name="node0">
+    <dgm:fillClrLst meth="repeat">
+      <a:schemeClr val="accent1"/>
+    </dgm:fillClrLst>
+    <dgm:linClrLst meth="repeat">
+      <a:schemeClr val="lt1"/>
+    </dgm:linClrLst>
+    <dgm:effectClrLst/>
+    <dgm:txLinClrLst/>
+    <dgm:txFillClrLst/>
+    <dgm:txEffectClrLst/>
+  </dgm:styleLbl>
+  <dgm:styleLbl name="alignNode1">
+    <dgm:fillClrLst meth="repeat">
+      <a:schemeClr val="accent1"/>
+    </dgm:fillClrLst>
+    <dgm:linClrLst meth="repeat">
+      <a:schemeClr val="accent1"/>
+    </dgm:linClrLst>
+    <dgm:effectClrLst/>
+    <dgm:txLinClrLst/>
+    <dgm:txFillClrLst/>
+    <dgm:txEffectClrLst/>
+  </dgm:styleLbl>
+  <dgm:styleLbl name="node1">
+    <dgm:fillClrLst meth="repeat">
+      <a:schemeClr val="accent1"/>
+    </dgm:fillClrLst>
+    <dgm:linClrLst meth="repeat">
+      <a:schemeClr val="lt1"/>
+    </dgm:linClrLst>
+    <dgm:effectClrLst/>
+    <dgm:txLinClrLst/>
+    <dgm:txFillClrLst/>
+    <dgm:txEffectClrLst/>
+  </dgm:styleLbl>
+  <dgm:styleLbl name="lnNode1">
+    <dgm:fillClrLst meth="repeat">
+      <a:schemeClr val="accent1"/>
+    </dgm:fillClrLst>
+    <dgm:linClrLst meth="repeat">
+      <a:schemeClr val="lt1"/>
+    </dgm:linClrLst>
+    <dgm:effectClrLst/>
+    <dgm:txLinClrLst/>
+    <dgm:txFillClrLst/>
+    <dgm:txEffectClrLst/>
+  </dgm:styleLbl>
+  <dgm:styleLbl name="vennNode1">
+    <dgm:fillClrLst meth="repeat">
+      <a:schemeClr val="accent1">
+        <a:alpha val="50000"/>
+      </a:schemeClr>
+    </dgm:fillClrLst>
+    <dgm:linClrLst meth="repeat">
+      <a:schemeClr val="lt1"/>
+    </dgm:linClrLst>
+    <dgm:effectClrLst/>
+    <dgm:txLinClrLst/>
+    <dgm:txFillClrLst/>
+    <dgm:txEffectClrLst/>
+  </dgm:styleLbl>
+  <dgm:styleLbl name="node2">
+    <dgm:fillClrLst meth="repeat">
+      <a:schemeClr val="accent1"/>
+    </dgm:fillClrLst>
+    <dgm:linClrLst meth="repeat">
+      <a:schemeClr val="lt1"/>
+    </dgm:linClrLst>
+    <dgm:effectClrLst/>
+    <dgm:txLinClrLst/>
+    <dgm:txFillClrLst/>
+    <dgm:txEffectClrLst/>
+  </dgm:styleLbl>
+  <dgm:styleLbl name="node3">
+    <dgm:fillClrLst meth="repeat">
+      <a:schemeClr val="accent1"/>
+    </dgm:fillClrLst>
+    <dgm:linClrLst meth="repeat">
+      <a:schemeClr val="lt1"/>
+    </dgm:linClrLst>
+    <dgm:effectClrLst/>
+    <dgm:txLinClrLst/>
+    <dgm:txFillClrLst/>
+    <dgm:txEffectClrLst/>
+  </dgm:styleLbl>
+  <dgm:styleLbl name="node4">
+    <dgm:fillClrLst meth="repeat">
+      <a:schemeClr val="accent1"/>
+    </dgm:fillClrLst>
+    <dgm:linClrLst meth="repeat">
+      <a:schemeClr val="lt1"/>
+    </dgm:linClrLst>
+    <dgm:effectClrLst/>
+    <dgm:txLinClrLst/>
+    <dgm:txFillClrLst/>
+    <dgm:txEffectClrLst/>
+  </dgm:styleLbl>
+  <dgm:styleLbl name="fgImgPlace1">
+    <dgm:fillClrLst meth="repeat">
+      <a:schemeClr val="accent1">
+        <a:tint val="50000"/>
+      </a:schemeClr>
+    </dgm:fillClrLst>
+    <dgm:linClrLst meth="repeat">
+      <a:schemeClr val="lt1"/>
+    </dgm:linClrLst>
+    <dgm:effectClrLst/>
+    <dgm:txLinClrLst/>
+    <dgm:txFillClrLst meth="repeat">
+      <a:schemeClr val="lt1"/>
+    </dgm:txFillClrLst>
+    <dgm:txEffectClrLst/>
+  </dgm:styleLbl>
+  <dgm:styleLbl name="alignImgPlace1">
+    <dgm:fillClrLst meth="repeat">
+      <a:schemeClr val="accent1">
+        <a:tint val="50000"/>
+      </a:schemeClr>
+    </dgm:fillClrLst>
+    <dgm:linClrLst meth="repeat">
+      <a:schemeClr val="lt1"/>
+    </dgm:linClrLst>
+    <dgm:effectClrLst/>
+    <dgm:txLinClrLst/>
+    <dgm:txFillClrLst meth="repeat">
+      <a:schemeClr val="lt1"/>
+    </dgm:txFillClrLst>
+    <dgm:txEffectClrLst/>
+  </dgm:styleLbl>
+  <dgm:styleLbl name="bgImgPlace1">
+    <dgm:fillClrLst meth="repeat">
+      <a:schemeClr val="accent1">
+        <a:tint val="50000"/>
+      </a:schemeClr>
+    </dgm:fillClrLst>
+    <dgm:linClrLst meth="repeat">
+      <a:schemeClr val="lt1"/>
+    </dgm:linClrLst>
+    <dgm:effectClrLst/>
+    <dgm:txLinClrLst/>
+    <dgm:txFillClrLst meth="repeat">
+      <a:schemeClr val="lt1"/>
+    </dgm:txFillClrLst>
+    <dgm:txEffectClrLst/>
+  </dgm:styleLbl>
+  <dgm:styleLbl name="sibTrans2D1">
+    <dgm:fillClrLst meth="repeat">
+      <a:schemeClr val="accent1">
+        <a:tint val="60000"/>
+      </a:schemeClr>
+    </dgm:fillClrLst>
+    <dgm:linClrLst meth="repeat">
+      <a:schemeClr val="accent1">
+        <a:tint val="60000"/>
+      </a:schemeClr>
+    </dgm:linClrLst>
+    <dgm:effectClrLst/>
+    <dgm:txLinClrLst/>
+    <dgm:txFillClrLst/>
+    <dgm:txEffectClrLst/>
+  </dgm:styleLbl>
+  <dgm:styleLbl name="fgSibTrans2D1">
+    <dgm:fillClrLst meth="repeat">
+      <a:schemeClr val="accent1">
+        <a:tint val="60000"/>
+      </a:schemeClr>
+    </dgm:fillClrLst>
+    <dgm:linClrLst meth="repeat">
+      <a:schemeClr val="accent1">
+        <a:tint val="60000"/>
+      </a:schemeClr>
+    </dgm:linClrLst>
+    <dgm:effectClrLst/>
+    <dgm:txLinClrLst/>
+    <dgm:txFillClrLst/>
+    <dgm:txEffectClrLst/>
+  </dgm:styleLbl>
+  <dgm:styleLbl name="bgSibTrans2D1">
+    <dgm:fillClrLst meth="repeat">
+      <a:schemeClr val="accent1">
+        <a:tint val="60000"/>
+      </a:schemeClr>
+    </dgm:fillClrLst>
+    <dgm:linClrLst meth="repeat">
+      <a:schemeClr val="accent1">
+        <a:tint val="60000"/>
+      </a:schemeClr>
+    </dgm:linClrLst>
+    <dgm:effectClrLst/>
+    <dgm:txLinClrLst/>
+    <dgm:txFillClrLst/>
+    <dgm:txEffectClrLst/>
+  </dgm:styleLbl>
+  <dgm:styleLbl name="sibTrans1D1">
+    <dgm:fillClrLst meth="repeat">
+      <a:schemeClr val="accent1"/>
+    </dgm:fillClrLst>
+    <dgm:linClrLst meth="repeat">
+      <a:schemeClr val="accent1"/>
+    </dgm:linClrLst>
+    <dgm:effectClrLst/>
+    <dgm:txLinClrLst/>
+    <dgm:txFillClrLst meth="repeat">
+      <a:schemeClr val="tx1"/>
+    </dgm:txFillClrLst>
+    <dgm:txEffectClrLst/>
+  </dgm:styleLbl>
+  <dgm:styleLbl name="callout">
+    <dgm:fillClrLst meth="repeat">
+      <a:schemeClr val="accent1"/>
+    </dgm:fillClrLst>
+    <dgm:linClrLst meth="repeat">
+      <a:schemeClr val="accent1">
+        <a:tint val="50000"/>
+      </a:schemeClr>
+    </dgm:linClrLst>
+    <dgm:effectClrLst/>
+    <dgm:txLinClrLst/>
+    <dgm:txFillClrLst meth="repeat">
+      <a:schemeClr val="tx1"/>
+    </dgm:txFillClrLst>
+    <dgm:txEffectClrLst/>
+  </dgm:styleLbl>
+  <dgm:styleLbl name="asst0">
+    <dgm:fillClrLst meth="repeat">
+      <a:schemeClr val="accent1"/>
+    </dgm:fillClrLst>
+    <dgm:linClrLst meth="repeat">
+      <a:schemeClr val="lt1"/>
+    </dgm:linClrLst>
+    <dgm:effectClrLst/>
+    <dgm:txLinClrLst/>
+    <dgm:txFillClrLst/>
+    <dgm:txEffectClrLst/>
+  </dgm:styleLbl>
+  <dgm:styleLbl name="asst1">
+    <dgm:fillClrLst meth="repeat">
+      <a:schemeClr val="accent1"/>
+    </dgm:fillClrLst>
+    <dgm:linClrLst meth="repeat">
+      <a:schemeClr val="lt1"/>
+    </dgm:linClrLst>
+    <dgm:effectClrLst/>
+    <dgm:txLinClrLst/>
+    <dgm:txFillClrLst/>
+    <dgm:txEffectClrLst/>
+  </dgm:styleLbl>
+  <dgm:styleLbl name="asst2">
+    <dgm:fillClrLst meth="repeat">
+      <a:schemeClr val="accent1"/>
+    </dgm:fillClrLst>
+    <dgm:linClrLst meth="repeat">
+      <a:schemeClr val="lt1"/>
+    </dgm:linClrLst>
+    <dgm:effectClrLst/>
+    <dgm:txLinClrLst/>
+    <dgm:txFillClrLst/>
+    <dgm:txEffectClrLst/>
+  </dgm:styleLbl>
+  <dgm:styleLbl name="asst3">
+    <dgm:fillClrLst meth="repeat">
+      <a:schemeClr val="accent1"/>
+    </dgm:fillClrLst>
+    <dgm:linClrLst meth="repeat">
+      <a:schemeClr val="lt1"/>
+    </dgm:linClrLst>
+    <dgm:effectClrLst/>
+    <dgm:txLinClrLst/>
+    <dgm:txFillClrLst/>
+    <dgm:txEffectClrLst/>
+  </dgm:styleLbl>
+  <dgm:styleLbl name="asst4">
+    <dgm:fillClrLst meth="repeat">
+      <a:schemeClr val="accent1"/>
+    </dgm:fillClrLst>
+    <dgm:linClrLst meth="repeat">
+      <a:schemeClr val="lt1"/>
+    </dgm:linClrLst>
+    <dgm:effectClrLst/>
+    <dgm:txLinClrLst/>
+    <dgm:txFillClrLst/>
+    <dgm:txEffectClrLst/>
+  </dgm:styleLbl>
+  <dgm:styleLbl name="parChTrans2D1">
+    <dgm:fillClrLst meth="repeat">
+      <a:schemeClr val="accent1">
+        <a:tint val="60000"/>
+      </a:schemeClr>
+    </dgm:fillClrLst>
+    <dgm:linClrLst meth="repeat">
+      <a:schemeClr val="accent1">
+        <a:tint val="60000"/>
+      </a:schemeClr>
+    </dgm:linClrLst>
+    <dgm:effectClrLst/>
+    <dgm:txLinClrLst/>
+    <dgm:txFillClrLst meth="repeat">
+      <a:schemeClr val="lt1"/>
+    </dgm:txFillClrLst>
+    <dgm:txEffectClrLst/>
+  </dgm:styleLbl>
+  <dgm:styleLbl name="parChTrans2D2">
+    <dgm:fillClrLst meth="repeat">
+      <a:schemeClr val="accent1"/>
+    </dgm:fillClrLst>
+    <dgm:linClrLst meth="repeat">
+      <a:schemeClr val="accent1"/>
+    </dgm:linClrLst>
+    <dgm:effectClrLst/>
+    <dgm:txLinClrLst/>
+    <dgm:txFillClrLst meth="repeat">
+      <a:schemeClr val="lt1"/>
+    </dgm:txFillClrLst>
+    <dgm:txEffectClrLst/>
+  </dgm:styleLbl>
+  <dgm:styleLbl name="parChTrans2D3">
+    <dgm:fillClrLst meth="repeat">
+      <a:schemeClr val="accent1"/>
+    </dgm:fillClrLst>
+    <dgm:linClrLst meth="repeat">
+      <a:schemeClr val="accent1"/>
+    </dgm:linClrLst>
+    <dgm:effectClrLst/>
+    <dgm:txLinClrLst/>
+    <dgm:txFillClrLst meth="repeat">
+      <a:schemeClr val="lt1"/>
+    </dgm:txFillClrLst>
+    <dgm:txEffectClrLst/>
+  </dgm:styleLbl>
+  <dgm:styleLbl name="parChTrans2D4">
+    <dgm:fillClrLst meth="repeat">
+      <a:schemeClr val="accent1"/>
+    </dgm:fillClrLst>
+    <dgm:linClrLst meth="repeat">
+      <a:schemeClr val="accent1"/>
+    </dgm:linClrLst>
+    <dgm:effectClrLst/>
+    <dgm:txLinClrLst/>
+    <dgm:txFillClrLst meth="repeat">
+      <a:schemeClr val="lt1"/>
+    </dgm:txFillClrLst>
+    <dgm:txEffectClrLst/>
+  </dgm:styleLbl>
+  <dgm:styleLbl name="parChTrans1D1">
+    <dgm:fillClrLst meth="repeat">
+      <a:schemeClr val="accent1"/>
+    </dgm:fillClrLst>
+    <dgm:linClrLst meth="repeat">
+      <a:schemeClr val="accent1">
+        <a:shade val="60000"/>
+      </a:schemeClr>
+    </dgm:linClrLst>
+    <dgm:effectClrLst/>
+    <dgm:txLinClrLst/>
+    <dgm:txFillClrLst meth="repeat">
+      <a:schemeClr val="tx1"/>
+    </dgm:txFillClrLst>
+    <dgm:txEffectClrLst/>
+  </dgm:styleLbl>
+  <dgm:styleLbl name="parChTrans1D2">
+    <dgm:fillClrLst meth="repeat">
+      <a:schemeClr val="accent1"/>
+    </dgm:fillClrLst>
+    <dgm:linClrLst meth="repeat">
+      <a:schemeClr val="accent1">
+        <a:shade val="60000"/>
+      </a:schemeClr>
+    </dgm:linClrLst>
+    <dgm:effectClrLst/>
+    <dgm:txLinClrLst/>
+    <dgm:txFillClrLst meth="repeat">
+      <a:schemeClr val="tx1"/>
+    </dgm:txFillClrLst>
+    <dgm:txEffectClrLst/>
+  </dgm:styleLbl>
+  <dgm:styleLbl name="parChTrans1D3">
+    <dgm:fillClrLst meth="repeat">
+      <a:schemeClr val="accent1"/>
+    </dgm:fillClrLst>
+    <dgm:linClrLst meth="repeat">
+      <a:schemeClr val="accent1">
+        <a:shade val="80000"/>
+      </a:schemeClr>
+    </dgm:linClrLst>
+    <dgm:effectClrLst/>
+    <dgm:txLinClrLst/>
+    <dgm:txFillClrLst meth="repeat">
+      <a:schemeClr val="tx1"/>
+    </dgm:txFillClrLst>
+    <dgm:txEffectClrLst/>
+  </dgm:styleLbl>
+  <dgm:styleLbl name="parChTrans1D4">
+    <dgm:fillClrLst meth="repeat">
+      <a:schemeClr val="accent1"/>
+    </dgm:fillClrLst>
+    <dgm:linClrLst meth="repeat">
+      <a:schemeClr val="accent1">
+        <a:shade val="80000"/>
+      </a:schemeClr>
+    </dgm:linClrLst>
+    <dgm:effectClrLst/>
+    <dgm:txLinClrLst/>
+    <dgm:txFillClrLst meth="repeat">
+      <a:schemeClr val="tx1"/>
+    </dgm:txFillClrLst>
+    <dgm:txEffectClrLst/>
+  </dgm:styleLbl>
+  <dgm:styleLbl name="fgAcc1">
+    <dgm:fillClrLst meth="repeat">
+      <a:schemeClr val="lt1">
+        <a:alpha val="90000"/>
+      </a:schemeClr>
+    </dgm:fillClrLst>
+    <dgm:linClrLst meth="repeat">
+      <a:schemeClr val="accent1"/>
+    </dgm:linClrLst>
+    <dgm:effectClrLst/>
+    <dgm:txLinClrLst/>
+    <dgm:txFillClrLst meth="repeat">
+      <a:schemeClr val="dk1"/>
+    </dgm:txFillClrLst>
+    <dgm:txEffectClrLst/>
+  </dgm:styleLbl>
+  <dgm:styleLbl name="conFgAcc1">
+    <dgm:fillClrLst meth="repeat">
+      <a:schemeClr val="lt1">
+        <a:alpha val="90000"/>
+      </a:schemeClr>
+    </dgm:fillClrLst>
+    <dgm:linClrLst meth="repeat">
+      <a:schemeClr val="accent1"/>
+    </dgm:linClrLst>
+    <dgm:effectClrLst/>
+    <dgm:txLinClrLst/>
+    <dgm:txFillClrLst meth="repeat">
+      <a:schemeClr val="dk1"/>
+    </dgm:txFillClrLst>
+    <dgm:txEffectClrLst/>
+  </dgm:styleLbl>
+  <dgm:styleLbl name="alignAcc1">
+    <dgm:fillClrLst meth="repeat">
+      <a:schemeClr val="lt1">
+        <a:alpha val="90000"/>
+      </a:schemeClr>
+    </dgm:fillClrLst>
+    <dgm:linClrLst meth="repeat">
+      <a:schemeClr val="accent1"/>
+    </dgm:linClrLst>
+    <dgm:effectClrLst/>
+    <dgm:txLinClrLst/>
+    <dgm:txFillClrLst meth="repeat">
+      <a:schemeClr val="dk1"/>
+    </dgm:txFillClrLst>
+    <dgm:txEffectClrLst/>
+  </dgm:styleLbl>
+  <dgm:styleLbl name="trAlignAcc1">
+    <dgm:fillClrLst meth="repeat">
+      <a:schemeClr val="lt1">
+        <a:alpha val="40000"/>
+      </a:schemeClr>
+    </dgm:fillClrLst>
+    <dgm:linClrLst meth="repeat">
+      <a:schemeClr val="accent1"/>
+    </dgm:linClrLst>
+    <dgm:effectClrLst/>
+    <dgm:txLinClrLst/>
+    <dgm:txFillClrLst meth="repeat">
+      <a:schemeClr val="dk1"/>
+    </dgm:txFillClrLst>
+    <dgm:txEffectClrLst/>
+  </dgm:styleLbl>
+  <dgm:styleLbl name="bgAcc1">
+    <dgm:fillClrLst meth="repeat">
+      <a:schemeClr val="lt1">
+        <a:alpha val="90000"/>
+      </a:schemeClr>
+    </dgm:fillClrLst>
+    <dgm:linClrLst meth="repeat">
+      <a:schemeClr val="accent1"/>
+    </dgm:linClrLst>
+    <dgm:effectClrLst/>
+    <dgm:txLinClrLst/>
+    <dgm:txFillClrLst meth="repeat">
+      <a:schemeClr val="dk1"/>
+    </dgm:txFillClrLst>
+    <dgm:txEffectClrLst/>
+  </dgm:styleLbl>
+  <dgm:styleLbl name="solidFgAcc1">
+    <dgm:fillClrLst meth="repeat">
+      <a:schemeClr val="lt1"/>
+    </dgm:fillClrLst>
+    <dgm:linClrLst meth="repeat">
+      <a:schemeClr val="accent1"/>
+    </dgm:linClrLst>
+    <dgm:effectClrLst/>
+    <dgm:txLinClrLst/>
+    <dgm:txFillClrLst meth="repeat">
+      <a:schemeClr val="dk1"/>
+    </dgm:txFillClrLst>
+    <dgm:txEffectClrLst/>
+  </dgm:styleLbl>
+  <dgm:styleLbl name="solidAlignAcc1">
+    <dgm:fillClrLst meth="repeat">
+      <a:schemeClr val="lt1"/>
+    </dgm:fillClrLst>
+    <dgm:linClrLst meth="repeat">
+      <a:schemeClr val="accent1"/>
+    </dgm:linClrLst>
+    <dgm:effectClrLst/>
+    <dgm:txLinClrLst/>
+    <dgm:txFillClrLst meth="repeat">
+      <a:schemeClr val="dk1"/>
+    </dgm:txFillClrLst>
+    <dgm:txEffectClrLst/>
+  </dgm:styleLbl>
+  <dgm:styleLbl name="solidBgAcc1">
+    <dgm:fillClrLst meth="repeat">
+      <a:schemeClr val="lt1"/>
+    </dgm:fillClrLst>
+    <dgm:linClrLst meth="repeat">
+      <a:schemeClr val="accent1"/>
+    </dgm:linClrLst>
+    <dgm:effectClrLst/>
+    <dgm:txLinClrLst/>
+    <dgm:txFillClrLst meth="repeat">
+      <a:schemeClr val="dk1"/>
+    </dgm:txFillClrLst>
+    <dgm:txEffectClrLst/>
+  </dgm:styleLbl>
+  <dgm:styleLbl name="fgAccFollowNode1">
+    <dgm:fillClrLst meth="repeat">
+      <a:schemeClr val="accent1">
+        <a:alpha val="90000"/>
+        <a:tint val="40000"/>
+      </a:schemeClr>
+    </dgm:fillClrLst>
+    <dgm:linClrLst meth="repeat">
+      <a:schemeClr val="accent1">
+        <a:alpha val="90000"/>
+        <a:tint val="40000"/>
+      </a:schemeClr>
+    </dgm:linClrLst>
+    <dgm:effectClrLst/>
+    <dgm:txLinClrLst/>
+    <dgm:txFillClrLst meth="repeat">
+      <a:schemeClr val="dk1"/>
+    </dgm:txFillClrLst>
+    <dgm:txEffectClrLst/>
+  </dgm:styleLbl>
+  <dgm:styleLbl name="alignAccFollowNode1">
+    <dgm:fillClrLst meth="repeat">
+      <a:schemeClr val="accent1">
+        <a:alpha val="90000"/>
+        <a:tint val="40000"/>
+      </a:schemeClr>
+    </dgm:fillClrLst>
+    <dgm:linClrLst meth="repeat">
+      <a:schemeClr val="accent1">
+        <a:alpha val="90000"/>
+        <a:tint val="40000"/>
+      </a:schemeClr>
+    </dgm:linClrLst>
+    <dgm:effectClrLst/>
+    <dgm:txLinClrLst/>
+    <dgm:txFillClrLst meth="repeat">
+      <a:schemeClr val="dk1"/>
+    </dgm:txFillClrLst>
+    <dgm:txEffectClrLst/>
+  </dgm:styleLbl>
+  <dgm:styleLbl name="bgAccFollowNode1">
+    <dgm:fillClrLst meth="repeat">
+      <a:schemeClr val="accent1">
+        <a:alpha val="90000"/>
+        <a:tint val="40000"/>
+      </a:schemeClr>
+    </dgm:fillClrLst>
+    <dgm:linClrLst meth="repeat">
+      <a:schemeClr val="accent1">
+        <a:alpha val="90000"/>
+        <a:tint val="40000"/>
+      </a:schemeClr>
+    </dgm:linClrLst>
+    <dgm:effectClrLst/>
+    <dgm:txLinClrLst/>
+    <dgm:txFillClrLst meth="repeat">
+      <a:schemeClr val="dk1"/>
+    </dgm:txFillClrLst>
+    <dgm:txEffectClrLst/>
+  </dgm:styleLbl>
+  <dgm:styleLbl name="fgAcc0">
+    <dgm:fillClrLst meth="repeat">
+      <a:schemeClr val="lt1">
+        <a:alpha val="90000"/>
+      </a:schemeClr>
+    </dgm:fillClrLst>
+    <dgm:linClrLst meth="repeat">
+      <a:schemeClr val="accent1"/>
+    </dgm:linClrLst>
+    <dgm:effectClrLst/>
+    <dgm:txLinClrLst/>
+    <dgm:txFillClrLst meth="repeat">
+      <a:schemeClr val="dk1"/>
+    </dgm:txFillClrLst>
+    <dgm:txEffectClrLst/>
+  </dgm:styleLbl>
+  <dgm:styleLbl name="fgAcc2">
+    <dgm:fillClrLst meth="repeat">
+      <a:schemeClr val="lt1">
+        <a:alpha val="90000"/>
+      </a:schemeClr>
+    </dgm:fillClrLst>
+    <dgm:linClrLst meth="repeat">
+      <a:schemeClr val="accent1"/>
+    </dgm:linClrLst>
+    <dgm:effectClrLst/>
+    <dgm:txLinClrLst/>
+    <dgm:txFillClrLst meth="repeat">
+      <a:schemeClr val="dk1"/>
+    </dgm:txFillClrLst>
+    <dgm:txEffectClrLst/>
+  </dgm:styleLbl>
+  <dgm:styleLbl name="fgAcc3">
+    <dgm:fillClrLst meth="repeat">
+      <a:schemeClr val="lt1">
+        <a:alpha val="90000"/>
+      </a:schemeClr>
+    </dgm:fillClrLst>
+    <dgm:linClrLst meth="repeat">
+      <a:schemeClr val="accent1"/>
+    </dgm:linClrLst>
+    <dgm:effectClrLst/>
+    <dgm:txLinClrLst/>
+    <dgm:txFillClrLst meth="repeat">
+      <a:schemeClr val="dk1"/>
+    </dgm:txFillClrLst>
+    <dgm:txEffectClrLst/>
+  </dgm:styleLbl>
+  <dgm:styleLbl name="fgAcc4">
+    <dgm:fillClrLst meth="repeat">
+      <a:schemeClr val="lt1">
+        <a:alpha val="90000"/>
+      </a:schemeClr>
+    </dgm:fillClrLst>
+    <dgm:linClrLst meth="repeat">
+      <a:schemeClr val="accent1"/>
+    </dgm:linClrLst>
+    <dgm:effectClrLst/>
+    <dgm:txLinClrLst/>
+    <dgm:txFillClrLst meth="repeat">
+      <a:schemeClr val="dk1"/>
+    </dgm:txFillClrLst>
+    <dgm:txEffectClrLst/>
+  </dgm:styleLbl>
+  <dgm:styleLbl name="bgShp">
+    <dgm:fillClrLst meth="repeat">
+      <a:schemeClr val="accent1">
+        <a:tint val="40000"/>
+      </a:schemeClr>
+    </dgm:fillClrLst>
+    <dgm:linClrLst meth="repeat">
+      <a:schemeClr val="accent1"/>
+    </dgm:linClrLst>
+    <dgm:effectClrLst/>
+    <dgm:txLinClrLst/>
+    <dgm:txFillClrLst meth="repeat">
+      <a:schemeClr val="dk1"/>
+    </dgm:txFillClrLst>
+    <dgm:txEffectClrLst/>
+  </dgm:styleLbl>
+  <dgm:styleLbl name="dkBgShp">
+    <dgm:fillClrLst meth="repeat">
+      <a:schemeClr val="accent1">
+        <a:shade val="80000"/>
+      </a:schemeClr>
+    </dgm:fillClrLst>
+    <dgm:linClrLst meth="repeat">
+      <a:schemeClr val="accent1"/>
+    </dgm:linClrLst>
+    <dgm:effectClrLst/>
+    <dgm:txLinClrLst/>
+    <dgm:txFillClrLst meth="repeat">
+      <a:schemeClr val="lt1"/>
+    </dgm:txFillClrLst>
+    <dgm:txEffectClrLst/>
+  </dgm:styleLbl>
+  <dgm:styleLbl name="trBgShp">
+    <dgm:fillClrLst meth="repeat">
+      <a:schemeClr val="accent1">
+        <a:tint val="50000"/>
+        <a:alpha val="40000"/>
+      </a:schemeClr>
+    </dgm:fillClrLst>
+    <dgm:linClrLst meth="repeat">
+      <a:schemeClr val="accent1"/>
+    </dgm:linClrLst>
+    <dgm:effectClrLst/>
+    <dgm:txLinClrLst/>
+    <dgm:txFillClrLst meth="repeat">
+      <a:schemeClr val="lt1"/>
+    </dgm:txFillClrLst>
+    <dgm:txEffectClrLst/>
+  </dgm:styleLbl>
+  <dgm:styleLbl name="fgShp">
+    <dgm:fillClrLst meth="repeat">
+      <a:schemeClr val="accent1">
+        <a:tint val="60000"/>
+      </a:schemeClr>
+    </dgm:fillClrLst>
+    <dgm:linClrLst meth="repeat">
+      <a:schemeClr val="lt1"/>
+    </dgm:linClrLst>
+    <dgm:effectClrLst/>
+    <dgm:txLinClrLst/>
+    <dgm:txFillClrLst meth="repeat">
+      <a:schemeClr val="dk1"/>
+    </dgm:txFillClrLst>
+    <dgm:txEffectClrLst/>
+  </dgm:styleLbl>
+  <dgm:styleLbl name="revTx">
+    <dgm:fillClrLst meth="repeat">
+      <a:schemeClr val="lt1">
+        <a:alpha val="0"/>
+      </a:schemeClr>
+    </dgm:fillClrLst>
+    <dgm:linClrLst meth="repeat">
+      <a:schemeClr val="dk1">
+        <a:alpha val="0"/>
+      </a:schemeClr>
+    </dgm:linClrLst>
+    <dgm:effectClrLst/>
+    <dgm:txLinClrLst/>
+    <dgm:txFillClrLst meth="repeat">
+      <a:schemeClr val="tx1"/>
+    </dgm:txFillClrLst>
+    <dgm:txEffectClrLst/>
+  </dgm:styleLbl>
+</dgm:colorsDef>
+</file>
+
+<file path=ppt/diagrams/data1.xml><?xml version="1.0" encoding="utf-8"?>
+<dgm:dataModel xmlns:dgm="http://schemas.openxmlformats.org/drawingml/2006/diagram" xmlns:a="http://schemas.openxmlformats.org/drawingml/2006/main">
+  <dgm:ptLst>
+    <dgm:pt modelId="{31BC7EFE-B0F8-4E6C-9F24-1EA75322B865}" type="doc">
+      <dgm:prSet loTypeId="urn:microsoft.com/office/officeart/2005/8/layout/chevron1" loCatId="process" qsTypeId="urn:microsoft.com/office/officeart/2005/8/quickstyle/simple1" qsCatId="simple" csTypeId="urn:microsoft.com/office/officeart/2005/8/colors/accent1_2" csCatId="accent1" phldr="1"/>
+      <dgm:spPr/>
+    </dgm:pt>
+    <dgm:pt modelId="{85784AB2-FDF9-4134-BE84-2B457BCB12D5}">
+      <dgm:prSet phldrT="[Text]" phldr="1"/>
+      <dgm:spPr/>
+      <dgm:t>
+        <a:bodyPr/>
+        <a:lstStyle/>
+        <a:p>
+          <a:endParaRPr lang="en-US" dirty="0"/>
+        </a:p>
+      </dgm:t>
+    </dgm:pt>
+    <dgm:pt modelId="{3769D9B5-6741-433F-88D2-72C4D02476B0}" type="parTrans" cxnId="{C09917B1-8A49-49D7-BD31-99658E99DF23}">
+      <dgm:prSet/>
+      <dgm:spPr/>
+      <dgm:t>
+        <a:bodyPr/>
+        <a:lstStyle/>
+        <a:p>
+          <a:endParaRPr lang="en-US"/>
+        </a:p>
+      </dgm:t>
+    </dgm:pt>
+    <dgm:pt modelId="{146DB8C8-A279-4793-A7F7-5C0895FAF82D}" type="sibTrans" cxnId="{C09917B1-8A49-49D7-BD31-99658E99DF23}">
+      <dgm:prSet/>
+      <dgm:spPr/>
+      <dgm:t>
+        <a:bodyPr/>
+        <a:lstStyle/>
+        <a:p>
+          <a:endParaRPr lang="en-US"/>
+        </a:p>
+      </dgm:t>
+    </dgm:pt>
+    <dgm:pt modelId="{CD3AE5CE-BA8C-470E-A695-02F9C232D1AB}">
+      <dgm:prSet phldrT="[Text]" phldr="1"/>
+      <dgm:spPr/>
+      <dgm:t>
+        <a:bodyPr/>
+        <a:lstStyle/>
+        <a:p>
+          <a:endParaRPr lang="en-US" dirty="0"/>
+        </a:p>
+      </dgm:t>
+    </dgm:pt>
+    <dgm:pt modelId="{10549235-0642-4732-8466-15F829B8A330}" type="parTrans" cxnId="{1F3E282D-F634-4092-A38C-17D29980BC85}">
+      <dgm:prSet/>
+      <dgm:spPr/>
+      <dgm:t>
+        <a:bodyPr/>
+        <a:lstStyle/>
+        <a:p>
+          <a:endParaRPr lang="en-US"/>
+        </a:p>
+      </dgm:t>
+    </dgm:pt>
+    <dgm:pt modelId="{C52033BB-BFD6-42A5-AC52-E4562555B5E3}" type="sibTrans" cxnId="{1F3E282D-F634-4092-A38C-17D29980BC85}">
+      <dgm:prSet/>
+      <dgm:spPr/>
+      <dgm:t>
+        <a:bodyPr/>
+        <a:lstStyle/>
+        <a:p>
+          <a:endParaRPr lang="en-US"/>
+        </a:p>
+      </dgm:t>
+    </dgm:pt>
+    <dgm:pt modelId="{010CC041-3504-4F07-BB71-3226C0E21800}">
+      <dgm:prSet phldrT="[Text]" phldr="1"/>
+      <dgm:spPr/>
+      <dgm:t>
+        <a:bodyPr/>
+        <a:lstStyle/>
+        <a:p>
+          <a:endParaRPr lang="en-US" dirty="0"/>
+        </a:p>
+      </dgm:t>
+    </dgm:pt>
+    <dgm:pt modelId="{4FF64356-9F3E-43D3-965B-2CBE670771B0}" type="parTrans" cxnId="{CE45E0C2-8DB8-4481-AADD-EB4F1DBFC6A1}">
+      <dgm:prSet/>
+      <dgm:spPr/>
+      <dgm:t>
+        <a:bodyPr/>
+        <a:lstStyle/>
+        <a:p>
+          <a:endParaRPr lang="en-US"/>
+        </a:p>
+      </dgm:t>
+    </dgm:pt>
+    <dgm:pt modelId="{07D71C4D-C4CB-4196-86FE-A7EEFB3FB0C9}" type="sibTrans" cxnId="{CE45E0C2-8DB8-4481-AADD-EB4F1DBFC6A1}">
+      <dgm:prSet/>
+      <dgm:spPr/>
+      <dgm:t>
+        <a:bodyPr/>
+        <a:lstStyle/>
+        <a:p>
+          <a:endParaRPr lang="en-US"/>
+        </a:p>
+      </dgm:t>
+    </dgm:pt>
+    <dgm:pt modelId="{08E80B54-6A60-433B-9DFF-40573C51CB6D}">
+      <dgm:prSet phldrT="[Text]"/>
+      <dgm:spPr/>
+      <dgm:t>
+        <a:bodyPr/>
+        <a:lstStyle/>
+        <a:p>
+          <a:endParaRPr lang="en-US" dirty="0"/>
+        </a:p>
+      </dgm:t>
+    </dgm:pt>
+    <dgm:pt modelId="{D9B670B3-21FE-4A0A-879F-7B32175EC41B}" type="parTrans" cxnId="{ADE5E9CA-1CBE-4D89-BAB6-8115BD8499FA}">
+      <dgm:prSet/>
+      <dgm:spPr/>
+      <dgm:t>
+        <a:bodyPr/>
+        <a:lstStyle/>
+        <a:p>
+          <a:endParaRPr lang="en-US"/>
+        </a:p>
+      </dgm:t>
+    </dgm:pt>
+    <dgm:pt modelId="{1B323EE5-496B-4583-A1D7-58DFA8DC8453}" type="sibTrans" cxnId="{ADE5E9CA-1CBE-4D89-BAB6-8115BD8499FA}">
+      <dgm:prSet/>
+      <dgm:spPr/>
+      <dgm:t>
+        <a:bodyPr/>
+        <a:lstStyle/>
+        <a:p>
+          <a:endParaRPr lang="en-US"/>
+        </a:p>
+      </dgm:t>
+    </dgm:pt>
+    <dgm:pt modelId="{1AE1D1E0-9049-4189-954E-57D887A23488}">
+      <dgm:prSet phldrT="[Text]"/>
+      <dgm:spPr/>
+      <dgm:t>
+        <a:bodyPr/>
+        <a:lstStyle/>
+        <a:p>
+          <a:endParaRPr lang="en-US" dirty="0"/>
+        </a:p>
+      </dgm:t>
+    </dgm:pt>
+    <dgm:pt modelId="{51D8B897-5ADB-4B48-A5CA-49324003BB5F}" type="parTrans" cxnId="{7CD93838-0850-4951-B2A3-93BFC217AD35}">
+      <dgm:prSet/>
+      <dgm:spPr/>
+      <dgm:t>
+        <a:bodyPr/>
+        <a:lstStyle/>
+        <a:p>
+          <a:endParaRPr lang="en-US"/>
+        </a:p>
+      </dgm:t>
+    </dgm:pt>
+    <dgm:pt modelId="{FC7FB123-5441-4F6F-BC66-2712056AE3D2}" type="sibTrans" cxnId="{7CD93838-0850-4951-B2A3-93BFC217AD35}">
+      <dgm:prSet/>
+      <dgm:spPr/>
+      <dgm:t>
+        <a:bodyPr/>
+        <a:lstStyle/>
+        <a:p>
+          <a:endParaRPr lang="en-US"/>
+        </a:p>
+      </dgm:t>
+    </dgm:pt>
+    <dgm:pt modelId="{D49E3FCE-B4FF-4E4F-92BA-C4E16D2D0756}" type="pres">
+      <dgm:prSet presAssocID="{31BC7EFE-B0F8-4E6C-9F24-1EA75322B865}" presName="Name0" presStyleCnt="0">
+        <dgm:presLayoutVars>
+          <dgm:dir/>
+          <dgm:animLvl val="lvl"/>
+          <dgm:resizeHandles val="exact"/>
+        </dgm:presLayoutVars>
+      </dgm:prSet>
+      <dgm:spPr/>
+    </dgm:pt>
+    <dgm:pt modelId="{D348B70B-079C-490E-868F-A61E764A17C5}" type="pres">
+      <dgm:prSet presAssocID="{85784AB2-FDF9-4134-BE84-2B457BCB12D5}" presName="parTxOnly" presStyleLbl="node1" presStyleIdx="0" presStyleCnt="5">
+        <dgm:presLayoutVars>
+          <dgm:chMax val="0"/>
+          <dgm:chPref val="0"/>
+          <dgm:bulletEnabled val="1"/>
+        </dgm:presLayoutVars>
+      </dgm:prSet>
+      <dgm:spPr/>
+    </dgm:pt>
+    <dgm:pt modelId="{7F131E63-E2AD-4964-8FAA-6AC5AF401622}" type="pres">
+      <dgm:prSet presAssocID="{146DB8C8-A279-4793-A7F7-5C0895FAF82D}" presName="parTxOnlySpace" presStyleCnt="0"/>
+      <dgm:spPr/>
+    </dgm:pt>
+    <dgm:pt modelId="{B7AD329F-5B75-4A9C-9696-CDBB8DF9FE72}" type="pres">
+      <dgm:prSet presAssocID="{CD3AE5CE-BA8C-470E-A695-02F9C232D1AB}" presName="parTxOnly" presStyleLbl="node1" presStyleIdx="1" presStyleCnt="5">
+        <dgm:presLayoutVars>
+          <dgm:chMax val="0"/>
+          <dgm:chPref val="0"/>
+          <dgm:bulletEnabled val="1"/>
+        </dgm:presLayoutVars>
+      </dgm:prSet>
+      <dgm:spPr/>
+    </dgm:pt>
+    <dgm:pt modelId="{7F996E99-63AC-4C57-AD52-BC9B9C6D2C1B}" type="pres">
+      <dgm:prSet presAssocID="{C52033BB-BFD6-42A5-AC52-E4562555B5E3}" presName="parTxOnlySpace" presStyleCnt="0"/>
+      <dgm:spPr/>
+    </dgm:pt>
+    <dgm:pt modelId="{62D7E851-950A-44A7-819A-79FC30147460}" type="pres">
+      <dgm:prSet presAssocID="{010CC041-3504-4F07-BB71-3226C0E21800}" presName="parTxOnly" presStyleLbl="node1" presStyleIdx="2" presStyleCnt="5">
+        <dgm:presLayoutVars>
+          <dgm:chMax val="0"/>
+          <dgm:chPref val="0"/>
+          <dgm:bulletEnabled val="1"/>
+        </dgm:presLayoutVars>
+      </dgm:prSet>
+      <dgm:spPr/>
+    </dgm:pt>
+    <dgm:pt modelId="{9B7408B3-71E0-4FDE-B280-4C556CEA6D54}" type="pres">
+      <dgm:prSet presAssocID="{07D71C4D-C4CB-4196-86FE-A7EEFB3FB0C9}" presName="parTxOnlySpace" presStyleCnt="0"/>
+      <dgm:spPr/>
+    </dgm:pt>
+    <dgm:pt modelId="{3C26B6EC-09A6-4E3F-B57B-9EE15A102E03}" type="pres">
+      <dgm:prSet presAssocID="{1AE1D1E0-9049-4189-954E-57D887A23488}" presName="parTxOnly" presStyleLbl="node1" presStyleIdx="3" presStyleCnt="5">
+        <dgm:presLayoutVars>
+          <dgm:chMax val="0"/>
+          <dgm:chPref val="0"/>
+          <dgm:bulletEnabled val="1"/>
+        </dgm:presLayoutVars>
+      </dgm:prSet>
+      <dgm:spPr/>
+    </dgm:pt>
+    <dgm:pt modelId="{C853E60D-8268-4A16-AB6C-109904550B34}" type="pres">
+      <dgm:prSet presAssocID="{FC7FB123-5441-4F6F-BC66-2712056AE3D2}" presName="parTxOnlySpace" presStyleCnt="0"/>
+      <dgm:spPr/>
+    </dgm:pt>
+    <dgm:pt modelId="{6E52FD35-A20B-454D-B22A-54287689FB35}" type="pres">
+      <dgm:prSet presAssocID="{08E80B54-6A60-433B-9DFF-40573C51CB6D}" presName="parTxOnly" presStyleLbl="node1" presStyleIdx="4" presStyleCnt="5">
+        <dgm:presLayoutVars>
+          <dgm:chMax val="0"/>
+          <dgm:chPref val="0"/>
+          <dgm:bulletEnabled val="1"/>
+        </dgm:presLayoutVars>
+      </dgm:prSet>
+      <dgm:spPr/>
+    </dgm:pt>
+  </dgm:ptLst>
+  <dgm:cxnLst>
+    <dgm:cxn modelId="{52951506-72C6-4678-8CFB-670382423F3D}" type="presOf" srcId="{08E80B54-6A60-433B-9DFF-40573C51CB6D}" destId="{6E52FD35-A20B-454D-B22A-54287689FB35}" srcOrd="0" destOrd="0" presId="urn:microsoft.com/office/officeart/2005/8/layout/chevron1"/>
+    <dgm:cxn modelId="{214BD117-AEE7-4872-A366-9A6577E95BAF}" type="presOf" srcId="{31BC7EFE-B0F8-4E6C-9F24-1EA75322B865}" destId="{D49E3FCE-B4FF-4E4F-92BA-C4E16D2D0756}" srcOrd="0" destOrd="0" presId="urn:microsoft.com/office/officeart/2005/8/layout/chevron1"/>
+    <dgm:cxn modelId="{1F3E282D-F634-4092-A38C-17D29980BC85}" srcId="{31BC7EFE-B0F8-4E6C-9F24-1EA75322B865}" destId="{CD3AE5CE-BA8C-470E-A695-02F9C232D1AB}" srcOrd="1" destOrd="0" parTransId="{10549235-0642-4732-8466-15F829B8A330}" sibTransId="{C52033BB-BFD6-42A5-AC52-E4562555B5E3}"/>
+    <dgm:cxn modelId="{7CD93838-0850-4951-B2A3-93BFC217AD35}" srcId="{31BC7EFE-B0F8-4E6C-9F24-1EA75322B865}" destId="{1AE1D1E0-9049-4189-954E-57D887A23488}" srcOrd="3" destOrd="0" parTransId="{51D8B897-5ADB-4B48-A5CA-49324003BB5F}" sibTransId="{FC7FB123-5441-4F6F-BC66-2712056AE3D2}"/>
+    <dgm:cxn modelId="{7757F266-A6C1-4575-BE7D-49D09E6D793A}" type="presOf" srcId="{1AE1D1E0-9049-4189-954E-57D887A23488}" destId="{3C26B6EC-09A6-4E3F-B57B-9EE15A102E03}" srcOrd="0" destOrd="0" presId="urn:microsoft.com/office/officeart/2005/8/layout/chevron1"/>
+    <dgm:cxn modelId="{0E477B99-0C7D-43B4-83FA-C9402C2753ED}" type="presOf" srcId="{85784AB2-FDF9-4134-BE84-2B457BCB12D5}" destId="{D348B70B-079C-490E-868F-A61E764A17C5}" srcOrd="0" destOrd="0" presId="urn:microsoft.com/office/officeart/2005/8/layout/chevron1"/>
+    <dgm:cxn modelId="{1EE9EAB0-2D52-4151-9CE4-C41547B3BFAC}" type="presOf" srcId="{010CC041-3504-4F07-BB71-3226C0E21800}" destId="{62D7E851-950A-44A7-819A-79FC30147460}" srcOrd="0" destOrd="0" presId="urn:microsoft.com/office/officeart/2005/8/layout/chevron1"/>
+    <dgm:cxn modelId="{C09917B1-8A49-49D7-BD31-99658E99DF23}" srcId="{31BC7EFE-B0F8-4E6C-9F24-1EA75322B865}" destId="{85784AB2-FDF9-4134-BE84-2B457BCB12D5}" srcOrd="0" destOrd="0" parTransId="{3769D9B5-6741-433F-88D2-72C4D02476B0}" sibTransId="{146DB8C8-A279-4793-A7F7-5C0895FAF82D}"/>
+    <dgm:cxn modelId="{CE45E0C2-8DB8-4481-AADD-EB4F1DBFC6A1}" srcId="{31BC7EFE-B0F8-4E6C-9F24-1EA75322B865}" destId="{010CC041-3504-4F07-BB71-3226C0E21800}" srcOrd="2" destOrd="0" parTransId="{4FF64356-9F3E-43D3-965B-2CBE670771B0}" sibTransId="{07D71C4D-C4CB-4196-86FE-A7EEFB3FB0C9}"/>
+    <dgm:cxn modelId="{ADE5E9CA-1CBE-4D89-BAB6-8115BD8499FA}" srcId="{31BC7EFE-B0F8-4E6C-9F24-1EA75322B865}" destId="{08E80B54-6A60-433B-9DFF-40573C51CB6D}" srcOrd="4" destOrd="0" parTransId="{D9B670B3-21FE-4A0A-879F-7B32175EC41B}" sibTransId="{1B323EE5-496B-4583-A1D7-58DFA8DC8453}"/>
+    <dgm:cxn modelId="{1F2C9AFF-D55E-4071-BBD7-4E36A277DB3B}" type="presOf" srcId="{CD3AE5CE-BA8C-470E-A695-02F9C232D1AB}" destId="{B7AD329F-5B75-4A9C-9696-CDBB8DF9FE72}" srcOrd="0" destOrd="0" presId="urn:microsoft.com/office/officeart/2005/8/layout/chevron1"/>
+    <dgm:cxn modelId="{C2A79FC4-1BB7-4244-BEA6-5E985502752B}" type="presParOf" srcId="{D49E3FCE-B4FF-4E4F-92BA-C4E16D2D0756}" destId="{D348B70B-079C-490E-868F-A61E764A17C5}" srcOrd="0" destOrd="0" presId="urn:microsoft.com/office/officeart/2005/8/layout/chevron1"/>
+    <dgm:cxn modelId="{EE5F715E-0472-44DB-9EDE-3FBC7F61EC14}" type="presParOf" srcId="{D49E3FCE-B4FF-4E4F-92BA-C4E16D2D0756}" destId="{7F131E63-E2AD-4964-8FAA-6AC5AF401622}" srcOrd="1" destOrd="0" presId="urn:microsoft.com/office/officeart/2005/8/layout/chevron1"/>
+    <dgm:cxn modelId="{9409E80C-CC3F-4FC1-8227-EC2312DBE097}" type="presParOf" srcId="{D49E3FCE-B4FF-4E4F-92BA-C4E16D2D0756}" destId="{B7AD329F-5B75-4A9C-9696-CDBB8DF9FE72}" srcOrd="2" destOrd="0" presId="urn:microsoft.com/office/officeart/2005/8/layout/chevron1"/>
+    <dgm:cxn modelId="{EE28C0AE-01AA-4D52-87F0-2F9E1EA28570}" type="presParOf" srcId="{D49E3FCE-B4FF-4E4F-92BA-C4E16D2D0756}" destId="{7F996E99-63AC-4C57-AD52-BC9B9C6D2C1B}" srcOrd="3" destOrd="0" presId="urn:microsoft.com/office/officeart/2005/8/layout/chevron1"/>
+    <dgm:cxn modelId="{259BE7A1-A05E-4F52-9DAA-98A2021B0C54}" type="presParOf" srcId="{D49E3FCE-B4FF-4E4F-92BA-C4E16D2D0756}" destId="{62D7E851-950A-44A7-819A-79FC30147460}" srcOrd="4" destOrd="0" presId="urn:microsoft.com/office/officeart/2005/8/layout/chevron1"/>
+    <dgm:cxn modelId="{9E7717C6-5E5A-4565-B011-583F572B9685}" type="presParOf" srcId="{D49E3FCE-B4FF-4E4F-92BA-C4E16D2D0756}" destId="{9B7408B3-71E0-4FDE-B280-4C556CEA6D54}" srcOrd="5" destOrd="0" presId="urn:microsoft.com/office/officeart/2005/8/layout/chevron1"/>
+    <dgm:cxn modelId="{3386A453-3166-4634-BCF1-F7D73D6AB0B0}" type="presParOf" srcId="{D49E3FCE-B4FF-4E4F-92BA-C4E16D2D0756}" destId="{3C26B6EC-09A6-4E3F-B57B-9EE15A102E03}" srcOrd="6" destOrd="0" presId="urn:microsoft.com/office/officeart/2005/8/layout/chevron1"/>
+    <dgm:cxn modelId="{B7134047-24FA-4AF6-B938-25A903389F1E}" type="presParOf" srcId="{D49E3FCE-B4FF-4E4F-92BA-C4E16D2D0756}" destId="{C853E60D-8268-4A16-AB6C-109904550B34}" srcOrd="7" destOrd="0" presId="urn:microsoft.com/office/officeart/2005/8/layout/chevron1"/>
+    <dgm:cxn modelId="{9A71276B-9419-448F-8D0E-24CFEEB9FD9D}" type="presParOf" srcId="{D49E3FCE-B4FF-4E4F-92BA-C4E16D2D0756}" destId="{6E52FD35-A20B-454D-B22A-54287689FB35}" srcOrd="8" destOrd="0" presId="urn:microsoft.com/office/officeart/2005/8/layout/chevron1"/>
+  </dgm:cxnLst>
+  <dgm:bg/>
+  <dgm:whole/>
+  <dgm:extLst>
+    <a:ext uri="http://schemas.microsoft.com/office/drawing/2008/diagram">
+      <dsp:dataModelExt xmlns:dsp="http://schemas.microsoft.com/office/drawing/2008/diagram" relId="rId7" minVer="http://schemas.openxmlformats.org/drawingml/2006/diagram"/>
+    </a:ext>
+  </dgm:extLst>
+</dgm:dataModel>
+</file>
+
+<file path=ppt/diagrams/drawing1.xml><?xml version="1.0" encoding="utf-8"?>
+<dsp:drawing xmlns:dgm="http://schemas.openxmlformats.org/drawingml/2006/diagram" xmlns:dsp="http://schemas.microsoft.com/office/drawing/2008/diagram" xmlns:a="http://schemas.openxmlformats.org/drawingml/2006/main">
+  <dsp:spTree>
+    <dsp:nvGrpSpPr>
+      <dsp:cNvPr id="0" name=""/>
+      <dsp:cNvGrpSpPr/>
+    </dsp:nvGrpSpPr>
+    <dsp:grpSpPr/>
+    <dsp:sp modelId="{D348B70B-079C-490E-868F-A61E764A17C5}">
+      <dsp:nvSpPr>
+        <dsp:cNvPr id="0" name=""/>
+        <dsp:cNvSpPr/>
+      </dsp:nvSpPr>
+      <dsp:spPr>
+        <a:xfrm>
+          <a:off x="1877" y="1419402"/>
+          <a:ext cx="1670738" cy="668295"/>
+        </a:xfrm>
+        <a:prstGeom prst="chevron">
+          <a:avLst/>
+        </a:prstGeom>
+        <a:solidFill>
+          <a:schemeClr val="accent1">
+            <a:hueOff val="0"/>
+            <a:satOff val="0"/>
+            <a:lumOff val="0"/>
+            <a:alphaOff val="0"/>
+          </a:schemeClr>
+        </a:solidFill>
+        <a:ln w="12700" cap="flat" cmpd="sng" algn="ctr">
+          <a:solidFill>
+            <a:schemeClr val="lt1">
+              <a:hueOff val="0"/>
+              <a:satOff val="0"/>
+              <a:lumOff val="0"/>
+              <a:alphaOff val="0"/>
+            </a:schemeClr>
+          </a:solidFill>
+          <a:prstDash val="solid"/>
+          <a:miter lim="800000"/>
+        </a:ln>
+        <a:effectLst/>
+      </dsp:spPr>
+      <dsp:style>
+        <a:lnRef idx="2">
+          <a:scrgbClr r="0" g="0" b="0"/>
+        </a:lnRef>
+        <a:fillRef idx="1">
+          <a:scrgbClr r="0" g="0" b="0"/>
+        </a:fillRef>
+        <a:effectRef idx="0">
+          <a:scrgbClr r="0" g="0" b="0"/>
+        </a:effectRef>
+        <a:fontRef idx="minor">
+          <a:schemeClr val="lt1"/>
+        </a:fontRef>
+      </dsp:style>
+      <dsp:txBody>
+        <a:bodyPr spcFirstLastPara="0" vert="horz" wrap="square" lIns="116015" tIns="38672" rIns="38672" bIns="38672" numCol="1" spcCol="1270" anchor="ctr" anchorCtr="0">
+          <a:noAutofit/>
+        </a:bodyPr>
+        <a:lstStyle/>
+        <a:p>
+          <a:pPr marL="0" lvl="0" indent="0" algn="ctr" defTabSz="1289050">
+            <a:lnSpc>
+              <a:spcPct val="90000"/>
+            </a:lnSpc>
+            <a:spcBef>
+              <a:spcPct val="0"/>
+            </a:spcBef>
+            <a:spcAft>
+              <a:spcPct val="35000"/>
+            </a:spcAft>
+            <a:buNone/>
+          </a:pPr>
+          <a:endParaRPr lang="en-US" sz="2900" kern="1200"/>
+        </a:p>
+      </dsp:txBody>
+      <dsp:txXfrm>
+        <a:off x="336025" y="1419402"/>
+        <a:ext cx="1002443" cy="668295"/>
+      </dsp:txXfrm>
+    </dsp:sp>
+    <dsp:sp modelId="{B7AD329F-5B75-4A9C-9696-CDBB8DF9FE72}">
+      <dsp:nvSpPr>
+        <dsp:cNvPr id="0" name=""/>
+        <dsp:cNvSpPr/>
+      </dsp:nvSpPr>
+      <dsp:spPr>
+        <a:xfrm>
+          <a:off x="1505542" y="1419402"/>
+          <a:ext cx="1670738" cy="668295"/>
+        </a:xfrm>
+        <a:prstGeom prst="chevron">
+          <a:avLst/>
+        </a:prstGeom>
+        <a:solidFill>
+          <a:schemeClr val="accent1">
+            <a:hueOff val="0"/>
+            <a:satOff val="0"/>
+            <a:lumOff val="0"/>
+            <a:alphaOff val="0"/>
+          </a:schemeClr>
+        </a:solidFill>
+        <a:ln w="12700" cap="flat" cmpd="sng" algn="ctr">
+          <a:solidFill>
+            <a:schemeClr val="lt1">
+              <a:hueOff val="0"/>
+              <a:satOff val="0"/>
+              <a:lumOff val="0"/>
+              <a:alphaOff val="0"/>
+            </a:schemeClr>
+          </a:solidFill>
+          <a:prstDash val="solid"/>
+          <a:miter lim="800000"/>
+        </a:ln>
+        <a:effectLst/>
+      </dsp:spPr>
+      <dsp:style>
+        <a:lnRef idx="2">
+          <a:scrgbClr r="0" g="0" b="0"/>
+        </a:lnRef>
+        <a:fillRef idx="1">
+          <a:scrgbClr r="0" g="0" b="0"/>
+        </a:fillRef>
+        <a:effectRef idx="0">
+          <a:scrgbClr r="0" g="0" b="0"/>
+        </a:effectRef>
+        <a:fontRef idx="minor">
+          <a:schemeClr val="lt1"/>
+        </a:fontRef>
+      </dsp:style>
+      <dsp:txBody>
+        <a:bodyPr spcFirstLastPara="0" vert="horz" wrap="square" lIns="116015" tIns="38672" rIns="38672" bIns="38672" numCol="1" spcCol="1270" anchor="ctr" anchorCtr="0">
+          <a:noAutofit/>
+        </a:bodyPr>
+        <a:lstStyle/>
+        <a:p>
+          <a:pPr marL="0" lvl="0" indent="0" algn="ctr" defTabSz="1289050">
+            <a:lnSpc>
+              <a:spcPct val="90000"/>
+            </a:lnSpc>
+            <a:spcBef>
+              <a:spcPct val="0"/>
+            </a:spcBef>
+            <a:spcAft>
+              <a:spcPct val="35000"/>
+            </a:spcAft>
+            <a:buNone/>
+          </a:pPr>
+          <a:endParaRPr lang="en-US" sz="2900" kern="1200"/>
+        </a:p>
+      </dsp:txBody>
+      <dsp:txXfrm>
+        <a:off x="1839690" y="1419402"/>
+        <a:ext cx="1002443" cy="668295"/>
+      </dsp:txXfrm>
+    </dsp:sp>
+    <dsp:sp modelId="{62D7E851-950A-44A7-819A-79FC30147460}">
+      <dsp:nvSpPr>
+        <dsp:cNvPr id="0" name=""/>
+        <dsp:cNvSpPr/>
+      </dsp:nvSpPr>
+      <dsp:spPr>
+        <a:xfrm>
+          <a:off x="3009207" y="1419402"/>
+          <a:ext cx="1670738" cy="668295"/>
+        </a:xfrm>
+        <a:prstGeom prst="chevron">
+          <a:avLst/>
+        </a:prstGeom>
+        <a:solidFill>
+          <a:schemeClr val="accent1">
+            <a:hueOff val="0"/>
+            <a:satOff val="0"/>
+            <a:lumOff val="0"/>
+            <a:alphaOff val="0"/>
+          </a:schemeClr>
+        </a:solidFill>
+        <a:ln w="12700" cap="flat" cmpd="sng" algn="ctr">
+          <a:solidFill>
+            <a:schemeClr val="lt1">
+              <a:hueOff val="0"/>
+              <a:satOff val="0"/>
+              <a:lumOff val="0"/>
+              <a:alphaOff val="0"/>
+            </a:schemeClr>
+          </a:solidFill>
+          <a:prstDash val="solid"/>
+          <a:miter lim="800000"/>
+        </a:ln>
+        <a:effectLst/>
+      </dsp:spPr>
+      <dsp:style>
+        <a:lnRef idx="2">
+          <a:scrgbClr r="0" g="0" b="0"/>
+        </a:lnRef>
+        <a:fillRef idx="1">
+          <a:scrgbClr r="0" g="0" b="0"/>
+        </a:fillRef>
+        <a:effectRef idx="0">
+          <a:scrgbClr r="0" g="0" b="0"/>
+        </a:effectRef>
+        <a:fontRef idx="minor">
+          <a:schemeClr val="lt1"/>
+        </a:fontRef>
+      </dsp:style>
+      <dsp:txBody>
+        <a:bodyPr spcFirstLastPara="0" vert="horz" wrap="square" lIns="116015" tIns="38672" rIns="38672" bIns="38672" numCol="1" spcCol="1270" anchor="ctr" anchorCtr="0">
+          <a:noAutofit/>
+        </a:bodyPr>
+        <a:lstStyle/>
+        <a:p>
+          <a:pPr marL="0" lvl="0" indent="0" algn="ctr" defTabSz="1289050">
+            <a:lnSpc>
+              <a:spcPct val="90000"/>
+            </a:lnSpc>
+            <a:spcBef>
+              <a:spcPct val="0"/>
+            </a:spcBef>
+            <a:spcAft>
+              <a:spcPct val="35000"/>
+            </a:spcAft>
+            <a:buNone/>
+          </a:pPr>
+          <a:endParaRPr lang="en-US" sz="2900" kern="1200" dirty="0"/>
+        </a:p>
+      </dsp:txBody>
+      <dsp:txXfrm>
+        <a:off x="3343355" y="1419402"/>
+        <a:ext cx="1002443" cy="668295"/>
+      </dsp:txXfrm>
+    </dsp:sp>
+    <dsp:sp modelId="{3C26B6EC-09A6-4E3F-B57B-9EE15A102E03}">
+      <dsp:nvSpPr>
+        <dsp:cNvPr id="0" name=""/>
+        <dsp:cNvSpPr/>
+      </dsp:nvSpPr>
+      <dsp:spPr>
+        <a:xfrm>
+          <a:off x="4512872" y="1419402"/>
+          <a:ext cx="1670738" cy="668295"/>
+        </a:xfrm>
+        <a:prstGeom prst="chevron">
+          <a:avLst/>
+        </a:prstGeom>
+        <a:solidFill>
+          <a:schemeClr val="accent1">
+            <a:hueOff val="0"/>
+            <a:satOff val="0"/>
+            <a:lumOff val="0"/>
+            <a:alphaOff val="0"/>
+          </a:schemeClr>
+        </a:solidFill>
+        <a:ln w="12700" cap="flat" cmpd="sng" algn="ctr">
+          <a:solidFill>
+            <a:schemeClr val="lt1">
+              <a:hueOff val="0"/>
+              <a:satOff val="0"/>
+              <a:lumOff val="0"/>
+              <a:alphaOff val="0"/>
+            </a:schemeClr>
+          </a:solidFill>
+          <a:prstDash val="solid"/>
+          <a:miter lim="800000"/>
+        </a:ln>
+        <a:effectLst/>
+      </dsp:spPr>
+      <dsp:style>
+        <a:lnRef idx="2">
+          <a:scrgbClr r="0" g="0" b="0"/>
+        </a:lnRef>
+        <a:fillRef idx="1">
+          <a:scrgbClr r="0" g="0" b="0"/>
+        </a:fillRef>
+        <a:effectRef idx="0">
+          <a:scrgbClr r="0" g="0" b="0"/>
+        </a:effectRef>
+        <a:fontRef idx="minor">
+          <a:schemeClr val="lt1"/>
+        </a:fontRef>
+      </dsp:style>
+      <dsp:txBody>
+        <a:bodyPr spcFirstLastPara="0" vert="horz" wrap="square" lIns="160020" tIns="53340" rIns="53340" bIns="53340" numCol="1" spcCol="1270" anchor="ctr" anchorCtr="0">
+          <a:noAutofit/>
+        </a:bodyPr>
+        <a:lstStyle/>
+        <a:p>
+          <a:pPr marL="0" lvl="0" indent="0" algn="ctr" defTabSz="1778000">
+            <a:lnSpc>
+              <a:spcPct val="90000"/>
+            </a:lnSpc>
+            <a:spcBef>
+              <a:spcPct val="0"/>
+            </a:spcBef>
+            <a:spcAft>
+              <a:spcPct val="35000"/>
+            </a:spcAft>
+            <a:buNone/>
+          </a:pPr>
+          <a:endParaRPr lang="en-US" sz="4000" kern="1200" dirty="0"/>
+        </a:p>
+      </dsp:txBody>
+      <dsp:txXfrm>
+        <a:off x="4847020" y="1419402"/>
+        <a:ext cx="1002443" cy="668295"/>
+      </dsp:txXfrm>
+    </dsp:sp>
+    <dsp:sp modelId="{6E52FD35-A20B-454D-B22A-54287689FB35}">
+      <dsp:nvSpPr>
+        <dsp:cNvPr id="0" name=""/>
+        <dsp:cNvSpPr/>
+      </dsp:nvSpPr>
+      <dsp:spPr>
+        <a:xfrm>
+          <a:off x="6016536" y="1419402"/>
+          <a:ext cx="1670738" cy="668295"/>
+        </a:xfrm>
+        <a:prstGeom prst="chevron">
+          <a:avLst/>
+        </a:prstGeom>
+        <a:solidFill>
+          <a:schemeClr val="accent1">
+            <a:hueOff val="0"/>
+            <a:satOff val="0"/>
+            <a:lumOff val="0"/>
+            <a:alphaOff val="0"/>
+          </a:schemeClr>
+        </a:solidFill>
+        <a:ln w="12700" cap="flat" cmpd="sng" algn="ctr">
+          <a:solidFill>
+            <a:schemeClr val="lt1">
+              <a:hueOff val="0"/>
+              <a:satOff val="0"/>
+              <a:lumOff val="0"/>
+              <a:alphaOff val="0"/>
+            </a:schemeClr>
+          </a:solidFill>
+          <a:prstDash val="solid"/>
+          <a:miter lim="800000"/>
+        </a:ln>
+        <a:effectLst/>
+      </dsp:spPr>
+      <dsp:style>
+        <a:lnRef idx="2">
+          <a:scrgbClr r="0" g="0" b="0"/>
+        </a:lnRef>
+        <a:fillRef idx="1">
+          <a:scrgbClr r="0" g="0" b="0"/>
+        </a:fillRef>
+        <a:effectRef idx="0">
+          <a:scrgbClr r="0" g="0" b="0"/>
+        </a:effectRef>
+        <a:fontRef idx="minor">
+          <a:schemeClr val="lt1"/>
+        </a:fontRef>
+      </dsp:style>
+      <dsp:txBody>
+        <a:bodyPr spcFirstLastPara="0" vert="horz" wrap="square" lIns="160020" tIns="53340" rIns="53340" bIns="53340" numCol="1" spcCol="1270" anchor="ctr" anchorCtr="0">
+          <a:noAutofit/>
+        </a:bodyPr>
+        <a:lstStyle/>
+        <a:p>
+          <a:pPr marL="0" lvl="0" indent="0" algn="ctr" defTabSz="1778000">
+            <a:lnSpc>
+              <a:spcPct val="90000"/>
+            </a:lnSpc>
+            <a:spcBef>
+              <a:spcPct val="0"/>
+            </a:spcBef>
+            <a:spcAft>
+              <a:spcPct val="35000"/>
+            </a:spcAft>
+            <a:buNone/>
+          </a:pPr>
+          <a:endParaRPr lang="en-US" sz="4000" kern="1200" dirty="0"/>
+        </a:p>
+      </dsp:txBody>
+      <dsp:txXfrm>
+        <a:off x="6350684" y="1419402"/>
+        <a:ext cx="1002443" cy="668295"/>
+      </dsp:txXfrm>
+    </dsp:sp>
+  </dsp:spTree>
+</dsp:drawing>
+</file>
+
+<file path=ppt/diagrams/layout1.xml><?xml version="1.0" encoding="utf-8"?>
+<dgm:layoutDef xmlns:dgm="http://schemas.openxmlformats.org/drawingml/2006/diagram" xmlns:a="http://schemas.openxmlformats.org/drawingml/2006/main" uniqueId="urn:microsoft.com/office/officeart/2005/8/layout/chevron1">
+  <dgm:title val=""/>
+  <dgm:desc val=""/>
+  <dgm:catLst>
+    <dgm:cat type="process" pri="9000"/>
+  </dgm:catLst>
+  <dgm:sampData useDef="1">
+    <dgm:dataModel>
+      <dgm:ptLst/>
+      <dgm:bg/>
+      <dgm:whole/>
+    </dgm:dataModel>
+  </dgm:sampData>
+  <dgm:styleData>
+    <dgm:dataModel>
+      <dgm:ptLst>
+        <dgm:pt modelId="0" type="doc"/>
+        <dgm:pt modelId="1"/>
+        <dgm:pt modelId="2"/>
+      </dgm:ptLst>
+      <dgm:cxnLst>
+        <dgm:cxn modelId="3" srcId="0" destId="1" srcOrd="0" destOrd="0"/>
+        <dgm:cxn modelId="4" srcId="0" destId="2" srcOrd="1" destOrd="0"/>
+      </dgm:cxnLst>
+      <dgm:bg/>
+      <dgm:whole/>
+    </dgm:dataModel>
+  </dgm:styleData>
+  <dgm:clrData>
+    <dgm:dataModel>
+      <dgm:ptLst>
+        <dgm:pt modelId="0" type="doc"/>
+        <dgm:pt modelId="1"/>
+        <dgm:pt modelId="2"/>
+        <dgm:pt modelId="3"/>
+        <dgm:pt modelId="4"/>
+      </dgm:ptLst>
+      <dgm:cxnLst>
+        <dgm:cxn modelId="5" srcId="0" destId="1" srcOrd="0" destOrd="0"/>
+        <dgm:cxn modelId="6" srcId="0" destId="2" srcOrd="1" destOrd="0"/>
+        <dgm:cxn modelId="7" srcId="0" destId="3" srcOrd="2" destOrd="0"/>
+        <dgm:cxn modelId="8" srcId="0" destId="4" srcOrd="3" destOrd="0"/>
+      </dgm:cxnLst>
+      <dgm:bg/>
+      <dgm:whole/>
+    </dgm:dataModel>
+  </dgm:clrData>
+  <dgm:layoutNode name="Name0">
+    <dgm:varLst>
+      <dgm:dir/>
+      <dgm:animLvl val="lvl"/>
+      <dgm:resizeHandles val="exact"/>
+    </dgm:varLst>
+    <dgm:choose name="Name1">
+      <dgm:if name="Name2" func="var" arg="dir" op="equ" val="norm">
+        <dgm:alg type="lin"/>
+      </dgm:if>
+      <dgm:else name="Name3">
+        <dgm:alg type="lin">
+          <dgm:param type="linDir" val="fromR"/>
+        </dgm:alg>
+      </dgm:else>
+    </dgm:choose>
+    <dgm:shape xmlns:r="http://schemas.openxmlformats.org/officeDocument/2006/relationships" r:blip="">
+      <dgm:adjLst/>
+    </dgm:shape>
+    <dgm:presOf/>
+    <dgm:choose name="Name4">
+      <dgm:if name="Name5" axis="des" func="maxDepth" op="gte" val="2">
+        <dgm:constrLst>
+          <dgm:constr type="h" for="ch" forName="composite" refType="h"/>
+          <dgm:constr type="w" for="ch" forName="composite" refType="w"/>
+          <dgm:constr type="w" for="des" forName="parTx"/>
+          <dgm:constr type="h" for="des" forName="parTx" op="equ"/>
+          <dgm:constr type="w" for="des" forName="desTx"/>
+          <dgm:constr type="h" for="des" forName="desTx" op="equ"/>
+          <dgm:constr type="primFontSz" for="des" forName="parTx" val="65"/>
+          <dgm:constr type="secFontSz" for="des" forName="desTx" refType="primFontSz" refFor="des" refForName="parTx" op="equ"/>
+          <dgm:constr type="h" for="des" forName="parTx" refType="primFontSz" refFor="des" refForName="parTx" fact="1.5"/>
+          <dgm:constr type="h" for="des" forName="desTx" refType="primFontSz" refFor="des" refForName="parTx" fact="0.5"/>
+          <dgm:constr type="w" for="ch" forName="space" op="equ" val="-6"/>
+        </dgm:constrLst>
+        <dgm:ruleLst>
+          <dgm:rule type="w" for="ch" forName="composite" val="0" fact="NaN" max="NaN"/>
+          <dgm:rule type="primFontSz" for="des" forName="parTx" val="5" fact="NaN" max="NaN"/>
+        </dgm:ruleLst>
+        <dgm:forEach name="Name6" axis="ch" ptType="node">
+          <dgm:layoutNode name="composite">
+            <dgm:alg type="composite"/>
+            <dgm:shape xmlns:r="http://schemas.openxmlformats.org/officeDocument/2006/relationships" r:blip="">
+              <dgm:adjLst/>
+            </dgm:shape>
+            <dgm:presOf/>
+            <dgm:choose name="Name7">
+              <dgm:if name="Name8" func="var" arg="dir" op="equ" val="norm">
+                <dgm:constrLst>
+                  <dgm:constr type="l" for="ch" forName="parTx"/>
+                  <dgm:constr type="w" for="ch" forName="parTx" refType="w"/>
+                  <dgm:constr type="t" for="ch" forName="parTx"/>
+                  <dgm:constr type="l" for="ch" forName="desTx"/>
+                  <dgm:constr type="w" for="ch" forName="desTx" refType="w" refFor="ch" refForName="parTx" fact="0.8"/>
+                  <dgm:constr type="t" for="ch" forName="desTx" refType="h" refFor="ch" refForName="parTx" fact="1.125"/>
+                </dgm:constrLst>
+              </dgm:if>
+              <dgm:else name="Name9">
+                <dgm:constrLst>
+                  <dgm:constr type="l" for="ch" forName="parTx"/>
+                  <dgm:constr type="w" for="ch" forName="parTx" refType="w"/>
+                  <dgm:constr type="t" for="ch" forName="parTx"/>
+                  <dgm:constr type="l" for="ch" forName="desTx" refType="w" fact="0.2"/>
+                  <dgm:constr type="w" for="ch" forName="desTx" refType="w" refFor="ch" refForName="parTx" fact="0.8"/>
+                  <dgm:constr type="t" for="ch" forName="desTx" refType="h" refFor="ch" refForName="parTx" fact="1.125"/>
+                </dgm:constrLst>
+              </dgm:else>
+            </dgm:choose>
+            <dgm:ruleLst>
+              <dgm:rule type="h" val="INF" fact="NaN" max="NaN"/>
+            </dgm:ruleLst>
+            <dgm:layoutNode name="parTx">
+              <dgm:varLst>
+                <dgm:chMax val="0"/>
+                <dgm:chPref val="0"/>
+                <dgm:bulletEnabled val="1"/>
+              </dgm:varLst>
+              <dgm:alg type="tx"/>
+              <dgm:choose name="Name10">
+                <dgm:if name="Name11" func="var" arg="dir" op="equ" val="norm">
+                  <dgm:shape xmlns:r="http://schemas.openxmlformats.org/officeDocument/2006/relationships" type="chevron" r:blip="">
+                    <dgm:adjLst/>
+                  </dgm:shape>
+                </dgm:if>
+                <dgm:else name="Name12">
+                  <dgm:shape xmlns:r="http://schemas.openxmlformats.org/officeDocument/2006/relationships" rot="180" type="chevron" r:blip="">
+                    <dgm:adjLst/>
+                  </dgm:shape>
+                </dgm:else>
+              </dgm:choose>
+              <dgm:presOf axis="self" ptType="node"/>
+              <dgm:choose name="Name13">
+                <dgm:if name="Name14" func="var" arg="dir" op="equ" val="norm">
+                  <dgm:constrLst>
+                    <dgm:constr type="h" refType="w" op="lte" fact="0.4"/>
+                    <dgm:constr type="h"/>
+                    <dgm:constr type="tMarg" refType="primFontSz" fact="0.105"/>
+                    <dgm:constr type="bMarg" refType="primFontSz" fact="0.105"/>
+                    <dgm:constr type="lMarg" refType="primFontSz" fact="0.315"/>
+                    <dgm:constr type="rMarg" refType="primFontSz" fact="0.105"/>
+                  </dgm:constrLst>
+                </dgm:if>
+                <dgm:else name="Name15">
+                  <dgm:constrLst>
+                    <dgm:constr type="h" refType="w" op="lte" fact="0.4"/>
+                    <dgm:constr type="h"/>
+                    <dgm:constr type="tMarg" refType="primFontSz" fact="0.105"/>
+                    <dgm:constr type="bMarg" refType="primFontSz" fact="0.105"/>
+                    <dgm:constr type="lMarg" refType="primFontSz" fact="0.105"/>
+                    <dgm:constr type="rMarg" refType="primFontSz" fact="0.315"/>
+                  </dgm:constrLst>
+                </dgm:else>
+              </dgm:choose>
+              <dgm:ruleLst>
+                <dgm:rule type="h" val="INF" fact="NaN" max="NaN"/>
+              </dgm:ruleLst>
+            </dgm:layoutNode>
+            <dgm:layoutNode name="desTx" styleLbl="revTx">
+              <dgm:varLst>
+                <dgm:bulletEnabled val="1"/>
+              </dgm:varLst>
+              <dgm:alg type="tx">
+                <dgm:param type="stBulletLvl" val="1"/>
+              </dgm:alg>
+              <dgm:choose name="Name16">
+                <dgm:if name="Name17" axis="ch" ptType="node" func="cnt" op="gte" val="1">
+                  <dgm:shape xmlns:r="http://schemas.openxmlformats.org/officeDocument/2006/relationships" type="rect" r:blip="">
+                    <dgm:adjLst/>
+                  </dgm:shape>
+                </dgm:if>
+                <dgm:else name="Name18">
+                  <dgm:shape xmlns:r="http://schemas.openxmlformats.org/officeDocument/2006/relationships" type="rect" r:blip="" hideGeom="1">
+                    <dgm:adjLst/>
+                  </dgm:shape>
+                </dgm:else>
+              </dgm:choose>
+              <dgm:presOf axis="des" ptType="node"/>
+              <dgm:constrLst>
+                <dgm:constr type="secFontSz" val="65"/>
+                <dgm:constr type="primFontSz" refType="secFontSz"/>
+                <dgm:constr type="h"/>
+                <dgm:constr type="tMarg"/>
+                <dgm:constr type="bMarg"/>
+                <dgm:constr type="rMarg"/>
+                <dgm:constr type="lMarg"/>
+              </dgm:constrLst>
+              <dgm:ruleLst>
+                <dgm:rule type="h" val="INF" fact="NaN" max="NaN"/>
+              </dgm:ruleLst>
+            </dgm:layoutNode>
+          </dgm:layoutNode>
+          <dgm:forEach name="Name19" axis="followSib" ptType="sibTrans" cnt="1">
+            <dgm:layoutNode name="space">
+              <dgm:alg type="sp"/>
+              <dgm:shape xmlns:r="http://schemas.openxmlformats.org/officeDocument/2006/relationships" r:blip="">
+                <dgm:adjLst/>
+              </dgm:shape>
+              <dgm:presOf/>
+              <dgm:constrLst/>
+              <dgm:ruleLst/>
+            </dgm:layoutNode>
+          </dgm:forEach>
+        </dgm:forEach>
+      </dgm:if>
+      <dgm:else name="Name20">
+        <dgm:constrLst>
+          <dgm:constr type="w" for="ch" forName="parTxOnly" refType="w"/>
+          <dgm:constr type="h" for="des" forName="parTxOnly" op="equ"/>
+          <dgm:constr type="primFontSz" for="des" forName="parTxOnly" op="equ" val="65"/>
+          <dgm:constr type="w" for="ch" forName="parTxOnlySpace" refType="w" refFor="ch" refForName="parTxOnly" fact="-0.1"/>
+        </dgm:constrLst>
+        <dgm:ruleLst/>
+        <dgm:forEach name="Name21" axis="ch" ptType="node">
+          <dgm:layoutNode name="parTxOnly">
+            <dgm:varLst>
+              <dgm:chMax val="0"/>
+              <dgm:chPref val="0"/>
+              <dgm:bulletEnabled val="1"/>
+            </dgm:varLst>
+            <dgm:alg type="tx"/>
+            <dgm:choose name="Name22">
+              <dgm:if name="Name23" func="var" arg="dir" op="equ" val="norm">
+                <dgm:shape xmlns:r="http://schemas.openxmlformats.org/officeDocument/2006/relationships" type="chevron" r:blip="">
+                  <dgm:adjLst/>
+                </dgm:shape>
+              </dgm:if>
+              <dgm:else name="Name24">
+                <dgm:shape xmlns:r="http://schemas.openxmlformats.org/officeDocument/2006/relationships" rot="180" type="chevron" r:blip="">
+                  <dgm:adjLst/>
+                </dgm:shape>
+              </dgm:else>
+            </dgm:choose>
+            <dgm:presOf axis="self" ptType="node"/>
+            <dgm:choose name="Name25">
+              <dgm:if name="Name26" func="var" arg="dir" op="equ" val="norm">
+                <dgm:constrLst>
+                  <dgm:constr type="h" refType="w" op="equ" fact="0.4"/>
+                  <dgm:constr type="tMarg" refType="primFontSz" fact="0.105"/>
+                  <dgm:constr type="bMarg" refType="primFontSz" fact="0.105"/>
+                  <dgm:constr type="lMarg" refType="primFontSz" fact="0.315"/>
+                  <dgm:constr type="rMarg" refType="primFontSz" fact="0.105"/>
+                </dgm:constrLst>
+              </dgm:if>
+              <dgm:else name="Name27">
+                <dgm:constrLst>
+                  <dgm:constr type="h" refType="w" op="equ" fact="0.4"/>
+                  <dgm:constr type="tMarg" refType="primFontSz" fact="0.105"/>
+                  <dgm:constr type="bMarg" refType="primFontSz" fact="0.105"/>
+                  <dgm:constr type="lMarg" refType="primFontSz" fact="0.105"/>
+                  <dgm:constr type="rMarg" refType="primFontSz" fact="0.315"/>
+                </dgm:constrLst>
+              </dgm:else>
+            </dgm:choose>
+            <dgm:ruleLst>
+              <dgm:rule type="primFontSz" val="5" fact="NaN" max="NaN"/>
+            </dgm:ruleLst>
+          </dgm:layoutNode>
+          <dgm:forEach name="Name28" axis="followSib" ptType="sibTrans" cnt="1">
+            <dgm:layoutNode name="parTxOnlySpace">
+              <dgm:alg type="sp"/>
+              <dgm:shape xmlns:r="http://schemas.openxmlformats.org/officeDocument/2006/relationships" r:blip="">
+                <dgm:adjLst/>
+              </dgm:shape>
+              <dgm:presOf/>
+              <dgm:constrLst/>
+              <dgm:ruleLst/>
+            </dgm:layoutNode>
+          </dgm:forEach>
+        </dgm:forEach>
+      </dgm:else>
+    </dgm:choose>
+  </dgm:layoutNode>
+</dgm:layoutDef>
+</file>
+
+<file path=ppt/diagrams/quickStyle1.xml><?xml version="1.0" encoding="utf-8"?>
+<dgm:styleDef xmlns:dgm="http://schemas.openxmlformats.org/drawingml/2006/diagram" xmlns:a="http://schemas.openxmlformats.org/drawingml/2006/main" uniqueId="urn:microsoft.com/office/officeart/2005/8/quickstyle/simple1">
+  <dgm:title val=""/>
+  <dgm:desc val=""/>
+  <dgm:catLst>
+    <dgm:cat type="simple" pri="10100"/>
+  </dgm:catLst>
+  <dgm:scene3d>
+    <a:camera prst="orthographicFront"/>
+    <a:lightRig rig="threePt" dir="t"/>
+  </dgm:scene3d>
+  <dgm:styleLbl name="node0">
+    <dgm:scene3d>
+      <a:camera prst="orthographicFront"/>
+      <a:lightRig rig="threePt" dir="t"/>
+    </dgm:scene3d>
+    <dgm:sp3d/>
+    <dgm:txPr/>
+    <dgm:style>
+      <a:lnRef idx="2">
+        <a:scrgbClr r="0" g="0" b="0"/>
+      </a:lnRef>
+      <a:fillRef idx="1">
+        <a:scrgbClr r="0" g="0" b="0"/>
+      </a:fillRef>
+      <a:effectRef idx="0">
+        <a:scrgbClr r="0" g="0" b="0"/>
+      </a:effectRef>
+      <a:fontRef idx="minor">
+        <a:schemeClr val="lt1"/>
+      </a:fontRef>
+    </dgm:style>
+  </dgm:styleLbl>
+  <dgm:styleLbl name="lnNode1">
+    <dgm:scene3d>
+      <a:camera prst="orthographicFront"/>
+      <a:lightRig rig="threePt" dir="t"/>
+    </dgm:scene3d>
+    <dgm:sp3d/>
+    <dgm:txPr/>
+    <dgm:style>
+      <a:lnRef idx="2">
+        <a:scrgbClr r="0" g="0" b="0"/>
+      </a:lnRef>
+      <a:fillRef idx="1">
+        <a:scrgbClr r="0" g="0" b="0"/>
+      </a:fillRef>
+      <a:effectRef idx="0">
+        <a:scrgbClr r="0" g="0" b="0"/>
+      </a:effectRef>
+      <a:fontRef idx="minor">
+        <a:schemeClr val="lt1"/>
+      </a:fontRef>
+    </dgm:style>
+  </dgm:styleLbl>
+  <dgm:styleLbl name="vennNode1">
+    <dgm:scene3d>
+      <a:camera prst="orthographicFront"/>
+      <a:lightRig rig="threePt" dir="t"/>
+    </dgm:scene3d>
+    <dgm:sp3d/>
+    <dgm:txPr/>
+    <dgm:style>
+      <a:lnRef idx="2">
+        <a:scrgbClr r="0" g="0" b="0"/>
+      </a:lnRef>
+      <a:fillRef idx="1">
+        <a:scrgbClr r="0" g="0" b="0"/>
+      </a:fillRef>
+      <a:effectRef idx="0">
+        <a:scrgbClr r="0" g="0" b="0"/>
+      </a:effectRef>
+      <a:fontRef idx="minor">
+        <a:schemeClr val="tx1"/>
+      </a:fontRef>
+    </dgm:style>
+  </dgm:styleLbl>
+  <dgm:styleLbl name="alignNode1">
+    <dgm:scene3d>
+      <a:camera prst="orthographicFront"/>
+      <a:lightRig rig="threePt" dir="t"/>
+    </dgm:scene3d>
+    <dgm:sp3d/>
+    <dgm:txPr/>
+    <dgm:style>
+      <a:lnRef idx="2">
+        <a:scrgbClr r="0" g="0" b="0"/>
+      </a:lnRef>
+      <a:fillRef idx="1">
+        <a:scrgbClr r="0" g="0" b="0"/>
+      </a:fillRef>
+      <a:effectRef idx="0">
+        <a:scrgbClr r="0" g="0" b="0"/>
+      </a:effectRef>
+      <a:fontRef idx="minor">
+        <a:schemeClr val="lt1"/>
+      </a:fontRef>
+    </dgm:style>
+  </dgm:styleLbl>
+  <dgm:styleLbl name="node1">
+    <dgm:scene3d>
+      <a:camera prst="orthographicFront"/>
+      <a:lightRig rig="threePt" dir="t"/>
+    </dgm:scene3d>
+    <dgm:sp3d/>
+    <dgm:txPr/>
+    <dgm:style>
+      <a:lnRef idx="2">
+        <a:scrgbClr r="0" g="0" b="0"/>
+      </a:lnRef>
+      <a:fillRef idx="1">
+        <a:scrgbClr r="0" g="0" b="0"/>
+      </a:fillRef>
+      <a:effectRef idx="0">
+        <a:scrgbClr r="0" g="0" b="0"/>
+      </a:effectRef>
+      <a:fontRef idx="minor">
+        <a:schemeClr val="lt1"/>
+      </a:fontRef>
+    </dgm:style>
+  </dgm:styleLbl>
+  <dgm:styleLbl name="node2">
+    <dgm:scene3d>
+      <a:camera prst="orthographicFront"/>
+      <a:lightRig rig="threePt" dir="t"/>
+    </dgm:scene3d>
+    <dgm:sp3d/>
+    <dgm:txPr/>
+    <dgm:style>
+      <a:lnRef idx="2">
+        <a:scrgbClr r="0" g="0" b="0"/>
+      </a:lnRef>
+      <a:fillRef idx="1">
+        <a:scrgbClr r="0" g="0" b="0"/>
+      </a:fillRef>
+      <a:effectRef idx="0">
+        <a:scrgbClr r="0" g="0" b="0"/>
+      </a:effectRef>
+      <a:fontRef idx="minor">
+        <a:schemeClr val="lt1"/>
+      </a:fontRef>
+    </dgm:style>
+  </dgm:styleLbl>
+  <dgm:styleLbl name="node3">
+    <dgm:scene3d>
+      <a:camera prst="orthographicFront"/>
+      <a:lightRig rig="threePt" dir="t"/>
+    </dgm:scene3d>
+    <dgm:sp3d/>
+    <dgm:txPr/>
+    <dgm:style>
+      <a:lnRef idx="2">
+        <a:scrgbClr r="0" g="0" b="0"/>
+      </a:lnRef>
+      <a:fillRef idx="1">
+        <a:scrgbClr r="0" g="0" b="0"/>
+      </a:fillRef>
+      <a:effectRef idx="0">
+        <a:scrgbClr r="0" g="0" b="0"/>
+      </a:effectRef>
+      <a:fontRef idx="minor">
+        <a:schemeClr val="lt1"/>
+      </a:fontRef>
+    </dgm:style>
+  </dgm:styleLbl>
+  <dgm:styleLbl name="node4">
+    <dgm:scene3d>
+      <a:camera prst="orthographicFront"/>
+      <a:lightRig rig="threePt" dir="t"/>
+    </dgm:scene3d>
+    <dgm:sp3d/>
+    <dgm:txPr/>
+    <dgm:style>
+      <a:lnRef idx="2">
+        <a:scrgbClr r="0" g="0" b="0"/>
+      </a:lnRef>
+      <a:fillRef idx="1">
+        <a:scrgbClr r="0" g="0" b="0"/>
+      </a:fillRef>
+      <a:effectRef idx="0">
+        <a:scrgbClr r="0" g="0" b="0"/>
+      </a:effectRef>
+      <a:fontRef idx="minor">
+        <a:schemeClr val="lt1"/>
+      </a:fontRef>
+    </dgm:style>
+  </dgm:styleLbl>
+  <dgm:styleLbl name="fgImgPlace1">
+    <dgm:scene3d>
+      <a:camera prst="orthographicFront"/>
+      <a:lightRig rig="threePt" dir="t"/>
+    </dgm:scene3d>
+    <dgm:sp3d/>
+    <dgm:txPr/>
+    <dgm:style>
+      <a:lnRef idx="2">
+        <a:scrgbClr r="0" g="0" b="0"/>
+      </a:lnRef>
+      <a:fillRef idx="1">
+        <a:scrgbClr r="0" g="0" b="0"/>
+      </a:fillRef>
+      <a:effectRef idx="0">
+        <a:scrgbClr r="0" g="0" b="0"/>
+      </a:effectRef>
+      <a:fontRef idx="minor"/>
+    </dgm:style>
+  </dgm:styleLbl>
+  <dgm:styleLbl name="alignImgPlace1">
+    <dgm:scene3d>
+      <a:camera prst="orthographicFront"/>
+      <a:lightRig rig="threePt" dir="t"/>
+    </dgm:scene3d>
+    <dgm:sp3d/>
+    <dgm:txPr/>
+    <dgm:style>
+      <a:lnRef idx="2">
+        <a:scrgbClr r="0" g="0" b="0"/>
+      </a:lnRef>
+      <a:fillRef idx="1">
+        <a:scrgbClr r="0" g="0" b="0"/>
+      </a:fillRef>
+      <a:effectRef idx="0">
+        <a:scrgbClr r="0" g="0" b="0"/>
+      </a:effectRef>
+      <a:fontRef idx="minor"/>
+    </dgm:style>
+  </dgm:styleLbl>
+  <dgm:styleLbl name="bgImgPlace1">
+    <dgm:scene3d>
+      <a:camera prst="orthographicFront"/>
+      <a:lightRig rig="threePt" dir="t"/>
+    </dgm:scene3d>
+    <dgm:sp3d/>
+    <dgm:txPr/>
+    <dgm:style>
+      <a:lnRef idx="2">
+        <a:scrgbClr r="0" g="0" b="0"/>
+      </a:lnRef>
+      <a:fillRef idx="1">
+        <a:scrgbClr r="0" g="0" b="0"/>
+      </a:fillRef>
+      <a:effectRef idx="0">
+        <a:scrgbClr r="0" g="0" b="0"/>
+      </a:effectRef>
+      <a:fontRef idx="minor"/>
+    </dgm:style>
+  </dgm:styleLbl>
+  <dgm:styleLbl name="sibTrans2D1">
+    <dgm:scene3d>
+      <a:camera prst="orthographicFront"/>
+      <a:lightRig rig="threePt" dir="t"/>
+    </dgm:scene3d>
+    <dgm:sp3d/>
+    <dgm:txPr/>
+    <dgm:style>
+      <a:lnRef idx="0">
+        <a:scrgbClr r="0" g="0" b="0"/>
+      </a:lnRef>
+      <a:fillRef idx="1">
+        <a:scrgbClr r="0" g="0" b="0"/>
+      </a:fillRef>
+      <a:effectRef idx="0">
+        <a:scrgbClr r="0" g="0" b="0"/>
+      </a:effectRef>
+      <a:fontRef idx="minor">
+        <a:schemeClr val="lt1"/>
+      </a:fontRef>
+    </dgm:style>
+  </dgm:styleLbl>
+  <dgm:styleLbl name="fgSibTrans2D1">
+    <dgm:scene3d>
+      <a:camera prst="orthographicFront"/>
+      <a:lightRig rig="threePt" dir="t"/>
+    </dgm:scene3d>
+    <dgm:sp3d/>
+    <dgm:txPr/>
+    <dgm:style>
+      <a:lnRef idx="0">
+        <a:scrgbClr r="0" g="0" b="0"/>
+      </a:lnRef>
+      <a:fillRef idx="1">
+        <a:scrgbClr r="0" g="0" b="0"/>
+      </a:fillRef>
+      <a:effectRef idx="0">
+        <a:scrgbClr r="0" g="0" b="0"/>
+      </a:effectRef>
+      <a:fontRef idx="minor">
+        <a:schemeClr val="lt1"/>
+      </a:fontRef>
+    </dgm:style>
+  </dgm:styleLbl>
+  <dgm:styleLbl name="bgSibTrans2D1">
+    <dgm:scene3d>
+      <a:camera prst="orthographicFront"/>
+      <a:lightRig rig="threePt" dir="t"/>
+    </dgm:scene3d>
+    <dgm:sp3d/>
+    <dgm:txPr/>
+    <dgm:style>
+      <a:lnRef idx="0">
+        <a:scrgbClr r="0" g="0" b="0"/>
+      </a:lnRef>
+      <a:fillRef idx="1">
+        <a:scrgbClr r="0" g="0" b="0"/>
+      </a:fillRef>
+      <a:effectRef idx="0">
+        <a:scrgbClr r="0" g="0" b="0"/>
+      </a:effectRef>
+      <a:fontRef idx="minor">
+        <a:schemeClr val="lt1"/>
+      </a:fontRef>
+    </dgm:style>
+  </dgm:styleLbl>
+  <dgm:styleLbl name="sibTrans1D1">
+    <dgm:scene3d>
+      <a:camera prst="orthographicFront"/>
+      <a:lightRig rig="threePt" dir="t"/>
+    </dgm:scene3d>
+    <dgm:sp3d/>
+    <dgm:txPr/>
+    <dgm:style>
+      <a:lnRef idx="1">
+        <a:scrgbClr r="0" g="0" b="0"/>
+      </a:lnRef>
+      <a:fillRef idx="0">
+        <a:scrgbClr r="0" g="0" b="0"/>
+      </a:fillRef>
+      <a:effectRef idx="0">
+        <a:scrgbClr r="0" g="0" b="0"/>
+      </a:effectRef>
+      <a:fontRef idx="minor"/>
+    </dgm:style>
+  </dgm:styleLbl>
+  <dgm:styleLbl name="callout">
+    <dgm:scene3d>
+      <a:camera prst="orthographicFront"/>
+      <a:lightRig rig="threePt" dir="t"/>
+    </dgm:scene3d>
+    <dgm:sp3d/>
+    <dgm:txPr/>
+    <dgm:style>
+      <a:lnRef idx="2">
+        <a:scrgbClr r="0" g="0" b="0"/>
+      </a:lnRef>
+      <a:fillRef idx="1">
+        <a:scrgbClr r="0" g="0" b="0"/>
+      </a:fillRef>
+      <a:effectRef idx="0">
+        <a:scrgbClr r="0" g="0" b="0"/>
+      </a:effectRef>
+      <a:fontRef idx="minor"/>
+    </dgm:style>
+  </dgm:styleLbl>
+  <dgm:styleLbl name="asst0">
+    <dgm:scene3d>
+      <a:camera prst="orthographicFront"/>
+      <a:lightRig rig="threePt" dir="t"/>
+    </dgm:scene3d>
+    <dgm:sp3d/>
+    <dgm:txPr/>
+    <dgm:style>
+      <a:lnRef idx="2">
+        <a:scrgbClr r="0" g="0" b="0"/>
+      </a:lnRef>
+      <a:fillRef idx="1">
+        <a:scrgbClr r="0" g="0" b="0"/>
+      </a:fillRef>
+      <a:effectRef idx="0">
+        <a:scrgbClr r="0" g="0" b="0"/>
+      </a:effectRef>
+      <a:fontRef idx="minor">
+        <a:schemeClr val="lt1"/>
+      </a:fontRef>
+    </dgm:style>
+  </dgm:styleLbl>
+  <dgm:styleLbl name="asst1">
+    <dgm:scene3d>
+      <a:camera prst="orthographicFront"/>
+      <a:lightRig rig="threePt" dir="t"/>
+    </dgm:scene3d>
+    <dgm:sp3d/>
+    <dgm:txPr/>
+    <dgm:style>
+      <a:lnRef idx="2">
+        <a:scrgbClr r="0" g="0" b="0"/>
+      </a:lnRef>
+      <a:fillRef idx="1">
+        <a:scrgbClr r="0" g="0" b="0"/>
+      </a:fillRef>
+      <a:effectRef idx="0">
+        <a:scrgbClr r="0" g="0" b="0"/>
+      </a:effectRef>
+      <a:fontRef idx="minor">
+        <a:schemeClr val="lt1"/>
+      </a:fontRef>
+    </dgm:style>
+  </dgm:styleLbl>
+  <dgm:styleLbl name="asst2">
+    <dgm:scene3d>
+      <a:camera prst="orthographicFront"/>
+      <a:lightRig rig="threePt" dir="t"/>
+    </dgm:scene3d>
+    <dgm:sp3d/>
+    <dgm:txPr/>
+    <dgm:style>
+      <a:lnRef idx="2">
+        <a:scrgbClr r="0" g="0" b="0"/>
+      </a:lnRef>
+      <a:fillRef idx="1">
+        <a:scrgbClr r="0" g="0" b="0"/>
+      </a:fillRef>
+      <a:effectRef idx="0">
+        <a:scrgbClr r="0" g="0" b="0"/>
+      </a:effectRef>
+      <a:fontRef idx="minor">
+        <a:schemeClr val="lt1"/>
+      </a:fontRef>
+    </dgm:style>
+  </dgm:styleLbl>
+  <dgm:styleLbl name="asst3">
+    <dgm:scene3d>
+      <a:camera prst="orthographicFront"/>
+      <a:lightRig rig="threePt" dir="t"/>
+    </dgm:scene3d>
+    <dgm:sp3d/>
+    <dgm:txPr/>
+    <dgm:style>
+      <a:lnRef idx="2">
+        <a:scrgbClr r="0" g="0" b="0"/>
+      </a:lnRef>
+      <a:fillRef idx="1">
+        <a:scrgbClr r="0" g="0" b="0"/>
+      </a:fillRef>
+      <a:effectRef idx="0">
+        <a:scrgbClr r="0" g="0" b="0"/>
+      </a:effectRef>
+      <a:fontRef idx="minor">
+        <a:schemeClr val="lt1"/>
+      </a:fontRef>
+    </dgm:style>
+  </dgm:styleLbl>
+  <dgm:styleLbl name="asst4">
+    <dgm:scene3d>
+      <a:camera prst="orthographicFront"/>
+      <a:lightRig rig="threePt" dir="t"/>
+    </dgm:scene3d>
+    <dgm:sp3d/>
+    <dgm:txPr/>
+    <dgm:style>
+      <a:lnRef idx="2">
+        <a:scrgbClr r="0" g="0" b="0"/>
+      </a:lnRef>
+      <a:fillRef idx="1">
+        <a:scrgbClr r="0" g="0" b="0"/>
+      </a:fillRef>
+      <a:effectRef idx="0">
+        <a:scrgbClr r="0" g="0" b="0"/>
+      </a:effectRef>
+      <a:fontRef idx="minor">
+        <a:schemeClr val="lt1"/>
+      </a:fontRef>
+    </dgm:style>
+  </dgm:styleLbl>
+  <dgm:styleLbl name="parChTrans2D1">
+    <dgm:scene3d>
+      <a:camera prst="orthographicFront"/>
+      <a:lightRig rig="threePt" dir="t"/>
+    </dgm:scene3d>
+    <dgm:sp3d/>
+    <dgm:txPr/>
+    <dgm:style>
+      <a:lnRef idx="2">
+        <a:scrgbClr r="0" g="0" b="0"/>
+      </a:lnRef>
+      <a:fillRef idx="1">
+        <a:scrgbClr r="0" g="0" b="0"/>
+      </a:fillRef>
+      <a:effectRef idx="0">
+        <a:scrgbClr r="0" g="0" b="0"/>
+      </a:effectRef>
+      <a:fontRef idx="minor">
+        <a:schemeClr val="lt1"/>
+      </a:fontRef>
+    </dgm:style>
+  </dgm:styleLbl>
+  <dgm:styleLbl name="parChTrans2D2">
+    <dgm:scene3d>
+      <a:camera prst="orthographicFront"/>
+      <a:lightRig rig="threePt" dir="t"/>
+    </dgm:scene3d>
+    <dgm:sp3d/>
+    <dgm:txPr/>
+    <dgm:style>
+      <a:lnRef idx="2">
+        <a:scrgbClr r="0" g="0" b="0"/>
+      </a:lnRef>
+      <a:fillRef idx="1">
+        <a:scrgbClr r="0" g="0" b="0"/>
+      </a:fillRef>
+      <a:effectRef idx="0">
+        <a:scrgbClr r="0" g="0" b="0"/>
+      </a:effectRef>
+      <a:fontRef idx="minor">
+        <a:schemeClr val="lt1"/>
+      </a:fontRef>
+    </dgm:style>
+  </dgm:styleLbl>
+  <dgm:styleLbl name="parChTrans2D3">
+    <dgm:scene3d>
+      <a:camera prst="orthographicFront"/>
+      <a:lightRig rig="threePt" dir="t"/>
+    </dgm:scene3d>
+    <dgm:sp3d/>
+    <dgm:txPr/>
+    <dgm:style>
+      <a:lnRef idx="2">
+        <a:scrgbClr r="0" g="0" b="0"/>
+      </a:lnRef>
+      <a:fillRef idx="1">
+        <a:scrgbClr r="0" g="0" b="0"/>
+      </a:fillRef>
+      <a:effectRef idx="0">
+        <a:scrgbClr r="0" g="0" b="0"/>
+      </a:effectRef>
+      <a:fontRef idx="minor">
+        <a:schemeClr val="lt1"/>
+      </a:fontRef>
+    </dgm:style>
+  </dgm:styleLbl>
+  <dgm:styleLbl name="parChTrans2D4">
+    <dgm:scene3d>
+      <a:camera prst="orthographicFront"/>
+      <a:lightRig rig="threePt" dir="t"/>
+    </dgm:scene3d>
+    <dgm:sp3d/>
+    <dgm:txPr/>
+    <dgm:style>
+      <a:lnRef idx="2">
+        <a:scrgbClr r="0" g="0" b="0"/>
+      </a:lnRef>
+      <a:fillRef idx="1">
+        <a:scrgbClr r="0" g="0" b="0"/>
+      </a:fillRef>
+      <a:effectRef idx="0">
+        <a:scrgbClr r="0" g="0" b="0"/>
+      </a:effectRef>
+      <a:fontRef idx="minor">
+        <a:schemeClr val="lt1"/>
+      </a:fontRef>
+    </dgm:style>
+  </dgm:styleLbl>
+  <dgm:styleLbl name="parChTrans1D1">
+    <dgm:scene3d>
+      <a:camera prst="orthographicFront"/>
+      <a:lightRig rig="threePt" dir="t"/>
+    </dgm:scene3d>
+    <dgm:sp3d/>
+    <dgm:txPr/>
+    <dgm:style>
+      <a:lnRef idx="2">
+        <a:scrgbClr r="0" g="0" b="0"/>
+      </a:lnRef>
+      <a:fillRef idx="0">
+        <a:scrgbClr r="0" g="0" b="0"/>
+      </a:fillRef>
+      <a:effectRef idx="0">
+        <a:scrgbClr r="0" g="0" b="0"/>
+      </a:effectRef>
+      <a:fontRef idx="minor"/>
+    </dgm:style>
+  </dgm:styleLbl>
+  <dgm:styleLbl name="parChTrans1D2">
+    <dgm:scene3d>
+      <a:camera prst="orthographicFront"/>
+      <a:lightRig rig="threePt" dir="t"/>
+    </dgm:scene3d>
+    <dgm:sp3d/>
+    <dgm:txPr/>
+    <dgm:style>
+      <a:lnRef idx="2">
+        <a:scrgbClr r="0" g="0" b="0"/>
+      </a:lnRef>
+      <a:fillRef idx="0">
+        <a:scrgbClr r="0" g="0" b="0"/>
+      </a:fillRef>
+      <a:effectRef idx="0">
+        <a:scrgbClr r="0" g="0" b="0"/>
+      </a:effectRef>
+      <a:fontRef idx="minor"/>
+    </dgm:style>
+  </dgm:styleLbl>
+  <dgm:styleLbl name="parChTrans1D3">
+    <dgm:scene3d>
+      <a:camera prst="orthographicFront"/>
+      <a:lightRig rig="threePt" dir="t"/>
+    </dgm:scene3d>
+    <dgm:sp3d/>
+    <dgm:txPr/>
+    <dgm:style>
+      <a:lnRef idx="2">
+        <a:scrgbClr r="0" g="0" b="0"/>
+      </a:lnRef>
+      <a:fillRef idx="0">
+        <a:scrgbClr r="0" g="0" b="0"/>
+      </a:fillRef>
+      <a:effectRef idx="0">
+        <a:scrgbClr r="0" g="0" b="0"/>
+      </a:effectRef>
+      <a:fontRef idx="minor"/>
+    </dgm:style>
+  </dgm:styleLbl>
+  <dgm:styleLbl name="parChTrans1D4">
+    <dgm:scene3d>
+      <a:camera prst="orthographicFront"/>
+      <a:lightRig rig="threePt" dir="t"/>
+    </dgm:scene3d>
+    <dgm:sp3d/>
+    <dgm:txPr/>
+    <dgm:style>
+      <a:lnRef idx="2">
+        <a:scrgbClr r="0" g="0" b="0"/>
+      </a:lnRef>
+      <a:fillRef idx="0">
+        <a:scrgbClr r="0" g="0" b="0"/>
+      </a:fillRef>
+      <a:effectRef idx="0">
+        <a:scrgbClr r="0" g="0" b="0"/>
+      </a:effectRef>
+      <a:fontRef idx="minor"/>
+    </dgm:style>
+  </dgm:styleLbl>
+  <dgm:styleLbl name="fgAcc1">
+    <dgm:scene3d>
+      <a:camera prst="orthographicFront"/>
+      <a:lightRig rig="threePt" dir="t"/>
+    </dgm:scene3d>
+    <dgm:sp3d/>
+    <dgm:txPr/>
+    <dgm:style>
+      <a:lnRef idx="2">
+        <a:scrgbClr r="0" g="0" b="0"/>
+      </a:lnRef>
+      <a:fillRef idx="1">
+        <a:scrgbClr r="0" g="0" b="0"/>
+      </a:fillRef>
+      <a:effectRef idx="0">
+        <a:scrgbClr r="0" g="0" b="0"/>
+      </a:effectRef>
+      <a:fontRef idx="minor"/>
+    </dgm:style>
+  </dgm:styleLbl>
+  <dgm:styleLbl name="conFgAcc1">
+    <dgm:scene3d>
+      <a:camera prst="orthographicFront"/>
+      <a:lightRig rig="threePt" dir="t"/>
+    </dgm:scene3d>
+    <dgm:sp3d/>
+    <dgm:txPr/>
+    <dgm:style>
+      <a:lnRef idx="2">
+        <a:scrgbClr r="0" g="0" b="0"/>
+      </a:lnRef>
+      <a:fillRef idx="1">
+        <a:scrgbClr r="0" g="0" b="0"/>
+      </a:fillRef>
+      <a:effectRef idx="0">
+        <a:scrgbClr r="0" g="0" b="0"/>
+      </a:effectRef>
+      <a:fontRef idx="minor"/>
+    </dgm:style>
+  </dgm:styleLbl>
+  <dgm:styleLbl name="alignAcc1">
+    <dgm:scene3d>
+      <a:camera prst="orthographicFront"/>
+      <a:lightRig rig="threePt" dir="t"/>
+    </dgm:scene3d>
+    <dgm:sp3d/>
+    <dgm:txPr/>
+    <dgm:style>
+      <a:lnRef idx="2">
+        <a:scrgbClr r="0" g="0" b="0"/>
+      </a:lnRef>
+      <a:fillRef idx="1">
+        <a:scrgbClr r="0" g="0" b="0"/>
+      </a:fillRef>
+      <a:effectRef idx="0">
+        <a:scrgbClr r="0" g="0" b="0"/>
+      </a:effectRef>
+      <a:fontRef idx="minor"/>
+    </dgm:style>
+  </dgm:styleLbl>
+  <dgm:styleLbl name="trAlignAcc1">
+    <dgm:scene3d>
+      <a:camera prst="orthographicFront"/>
+      <a:lightRig rig="threePt" dir="t"/>
+    </dgm:scene3d>
+    <dgm:sp3d/>
+    <dgm:txPr/>
+    <dgm:style>
+      <a:lnRef idx="1">
+        <a:scrgbClr r="0" g="0" b="0"/>
+      </a:lnRef>
+      <a:fillRef idx="1">
+        <a:scrgbClr r="0" g="0" b="0"/>
+      </a:fillRef>
+      <a:effectRef idx="0">
+        <a:scrgbClr r="0" g="0" b="0"/>
+      </a:effectRef>
+      <a:fontRef idx="minor"/>
+    </dgm:style>
+  </dgm:styleLbl>
+  <dgm:styleLbl name="bgAcc1">
+    <dgm:scene3d>
+      <a:camera prst="orthographicFront"/>
+      <a:lightRig rig="threePt" dir="t"/>
+    </dgm:scene3d>
+    <dgm:sp3d/>
+    <dgm:txPr/>
+    <dgm:style>
+      <a:lnRef idx="2">
+        <a:scrgbClr r="0" g="0" b="0"/>
+      </a:lnRef>
+      <a:fillRef idx="1">
+        <a:scrgbClr r="0" g="0" b="0"/>
+      </a:fillRef>
+      <a:effectRef idx="0">
+        <a:scrgbClr r="0" g="0" b="0"/>
+      </a:effectRef>
+      <a:fontRef idx="minor"/>
+    </dgm:style>
+  </dgm:styleLbl>
+  <dgm:styleLbl name="solidFgAcc1">
+    <dgm:scene3d>
+      <a:camera prst="orthographicFront"/>
+      <a:lightRig rig="threePt" dir="t"/>
+    </dgm:scene3d>
+    <dgm:sp3d/>
+    <dgm:txPr/>
+    <dgm:style>
+      <a:lnRef idx="2">
+        <a:scrgbClr r="0" g="0" b="0"/>
+      </a:lnRef>
+      <a:fillRef idx="1">
+        <a:scrgbClr r="0" g="0" b="0"/>
+      </a:fillRef>
+      <a:effectRef idx="0">
+        <a:scrgbClr r="0" g="0" b="0"/>
+      </a:effectRef>
+      <a:fontRef idx="minor"/>
+    </dgm:style>
+  </dgm:styleLbl>
+  <dgm:styleLbl name="solidAlignAcc1">
+    <dgm:scene3d>
+      <a:camera prst="orthographicFront"/>
+      <a:lightRig rig="threePt" dir="t"/>
+    </dgm:scene3d>
+    <dgm:sp3d/>
+    <dgm:txPr/>
+    <dgm:style>
+      <a:lnRef idx="2">
+        <a:scrgbClr r="0" g="0" b="0"/>
+      </a:lnRef>
+      <a:fillRef idx="1">
+        <a:scrgbClr r="0" g="0" b="0"/>
+      </a:fillRef>
+      <a:effectRef idx="0">
+        <a:scrgbClr r="0" g="0" b="0"/>
+      </a:effectRef>
+      <a:fontRef idx="minor"/>
+    </dgm:style>
+  </dgm:styleLbl>
+  <dgm:styleLbl name="solidBgAcc1">
+    <dgm:scene3d>
+      <a:camera prst="orthographicFront"/>
+      <a:lightRig rig="threePt" dir="t"/>
+    </dgm:scene3d>
+    <dgm:sp3d/>
+    <dgm:txPr/>
+    <dgm:style>
+      <a:lnRef idx="2">
+        <a:scrgbClr r="0" g="0" b="0"/>
+      </a:lnRef>
+      <a:fillRef idx="1">
+        <a:scrgbClr r="0" g="0" b="0"/>
+      </a:fillRef>
+      <a:effectRef idx="0">
+        <a:scrgbClr r="0" g="0" b="0"/>
+      </a:effectRef>
+      <a:fontRef idx="minor"/>
+    </dgm:style>
+  </dgm:styleLbl>
+  <dgm:styleLbl name="fgAccFollowNode1">
+    <dgm:scene3d>
+      <a:camera prst="orthographicFront"/>
+      <a:lightRig rig="threePt" dir="t"/>
+    </dgm:scene3d>
+    <dgm:sp3d/>
+    <dgm:txPr/>
+    <dgm:style>
+      <a:lnRef idx="2">
+        <a:scrgbClr r="0" g="0" b="0"/>
+      </a:lnRef>
+      <a:fillRef idx="1">
+        <a:scrgbClr r="0" g="0" b="0"/>
+      </a:fillRef>
+      <a:effectRef idx="0">
+        <a:scrgbClr r="0" g="0" b="0"/>
+      </a:effectRef>
+      <a:fontRef idx="minor"/>
+    </dgm:style>
+  </dgm:styleLbl>
+  <dgm:styleLbl name="alignAccFollowNode1">
+    <dgm:scene3d>
+      <a:camera prst="orthographicFront"/>
+      <a:lightRig rig="threePt" dir="t"/>
+    </dgm:scene3d>
+    <dgm:sp3d/>
+    <dgm:txPr/>
+    <dgm:style>
+      <a:lnRef idx="2">
+        <a:scrgbClr r="0" g="0" b="0"/>
+      </a:lnRef>
+      <a:fillRef idx="1">
+        <a:scrgbClr r="0" g="0" b="0"/>
+      </a:fillRef>
+      <a:effectRef idx="0">
+        <a:scrgbClr r="0" g="0" b="0"/>
+      </a:effectRef>
+      <a:fontRef idx="minor"/>
+    </dgm:style>
+  </dgm:styleLbl>
+  <dgm:styleLbl name="bgAccFollowNode1">
+    <dgm:scene3d>
+      <a:camera prst="orthographicFront"/>
+      <a:lightRig rig="threePt" dir="t"/>
+    </dgm:scene3d>
+    <dgm:sp3d/>
+    <dgm:txPr/>
+    <dgm:style>
+      <a:lnRef idx="2">
+        <a:scrgbClr r="0" g="0" b="0"/>
+      </a:lnRef>
+      <a:fillRef idx="1">
+        <a:scrgbClr r="0" g="0" b="0"/>
+      </a:fillRef>
+      <a:effectRef idx="0">
+        <a:scrgbClr r="0" g="0" b="0"/>
+      </a:effectRef>
+      <a:fontRef idx="minor"/>
+    </dgm:style>
+  </dgm:styleLbl>
+  <dgm:styleLbl name="fgAcc0">
+    <dgm:scene3d>
+      <a:camera prst="orthographicFront"/>
+      <a:lightRig rig="threePt" dir="t"/>
+    </dgm:scene3d>
+    <dgm:sp3d/>
+    <dgm:txPr/>
+    <dgm:style>
+      <a:lnRef idx="2">
+        <a:scrgbClr r="0" g="0" b="0"/>
+      </a:lnRef>
+      <a:fillRef idx="1">
+        <a:scrgbClr r="0" g="0" b="0"/>
+      </a:fillRef>
+      <a:effectRef idx="0">
+        <a:scrgbClr r="0" g="0" b="0"/>
+      </a:effectRef>
+      <a:fontRef idx="minor"/>
+    </dgm:style>
+  </dgm:styleLbl>
+  <dgm:styleLbl name="fgAcc2">
+    <dgm:scene3d>
+      <a:camera prst="orthographicFront"/>
+      <a:lightRig rig="threePt" dir="t"/>
+    </dgm:scene3d>
+    <dgm:sp3d/>
+    <dgm:txPr/>
+    <dgm:style>
+      <a:lnRef idx="2">
+        <a:scrgbClr r="0" g="0" b="0"/>
+      </a:lnRef>
+      <a:fillRef idx="1">
+        <a:scrgbClr r="0" g="0" b="0"/>
+      </a:fillRef>
+      <a:effectRef idx="0">
+        <a:scrgbClr r="0" g="0" b="0"/>
+      </a:effectRef>
+      <a:fontRef idx="minor"/>
+    </dgm:style>
+  </dgm:styleLbl>
+  <dgm:styleLbl name="fgAcc3">
+    <dgm:scene3d>
+      <a:camera prst="orthographicFront"/>
+      <a:lightRig rig="threePt" dir="t"/>
+    </dgm:scene3d>
+    <dgm:sp3d/>
+    <dgm:txPr/>
+    <dgm:style>
+      <a:lnRef idx="2">
+        <a:scrgbClr r="0" g="0" b="0"/>
+      </a:lnRef>
+      <a:fillRef idx="1">
+        <a:scrgbClr r="0" g="0" b="0"/>
+      </a:fillRef>
+      <a:effectRef idx="0">
+        <a:scrgbClr r="0" g="0" b="0"/>
+      </a:effectRef>
+      <a:fontRef idx="minor"/>
+    </dgm:style>
+  </dgm:styleLbl>
+  <dgm:styleLbl name="fgAcc4">
+    <dgm:scene3d>
+      <a:camera prst="orthographicFront"/>
+      <a:lightRig rig="threePt" dir="t"/>
+    </dgm:scene3d>
+    <dgm:sp3d/>
+    <dgm:txPr/>
+    <dgm:style>
+      <a:lnRef idx="2">
+        <a:scrgbClr r="0" g="0" b="0"/>
+      </a:lnRef>
+      <a:fillRef idx="1">
+        <a:scrgbClr r="0" g="0" b="0"/>
+      </a:fillRef>
+      <a:effectRef idx="0">
+        <a:scrgbClr r="0" g="0" b="0"/>
+      </a:effectRef>
+      <a:fontRef idx="minor"/>
+    </dgm:style>
+  </dgm:styleLbl>
+  <dgm:styleLbl name="bgShp">
+    <dgm:scene3d>
+      <a:camera prst="orthographicFront"/>
+      <a:lightRig rig="threePt" dir="t"/>
+    </dgm:scene3d>
+    <dgm:sp3d/>
+    <dgm:txPr/>
+    <dgm:style>
+      <a:lnRef idx="0">
+        <a:scrgbClr r="0" g="0" b="0"/>
+      </a:lnRef>
+      <a:fillRef idx="1">
+        <a:scrgbClr r="0" g="0" b="0"/>
+      </a:fillRef>
+      <a:effectRef idx="0">
+        <a:scrgbClr r="0" g="0" b="0"/>
+      </a:effectRef>
+      <a:fontRef idx="minor"/>
+    </dgm:style>
+  </dgm:styleLbl>
+  <dgm:styleLbl name="dkBgShp">
+    <dgm:scene3d>
+      <a:camera prst="orthographicFront"/>
+      <a:lightRig rig="threePt" dir="t"/>
+    </dgm:scene3d>
+    <dgm:sp3d/>
+    <dgm:txPr/>
+    <dgm:style>
+      <a:lnRef idx="0">
+        <a:scrgbClr r="0" g="0" b="0"/>
+      </a:lnRef>
+      <a:fillRef idx="1">
+        <a:scrgbClr r="0" g="0" b="0"/>
+      </a:fillRef>
+      <a:effectRef idx="0">
+        <a:scrgbClr r="0" g="0" b="0"/>
+      </a:effectRef>
+      <a:fontRef idx="minor"/>
+    </dgm:style>
+  </dgm:styleLbl>
+  <dgm:styleLbl name="trBgShp">
+    <dgm:scene3d>
+      <a:camera prst="orthographicFront"/>
+      <a:lightRig rig="threePt" dir="t"/>
+    </dgm:scene3d>
+    <dgm:sp3d/>
+    <dgm:txPr/>
+    <dgm:style>
+      <a:lnRef idx="0">
+        <a:scrgbClr r="0" g="0" b="0"/>
+      </a:lnRef>
+      <a:fillRef idx="1">
+        <a:scrgbClr r="0" g="0" b="0"/>
+      </a:fillRef>
+      <a:effectRef idx="0">
+        <a:scrgbClr r="0" g="0" b="0"/>
+      </a:effectRef>
+      <a:fontRef idx="minor"/>
+    </dgm:style>
+  </dgm:styleLbl>
+  <dgm:styleLbl name="fgShp">
+    <dgm:scene3d>
+      <a:camera prst="orthographicFront"/>
+      <a:lightRig rig="threePt" dir="t"/>
+    </dgm:scene3d>
+    <dgm:sp3d/>
+    <dgm:txPr/>
+    <dgm:style>
+      <a:lnRef idx="2">
+        <a:scrgbClr r="0" g="0" b="0"/>
+      </a:lnRef>
+      <a:fillRef idx="1">
+        <a:scrgbClr r="0" g="0" b="0"/>
+      </a:fillRef>
+      <a:effectRef idx="0">
+        <a:scrgbClr r="0" g="0" b="0"/>
+      </a:effectRef>
+      <a:fontRef idx="minor"/>
+    </dgm:style>
+  </dgm:styleLbl>
+  <dgm:styleLbl name="revTx">
+    <dgm:scene3d>
+      <a:camera prst="orthographicFront"/>
+      <a:lightRig rig="threePt" dir="t"/>
+    </dgm:scene3d>
+    <dgm:sp3d/>
+    <dgm:txPr/>
+    <dgm:style>
+      <a:lnRef idx="0">
+        <a:scrgbClr r="0" g="0" b="0"/>
+      </a:lnRef>
+      <a:fillRef idx="0">
+        <a:scrgbClr r="0" g="0" b="0"/>
+      </a:fillRef>
+      <a:effectRef idx="0">
+        <a:scrgbClr r="0" g="0" b="0"/>
+      </a:effectRef>
+      <a:fontRef idx="minor"/>
+    </dgm:style>
+  </dgm:styleLbl>
+</dgm:styleDef>
+</file>
+
+<file path=ppt/drawings/drawing1.xml><?xml version="1.0" encoding="utf-8"?>
+<c:userShapes xmlns:c="http://schemas.openxmlformats.org/drawingml/2006/chart">
+  <cdr:relSizeAnchor xmlns:cdr="http://schemas.openxmlformats.org/drawingml/2006/chartDrawing">
+    <cdr:from>
+      <cdr:x>0.74266</cdr:x>
+      <cdr:y>0.6421</cdr:y>
+    </cdr:from>
+    <cdr:to>
+      <cdr:x>0.97263</cdr:x>
+      <cdr:y>0.8344</cdr:y>
+    </cdr:to>
+    <cdr:sp macro="" textlink="">
+      <cdr:nvSpPr>
+        <cdr:cNvPr id="2" name="TextBox 1">
+          <a:extLst xmlns:a="http://schemas.openxmlformats.org/drawingml/2006/main">
+            <a:ext uri="{FF2B5EF4-FFF2-40B4-BE49-F238E27FC236}">
+              <a16:creationId xmlns:a16="http://schemas.microsoft.com/office/drawing/2014/main" id="{3A3966C2-0B2C-41CC-8AB1-D6D689C61E53}"/>
+            </a:ext>
+          </a:extLst>
+        </cdr:cNvPr>
+        <cdr:cNvSpPr txBox="1"/>
+      </cdr:nvSpPr>
+      <cdr:spPr>
+        <a:xfrm xmlns:a="http://schemas.openxmlformats.org/drawingml/2006/main">
+          <a:off x="3499809" y="1715899"/>
+          <a:ext cx="1083744" cy="513885"/>
+        </a:xfrm>
+        <a:prstGeom xmlns:a="http://schemas.openxmlformats.org/drawingml/2006/main" prst="rect">
+          <a:avLst/>
+        </a:prstGeom>
+      </cdr:spPr>
+      <cdr:txBody>
+        <a:bodyPr xmlns:a="http://schemas.openxmlformats.org/drawingml/2006/main" vertOverflow="clip" wrap="square" rtlCol="0"/>
+        <a:lstStyle xmlns:a="http://schemas.openxmlformats.org/drawingml/2006/main"/>
+        <a:p xmlns:a="http://schemas.openxmlformats.org/drawingml/2006/main">
+          <a:pPr algn="ctr"/>
+          <a:r>
+            <a:rPr lang="en-US" sz="1100" dirty="0"/>
+            <a:t>Correlation = </a:t>
+          </a:r>
+        </a:p>
+        <a:p xmlns:a="http://schemas.openxmlformats.org/drawingml/2006/main">
+          <a:pPr algn="ctr"/>
+          <a:r>
+            <a:rPr lang="en-US" sz="1100" dirty="0"/>
+            <a:t>-0.198</a:t>
+          </a:r>
+        </a:p>
+      </cdr:txBody>
+    </cdr:sp>
+  </cdr:relSizeAnchor>
+</c:userShapes>
+</file>
+
 <file path=ppt/handoutMasters/handoutMaster1.xml><?xml version="1.0" encoding="utf-8"?>
 <p:handoutMaster xmlns:a="http://schemas.openxmlformats.org/drawingml/2006/main" xmlns:r="http://schemas.openxmlformats.org/officeDocument/2006/relationships" xmlns:p="http://schemas.openxmlformats.org/presentationml/2006/main">
   <p:cSld>
@@ -248,7 +5134,7 @@
           <a:p>
             <a:fld id="{872BFC85-49E4-447A-A7E3-16153CB2FE2A}" type="datetimeFigureOut">
               <a:rPr lang="en-US" smtClean="0"/>
-              <a:t>4/26/2021</a:t>
+              <a:t>4/28/2021</a:t>
             </a:fld>
             <a:endParaRPr lang="en-US" dirty="0"/>
           </a:p>
@@ -425,7 +5311,7 @@
           <a:p>
             <a:fld id="{1071B50E-4C60-4F9E-B773-52059170945B}" type="datetimeFigureOut">
               <a:rPr lang="en-US" noProof="0" smtClean="0"/>
-              <a:t>4/26/2021</a:t>
+              <a:t>4/28/2021</a:t>
             </a:fld>
             <a:endParaRPr lang="en-US" noProof="0" dirty="0"/>
           </a:p>
@@ -13343,7 +18229,7 @@
         </p:nvSpPr>
         <p:spPr>
           <a:xfrm>
-            <a:off x="518678" y="2005762"/>
+            <a:off x="518678" y="1566025"/>
             <a:ext cx="8963650" cy="4643210"/>
           </a:xfrm>
         </p:spPr>
@@ -13359,15 +18245,15 @@
               <a:buChar char="•"/>
             </a:pPr>
             <a:r>
-              <a:rPr lang="en-US" dirty="0"/>
+              <a:rPr lang="en-US" sz="2000" dirty="0"/>
               <a:t>Apply Spark </a:t>
             </a:r>
             <a:r>
-              <a:rPr lang="en-US" dirty="0" err="1"/>
+              <a:rPr lang="en-US" sz="2000" dirty="0" err="1"/>
               <a:t>Dataframe</a:t>
             </a:r>
             <a:r>
-              <a:rPr lang="en-US" dirty="0"/>
+              <a:rPr lang="en-US" sz="2000" dirty="0"/>
               <a:t> to manipulate and discover data</a:t>
             </a:r>
           </a:p>
@@ -13380,7 +18266,7 @@
               <a:buChar char="•"/>
             </a:pPr>
             <a:r>
-              <a:rPr lang="en-US" dirty="0"/>
+              <a:rPr lang="en-US" sz="2000" dirty="0"/>
               <a:t>Preprocess Data</a:t>
             </a:r>
           </a:p>
@@ -13393,7 +18279,7 @@
               <a:buAutoNum type="arabicPeriod"/>
             </a:pPr>
             <a:r>
-              <a:rPr lang="en-US" sz="1800" dirty="0">
+              <a:rPr lang="en-US" sz="1600" dirty="0">
                 <a:solidFill>
                   <a:schemeClr val="tx1"/>
                 </a:solidFill>
@@ -13410,7 +18296,7 @@
               <a:buAutoNum type="arabicPeriod"/>
             </a:pPr>
             <a:r>
-              <a:rPr lang="en-US" sz="1800" dirty="0">
+              <a:rPr lang="en-US" sz="1600" dirty="0">
                 <a:solidFill>
                   <a:schemeClr val="tx1"/>
                 </a:solidFill>
@@ -13427,7 +18313,7 @@
               <a:buAutoNum type="arabicPeriod"/>
             </a:pPr>
             <a:r>
-              <a:rPr lang="en-US" sz="1800" dirty="0">
+              <a:rPr lang="en-US" sz="1600" dirty="0">
                 <a:solidFill>
                   <a:schemeClr val="tx1"/>
                 </a:solidFill>
@@ -13444,7 +18330,7 @@
               <a:buAutoNum type="arabicPeriod"/>
             </a:pPr>
             <a:r>
-              <a:rPr lang="en-US" sz="1800" dirty="0">
+              <a:rPr lang="en-US" sz="1600" dirty="0">
                 <a:solidFill>
                   <a:schemeClr val="tx1"/>
                 </a:solidFill>
@@ -13452,7 +18338,7 @@
               <a:t>Eliminate unnecessary words such as </a:t>
             </a:r>
             <a:r>
-              <a:rPr lang="en-US" sz="1800" dirty="0" err="1">
+              <a:rPr lang="en-US" sz="1600" dirty="0" err="1">
                 <a:solidFill>
                   <a:schemeClr val="tx1"/>
                 </a:solidFill>
@@ -13460,7 +18346,7 @@
               <a:t>I,are,is,the</a:t>
             </a:r>
             <a:r>
-              <a:rPr lang="en-US" sz="1800" dirty="0">
+              <a:rPr lang="en-US" sz="1600" dirty="0">
                 <a:solidFill>
                   <a:schemeClr val="tx1"/>
                 </a:solidFill>
@@ -13477,14 +18363,14 @@
               <a:buAutoNum type="arabicPeriod"/>
             </a:pPr>
             <a:r>
-              <a:rPr lang="en-US" sz="1800" dirty="0">
+              <a:rPr lang="en-US" sz="1600" dirty="0">
                 <a:solidFill>
                   <a:schemeClr val="tx1"/>
                 </a:solidFill>
               </a:rPr>
               <a:t>Stem text data</a:t>
             </a:r>
-            <a:endParaRPr lang="en-US" dirty="0"/>
+            <a:endParaRPr lang="en-US" sz="2000" dirty="0"/>
           </a:p>
           <a:p>
             <a:pPr marL="342900" indent="-342900">
@@ -13495,7 +18381,7 @@
               <a:buChar char="•"/>
             </a:pPr>
             <a:r>
-              <a:rPr lang="en-US" dirty="0"/>
+              <a:rPr lang="en-US" sz="2000" dirty="0"/>
               <a:t>Preprocess Data</a:t>
             </a:r>
           </a:p>
@@ -13508,7 +18394,7 @@
               <a:buChar char="•"/>
             </a:pPr>
             <a:r>
-              <a:rPr lang="en-US" sz="2000" dirty="0" err="1">
+              <a:rPr lang="en-US" sz="1800" dirty="0" err="1">
                 <a:solidFill>
                   <a:schemeClr val="tx1"/>
                 </a:solidFill>
@@ -13516,7 +18402,7 @@
               <a:t>HashingTF</a:t>
             </a:r>
             <a:r>
-              <a:rPr lang="en-US" sz="2000" dirty="0">
+              <a:rPr lang="en-US" sz="1800" dirty="0">
                 <a:solidFill>
                   <a:schemeClr val="tx1"/>
                 </a:solidFill>
@@ -13533,7 +18419,7 @@
               <a:buChar char="•"/>
             </a:pPr>
             <a:r>
-              <a:rPr lang="en-US" sz="1800" dirty="0">
+              <a:rPr lang="en-US" sz="1600" dirty="0">
                 <a:solidFill>
                   <a:schemeClr val="tx1"/>
                 </a:solidFill>
@@ -13550,14 +18436,14 @@
               <a:buChar char="•"/>
             </a:pPr>
             <a:r>
-              <a:rPr lang="en-US" sz="2000" dirty="0">
+              <a:rPr lang="en-US" sz="1800" dirty="0">
                 <a:solidFill>
                   <a:schemeClr val="tx1"/>
                 </a:solidFill>
               </a:rPr>
               <a:t>Inverse Document Frequency (IDF)</a:t>
             </a:r>
-            <a:endParaRPr lang="en-US" dirty="0">
+            <a:endParaRPr lang="en-US" sz="2000" dirty="0">
               <a:solidFill>
                 <a:schemeClr val="tx1"/>
               </a:solidFill>
@@ -13572,7 +18458,7 @@
               <a:buChar char="•"/>
             </a:pPr>
             <a:r>
-              <a:rPr lang="en-US" sz="1800" dirty="0">
+              <a:rPr lang="en-US" sz="1600" dirty="0">
                 <a:solidFill>
                   <a:schemeClr val="tx1"/>
                 </a:solidFill>
@@ -13620,6 +18506,34 @@
           </a:p>
         </p:txBody>
       </p:sp>
+      <p:graphicFrame>
+        <p:nvGraphicFramePr>
+          <p:cNvPr id="2" name="Diagram 1">
+            <a:extLst>
+              <a:ext uri="{FF2B5EF4-FFF2-40B4-BE49-F238E27FC236}">
+                <a16:creationId xmlns:a16="http://schemas.microsoft.com/office/drawing/2014/main" id="{521027D9-D884-4AC3-BD47-04CBD5C2C17B}"/>
+              </a:ext>
+            </a:extLst>
+          </p:cNvPr>
+          <p:cNvGraphicFramePr/>
+          <p:nvPr>
+            <p:extLst>
+              <p:ext uri="{D42A27DB-BD31-4B8C-83A1-F6EECF244321}">
+                <p14:modId xmlns:p14="http://schemas.microsoft.com/office/powerpoint/2010/main" val="2697906378"/>
+              </p:ext>
+            </p:extLst>
+          </p:nvPr>
+        </p:nvGraphicFramePr>
+        <p:xfrm>
+          <a:off x="403596" y="4268160"/>
+          <a:ext cx="7689153" cy="3507100"/>
+        </p:xfrm>
+        <a:graphic>
+          <a:graphicData uri="http://schemas.openxmlformats.org/drawingml/2006/diagram">
+            <dgm:relIds xmlns:dgm="http://schemas.openxmlformats.org/drawingml/2006/diagram" xmlns:r="http://schemas.openxmlformats.org/officeDocument/2006/relationships" r:dm="rId3" r:lo="rId4" r:qs="rId5" r:cs="rId6"/>
+          </a:graphicData>
+        </a:graphic>
+      </p:graphicFrame>
     </p:spTree>
     <p:extLst>
       <p:ext uri="{BB962C8B-B14F-4D97-AF65-F5344CB8AC3E}">
@@ -14174,7 +19088,7 @@
           <p:nvPr>
             <p:extLst>
               <p:ext uri="{D42A27DB-BD31-4B8C-83A1-F6EECF244321}">
-                <p14:modId xmlns:p14="http://schemas.microsoft.com/office/powerpoint/2010/main" val="1346065199"/>
+                <p14:modId xmlns:p14="http://schemas.microsoft.com/office/powerpoint/2010/main" val="3838493532"/>
               </p:ext>
             </p:extLst>
           </p:nvPr>
@@ -14211,7 +19125,7 @@
                             <a:srgbClr val="002774"/>
                           </a:solidFill>
                         </a:rPr>
-                        <a:t>94%</a:t>
+                        <a:t>91%</a:t>
                       </a:r>
                     </a:p>
                   </a:txBody>
@@ -14304,6 +19218,1229 @@
           <a:chExt cx="0" cy="0"/>
         </a:xfrm>
       </p:grpSpPr>
+      <p:pic>
+        <p:nvPicPr>
+          <p:cNvPr id="19" name="Picture 18">
+            <a:extLst>
+              <a:ext uri="{FF2B5EF4-FFF2-40B4-BE49-F238E27FC236}">
+                <a16:creationId xmlns:a16="http://schemas.microsoft.com/office/drawing/2014/main" id="{00003EE4-F904-4702-BC19-9472EF67F0B4}"/>
+              </a:ext>
+            </a:extLst>
+          </p:cNvPr>
+          <p:cNvPicPr>
+            <a:picLocks noChangeAspect="1"/>
+          </p:cNvPicPr>
+          <p:nvPr/>
+        </p:nvPicPr>
+        <p:blipFill>
+          <a:blip r:embed="rId2"/>
+          <a:stretch>
+            <a:fillRect/>
+          </a:stretch>
+        </p:blipFill>
+        <p:spPr>
+          <a:xfrm>
+            <a:off x="6452702" y="2893502"/>
+            <a:ext cx="1242503" cy="1242503"/>
+          </a:xfrm>
+          <a:prstGeom prst="rect">
+            <a:avLst/>
+          </a:prstGeom>
+        </p:spPr>
+      </p:pic>
+      <p:pic>
+        <p:nvPicPr>
+          <p:cNvPr id="14" name="Picture 13">
+            <a:extLst>
+              <a:ext uri="{FF2B5EF4-FFF2-40B4-BE49-F238E27FC236}">
+                <a16:creationId xmlns:a16="http://schemas.microsoft.com/office/drawing/2014/main" id="{910F53BC-0C84-4D0A-B62D-23E39D94B550}"/>
+              </a:ext>
+            </a:extLst>
+          </p:cNvPr>
+          <p:cNvPicPr>
+            <a:picLocks noChangeAspect="1"/>
+          </p:cNvPicPr>
+          <p:nvPr/>
+        </p:nvPicPr>
+        <p:blipFill>
+          <a:blip r:embed="rId2"/>
+          <a:stretch>
+            <a:fillRect/>
+          </a:stretch>
+        </p:blipFill>
+        <p:spPr>
+          <a:xfrm>
+            <a:off x="4013334" y="2832553"/>
+            <a:ext cx="1242503" cy="1242503"/>
+          </a:xfrm>
+          <a:prstGeom prst="rect">
+            <a:avLst/>
+          </a:prstGeom>
+        </p:spPr>
+      </p:pic>
+      <p:sp>
+        <p:nvSpPr>
+          <p:cNvPr id="18" name="Title 13">
+            <a:extLst>
+              <a:ext uri="{FF2B5EF4-FFF2-40B4-BE49-F238E27FC236}">
+                <a16:creationId xmlns:a16="http://schemas.microsoft.com/office/drawing/2014/main" id="{92896B42-4638-40D0-8887-7AB8D1D86B3D}"/>
+              </a:ext>
+            </a:extLst>
+          </p:cNvPr>
+          <p:cNvSpPr>
+            <a:spLocks noGrp="1"/>
+          </p:cNvSpPr>
+          <p:nvPr>
+            <p:ph type="title"/>
+          </p:nvPr>
+        </p:nvSpPr>
+        <p:spPr/>
+        <p:txBody>
+          <a:bodyPr/>
+          <a:lstStyle/>
+          <a:p>
+            <a:r>
+              <a:rPr lang="en-US" dirty="0"/>
+              <a:t>Alternate </a:t>
+            </a:r>
+            <a:r>
+              <a:rPr lang="en-US" b="0" dirty="0"/>
+              <a:t>Models</a:t>
+            </a:r>
+          </a:p>
+        </p:txBody>
+      </p:sp>
+      <p:sp>
+        <p:nvSpPr>
+          <p:cNvPr id="4" name="Slide Number Placeholder 3">
+            <a:extLst>
+              <a:ext uri="{FF2B5EF4-FFF2-40B4-BE49-F238E27FC236}">
+                <a16:creationId xmlns:a16="http://schemas.microsoft.com/office/drawing/2014/main" id="{B2228214-87DB-4B3A-BD81-9A709A69BAAC}"/>
+              </a:ext>
+            </a:extLst>
+          </p:cNvPr>
+          <p:cNvSpPr>
+            <a:spLocks noGrp="1"/>
+          </p:cNvSpPr>
+          <p:nvPr>
+            <p:ph type="sldNum" sz="quarter" idx="18"/>
+          </p:nvPr>
+        </p:nvSpPr>
+        <p:spPr/>
+        <p:txBody>
+          <a:bodyPr/>
+          <a:lstStyle/>
+          <a:p>
+            <a:fld id="{8699F50C-BE38-4BD0-BA84-9B090E1F2B9B}" type="slidenum">
+              <a:rPr lang="en-US" smtClean="0"/>
+              <a:pPr/>
+              <a:t>13</a:t>
+            </a:fld>
+            <a:endParaRPr lang="en-US" dirty="0"/>
+          </a:p>
+        </p:txBody>
+      </p:sp>
+      <p:sp>
+        <p:nvSpPr>
+          <p:cNvPr id="2" name="Rectangle 1">
+            <a:extLst>
+              <a:ext uri="{FF2B5EF4-FFF2-40B4-BE49-F238E27FC236}">
+                <a16:creationId xmlns:a16="http://schemas.microsoft.com/office/drawing/2014/main" id="{768CBC2D-BDB8-436A-B6A4-C1F260FABB84}"/>
+              </a:ext>
+            </a:extLst>
+          </p:cNvPr>
+          <p:cNvSpPr/>
+          <p:nvPr/>
+        </p:nvSpPr>
+        <p:spPr>
+          <a:xfrm>
+            <a:off x="11146971" y="209028"/>
+            <a:ext cx="740227" cy="546752"/>
+          </a:xfrm>
+          <a:prstGeom prst="rect">
+            <a:avLst/>
+          </a:prstGeom>
+          <a:solidFill>
+            <a:schemeClr val="bg1"/>
+          </a:solidFill>
+          <a:ln>
+            <a:noFill/>
+          </a:ln>
+        </p:spPr>
+        <p:style>
+          <a:lnRef idx="2">
+            <a:schemeClr val="accent1">
+              <a:shade val="50000"/>
+            </a:schemeClr>
+          </a:lnRef>
+          <a:fillRef idx="1">
+            <a:schemeClr val="accent1"/>
+          </a:fillRef>
+          <a:effectRef idx="0">
+            <a:schemeClr val="accent1"/>
+          </a:effectRef>
+          <a:fontRef idx="minor">
+            <a:schemeClr val="lt1"/>
+          </a:fontRef>
+        </p:style>
+        <p:txBody>
+          <a:bodyPr rtlCol="0" anchor="ctr"/>
+          <a:lstStyle/>
+          <a:p>
+            <a:pPr algn="ctr"/>
+            <a:endParaRPr lang="en-US"/>
+          </a:p>
+        </p:txBody>
+      </p:sp>
+      <p:graphicFrame>
+        <p:nvGraphicFramePr>
+          <p:cNvPr id="3" name="Table 4">
+            <a:extLst>
+              <a:ext uri="{FF2B5EF4-FFF2-40B4-BE49-F238E27FC236}">
+                <a16:creationId xmlns:a16="http://schemas.microsoft.com/office/drawing/2014/main" id="{36C8E468-06DC-47D9-B654-E3694A4B3EC3}"/>
+              </a:ext>
+            </a:extLst>
+          </p:cNvPr>
+          <p:cNvGraphicFramePr>
+            <a:graphicFrameLocks noGrp="1"/>
+          </p:cNvGraphicFramePr>
+          <p:nvPr>
+            <p:extLst>
+              <p:ext uri="{D42A27DB-BD31-4B8C-83A1-F6EECF244321}">
+                <p14:modId xmlns:p14="http://schemas.microsoft.com/office/powerpoint/2010/main" val="783794914"/>
+              </p:ext>
+            </p:extLst>
+          </p:nvPr>
+        </p:nvGraphicFramePr>
+        <p:xfrm>
+          <a:off x="1203960" y="3933231"/>
+          <a:ext cx="9784080" cy="1483360"/>
+        </p:xfrm>
+        <a:graphic>
+          <a:graphicData uri="http://schemas.openxmlformats.org/drawingml/2006/table">
+            <a:tbl>
+              <a:tblPr firstRow="1" bandRow="1">
+                <a:tableStyleId>{5C22544A-7EE6-4342-B048-85BDC9FD1C3A}</a:tableStyleId>
+              </a:tblPr>
+              <a:tblGrid>
+                <a:gridCol w="2446020">
+                  <a:extLst>
+                    <a:ext uri="{9D8B030D-6E8A-4147-A177-3AD203B41FA5}">
+                      <a16:colId xmlns:a16="http://schemas.microsoft.com/office/drawing/2014/main" val="3080379579"/>
+                    </a:ext>
+                  </a:extLst>
+                </a:gridCol>
+                <a:gridCol w="2446020">
+                  <a:extLst>
+                    <a:ext uri="{9D8B030D-6E8A-4147-A177-3AD203B41FA5}">
+                      <a16:colId xmlns:a16="http://schemas.microsoft.com/office/drawing/2014/main" val="3737175875"/>
+                    </a:ext>
+                  </a:extLst>
+                </a:gridCol>
+                <a:gridCol w="2446020">
+                  <a:extLst>
+                    <a:ext uri="{9D8B030D-6E8A-4147-A177-3AD203B41FA5}">
+                      <a16:colId xmlns:a16="http://schemas.microsoft.com/office/drawing/2014/main" val="2073185239"/>
+                    </a:ext>
+                  </a:extLst>
+                </a:gridCol>
+                <a:gridCol w="2446020">
+                  <a:extLst>
+                    <a:ext uri="{9D8B030D-6E8A-4147-A177-3AD203B41FA5}">
+                      <a16:colId xmlns:a16="http://schemas.microsoft.com/office/drawing/2014/main" val="733116217"/>
+                    </a:ext>
+                  </a:extLst>
+                </a:gridCol>
+              </a:tblGrid>
+              <a:tr h="370840">
+                <a:tc>
+                  <a:txBody>
+                    <a:bodyPr/>
+                    <a:lstStyle/>
+                    <a:p>
+                      <a:r>
+                        <a:rPr lang="en-US" dirty="0"/>
+                        <a:t>Model 1</a:t>
+                      </a:r>
+                    </a:p>
+                  </a:txBody>
+                  <a:tcPr/>
+                </a:tc>
+                <a:tc>
+                  <a:txBody>
+                    <a:bodyPr/>
+                    <a:lstStyle/>
+                    <a:p>
+                      <a:r>
+                        <a:rPr lang="en-US" dirty="0"/>
+                        <a:t>Model 2</a:t>
+                      </a:r>
+                    </a:p>
+                  </a:txBody>
+                  <a:tcPr/>
+                </a:tc>
+                <a:tc>
+                  <a:txBody>
+                    <a:bodyPr/>
+                    <a:lstStyle/>
+                    <a:p>
+                      <a:r>
+                        <a:rPr lang="en-US" dirty="0"/>
+                        <a:t>Model 3</a:t>
+                      </a:r>
+                    </a:p>
+                  </a:txBody>
+                  <a:tcPr/>
+                </a:tc>
+                <a:tc>
+                  <a:txBody>
+                    <a:bodyPr/>
+                    <a:lstStyle/>
+                    <a:p>
+                      <a:r>
+                        <a:rPr lang="en-US" dirty="0"/>
+                        <a:t>Model 4</a:t>
+                      </a:r>
+                    </a:p>
+                  </a:txBody>
+                  <a:tcPr/>
+                </a:tc>
+                <a:extLst>
+                  <a:ext uri="{0D108BD9-81ED-4DB2-BD59-A6C34878D82A}">
+                    <a16:rowId xmlns:a16="http://schemas.microsoft.com/office/drawing/2014/main" val="3903018634"/>
+                  </a:ext>
+                </a:extLst>
+              </a:tr>
+              <a:tr h="370840">
+                <a:tc>
+                  <a:txBody>
+                    <a:bodyPr/>
+                    <a:lstStyle/>
+                    <a:p>
+                      <a:r>
+                        <a:rPr lang="en-US" dirty="0"/>
+                        <a:t>Brand Name Index</a:t>
+                      </a:r>
+                    </a:p>
+                  </a:txBody>
+                  <a:tcPr/>
+                </a:tc>
+                <a:tc>
+                  <a:txBody>
+                    <a:bodyPr/>
+                    <a:lstStyle/>
+                    <a:p>
+                      <a:r>
+                        <a:rPr lang="en-US" dirty="0"/>
+                        <a:t>Polarity Index</a:t>
+                      </a:r>
+                    </a:p>
+                  </a:txBody>
+                  <a:tcPr/>
+                </a:tc>
+                <a:tc>
+                  <a:txBody>
+                    <a:bodyPr/>
+                    <a:lstStyle/>
+                    <a:p>
+                      <a:r>
+                        <a:rPr lang="en-US" dirty="0"/>
+                        <a:t>Polarity Index</a:t>
+                      </a:r>
+                    </a:p>
+                  </a:txBody>
+                  <a:tcPr/>
+                </a:tc>
+                <a:tc>
+                  <a:txBody>
+                    <a:bodyPr/>
+                    <a:lstStyle/>
+                    <a:p>
+                      <a:r>
+                        <a:rPr lang="en-US" dirty="0"/>
+                        <a:t>Brand Name Index</a:t>
+                      </a:r>
+                    </a:p>
+                  </a:txBody>
+                  <a:tcPr/>
+                </a:tc>
+                <a:extLst>
+                  <a:ext uri="{0D108BD9-81ED-4DB2-BD59-A6C34878D82A}">
+                    <a16:rowId xmlns:a16="http://schemas.microsoft.com/office/drawing/2014/main" val="4145169396"/>
+                  </a:ext>
+                </a:extLst>
+              </a:tr>
+              <a:tr h="370840">
+                <a:tc>
+                  <a:txBody>
+                    <a:bodyPr/>
+                    <a:lstStyle/>
+                    <a:p>
+                      <a:r>
+                        <a:rPr lang="en-US" dirty="0"/>
+                        <a:t>Final Features</a:t>
+                      </a:r>
+                    </a:p>
+                  </a:txBody>
+                  <a:tcPr/>
+                </a:tc>
+                <a:tc>
+                  <a:txBody>
+                    <a:bodyPr/>
+                    <a:lstStyle/>
+                    <a:p>
+                      <a:r>
+                        <a:rPr lang="en-US" dirty="0"/>
+                        <a:t>Final Features</a:t>
+                      </a:r>
+                    </a:p>
+                  </a:txBody>
+                  <a:tcPr/>
+                </a:tc>
+                <a:tc>
+                  <a:txBody>
+                    <a:bodyPr/>
+                    <a:lstStyle/>
+                    <a:p>
+                      <a:r>
+                        <a:rPr lang="en-US" dirty="0"/>
+                        <a:t>Features</a:t>
+                      </a:r>
+                    </a:p>
+                  </a:txBody>
+                  <a:tcPr/>
+                </a:tc>
+                <a:tc>
+                  <a:txBody>
+                    <a:bodyPr/>
+                    <a:lstStyle/>
+                    <a:p>
+                      <a:r>
+                        <a:rPr lang="en-US" dirty="0"/>
+                        <a:t>Features</a:t>
+                      </a:r>
+                    </a:p>
+                  </a:txBody>
+                  <a:tcPr/>
+                </a:tc>
+                <a:extLst>
+                  <a:ext uri="{0D108BD9-81ED-4DB2-BD59-A6C34878D82A}">
+                    <a16:rowId xmlns:a16="http://schemas.microsoft.com/office/drawing/2014/main" val="2535745742"/>
+                  </a:ext>
+                </a:extLst>
+              </a:tr>
+              <a:tr h="370840">
+                <a:tc>
+                  <a:txBody>
+                    <a:bodyPr/>
+                    <a:lstStyle/>
+                    <a:p>
+                      <a:r>
+                        <a:rPr lang="en-US" dirty="0"/>
+                        <a:t>0.80338</a:t>
+                      </a:r>
+                    </a:p>
+                  </a:txBody>
+                  <a:tcPr/>
+                </a:tc>
+                <a:tc>
+                  <a:txBody>
+                    <a:bodyPr/>
+                    <a:lstStyle/>
+                    <a:p>
+                      <a:r>
+                        <a:rPr lang="en-US" dirty="0"/>
+                        <a:t>0.90142</a:t>
+                      </a:r>
+                    </a:p>
+                  </a:txBody>
+                  <a:tcPr/>
+                </a:tc>
+                <a:tc>
+                  <a:txBody>
+                    <a:bodyPr/>
+                    <a:lstStyle/>
+                    <a:p>
+                      <a:r>
+                        <a:rPr lang="en-US" b="1" dirty="0"/>
+                        <a:t>0.91449</a:t>
+                      </a:r>
+                    </a:p>
+                  </a:txBody>
+                  <a:tcPr>
+                    <a:solidFill>
+                      <a:schemeClr val="accent2"/>
+                    </a:solidFill>
+                  </a:tcPr>
+                </a:tc>
+                <a:tc>
+                  <a:txBody>
+                    <a:bodyPr/>
+                    <a:lstStyle/>
+                    <a:p>
+                      <a:r>
+                        <a:rPr lang="en-US" dirty="0"/>
+                        <a:t>0.78976</a:t>
+                      </a:r>
+                    </a:p>
+                  </a:txBody>
+                  <a:tcPr/>
+                </a:tc>
+                <a:extLst>
+                  <a:ext uri="{0D108BD9-81ED-4DB2-BD59-A6C34878D82A}">
+                    <a16:rowId xmlns:a16="http://schemas.microsoft.com/office/drawing/2014/main" val="3418798094"/>
+                  </a:ext>
+                </a:extLst>
+              </a:tr>
+            </a:tbl>
+          </a:graphicData>
+        </a:graphic>
+      </p:graphicFrame>
+      <p:pic>
+        <p:nvPicPr>
+          <p:cNvPr id="9" name="Picture 8">
+            <a:extLst>
+              <a:ext uri="{FF2B5EF4-FFF2-40B4-BE49-F238E27FC236}">
+                <a16:creationId xmlns:a16="http://schemas.microsoft.com/office/drawing/2014/main" id="{38A99DA0-4F14-4B96-B180-A83F2BA95171}"/>
+              </a:ext>
+            </a:extLst>
+          </p:cNvPr>
+          <p:cNvPicPr>
+            <a:picLocks noChangeAspect="1"/>
+          </p:cNvPicPr>
+          <p:nvPr/>
+        </p:nvPicPr>
+        <p:blipFill>
+          <a:blip r:embed="rId3"/>
+          <a:stretch>
+            <a:fillRect/>
+          </a:stretch>
+        </p:blipFill>
+        <p:spPr>
+          <a:xfrm>
+            <a:off x="1508701" y="2696043"/>
+            <a:ext cx="1147969" cy="1147969"/>
+          </a:xfrm>
+          <a:prstGeom prst="rect">
+            <a:avLst/>
+          </a:prstGeom>
+        </p:spPr>
+      </p:pic>
+      <p:pic>
+        <p:nvPicPr>
+          <p:cNvPr id="12" name="Picture 11">
+            <a:extLst>
+              <a:ext uri="{FF2B5EF4-FFF2-40B4-BE49-F238E27FC236}">
+                <a16:creationId xmlns:a16="http://schemas.microsoft.com/office/drawing/2014/main" id="{0B53E5C7-7748-444F-BF47-6E309134FB1F}"/>
+              </a:ext>
+            </a:extLst>
+          </p:cNvPr>
+          <p:cNvPicPr>
+            <a:picLocks noChangeAspect="1"/>
+          </p:cNvPicPr>
+          <p:nvPr/>
+        </p:nvPicPr>
+        <p:blipFill>
+          <a:blip r:embed="rId3"/>
+          <a:stretch>
+            <a:fillRect/>
+          </a:stretch>
+        </p:blipFill>
+        <p:spPr>
+          <a:xfrm>
+            <a:off x="8892070" y="2696042"/>
+            <a:ext cx="1147969" cy="1147969"/>
+          </a:xfrm>
+          <a:prstGeom prst="rect">
+            <a:avLst/>
+          </a:prstGeom>
+        </p:spPr>
+      </p:pic>
+      <p:pic>
+        <p:nvPicPr>
+          <p:cNvPr id="11" name="Picture 10">
+            <a:extLst>
+              <a:ext uri="{FF2B5EF4-FFF2-40B4-BE49-F238E27FC236}">
+                <a16:creationId xmlns:a16="http://schemas.microsoft.com/office/drawing/2014/main" id="{7B568107-2385-42C7-9B94-1A8C5E6244B1}"/>
+              </a:ext>
+            </a:extLst>
+          </p:cNvPr>
+          <p:cNvPicPr>
+            <a:picLocks noChangeAspect="1"/>
+          </p:cNvPicPr>
+          <p:nvPr/>
+        </p:nvPicPr>
+        <p:blipFill>
+          <a:blip r:embed="rId4"/>
+          <a:stretch>
+            <a:fillRect/>
+          </a:stretch>
+        </p:blipFill>
+        <p:spPr>
+          <a:xfrm>
+            <a:off x="2153504" y="2114569"/>
+            <a:ext cx="1269841" cy="1269841"/>
+          </a:xfrm>
+          <a:prstGeom prst="rect">
+            <a:avLst/>
+          </a:prstGeom>
+        </p:spPr>
+      </p:pic>
+      <p:pic>
+        <p:nvPicPr>
+          <p:cNvPr id="15" name="Picture 14">
+            <a:extLst>
+              <a:ext uri="{FF2B5EF4-FFF2-40B4-BE49-F238E27FC236}">
+                <a16:creationId xmlns:a16="http://schemas.microsoft.com/office/drawing/2014/main" id="{16B811FA-EA28-487A-B2E9-7B7230B632B5}"/>
+              </a:ext>
+            </a:extLst>
+          </p:cNvPr>
+          <p:cNvPicPr>
+            <a:picLocks noChangeAspect="1"/>
+          </p:cNvPicPr>
+          <p:nvPr/>
+        </p:nvPicPr>
+        <p:blipFill>
+          <a:blip r:embed="rId4"/>
+          <a:stretch>
+            <a:fillRect/>
+          </a:stretch>
+        </p:blipFill>
+        <p:spPr>
+          <a:xfrm>
+            <a:off x="4473676" y="2061122"/>
+            <a:ext cx="1269841" cy="1269841"/>
+          </a:xfrm>
+          <a:prstGeom prst="rect">
+            <a:avLst/>
+          </a:prstGeom>
+        </p:spPr>
+      </p:pic>
+      <p:pic>
+        <p:nvPicPr>
+          <p:cNvPr id="17" name="Picture 16">
+            <a:extLst>
+              <a:ext uri="{FF2B5EF4-FFF2-40B4-BE49-F238E27FC236}">
+                <a16:creationId xmlns:a16="http://schemas.microsoft.com/office/drawing/2014/main" id="{1C19F49C-778B-4AE6-819B-E016716A8DA6}"/>
+              </a:ext>
+            </a:extLst>
+          </p:cNvPr>
+          <p:cNvPicPr>
+            <a:picLocks noChangeAspect="1"/>
+          </p:cNvPicPr>
+          <p:nvPr/>
+        </p:nvPicPr>
+        <p:blipFill>
+          <a:blip r:embed="rId5"/>
+          <a:stretch>
+            <a:fillRect/>
+          </a:stretch>
+        </p:blipFill>
+        <p:spPr>
+          <a:xfrm>
+            <a:off x="7020349" y="2286988"/>
+            <a:ext cx="1229541" cy="1147969"/>
+          </a:xfrm>
+          <a:prstGeom prst="rect">
+            <a:avLst/>
+          </a:prstGeom>
+        </p:spPr>
+      </p:pic>
+      <p:pic>
+        <p:nvPicPr>
+          <p:cNvPr id="21" name="Picture 20">
+            <a:extLst>
+              <a:ext uri="{FF2B5EF4-FFF2-40B4-BE49-F238E27FC236}">
+                <a16:creationId xmlns:a16="http://schemas.microsoft.com/office/drawing/2014/main" id="{3E4DFA6A-DC55-4741-916E-92ECB9DEDBE3}"/>
+              </a:ext>
+            </a:extLst>
+          </p:cNvPr>
+          <p:cNvPicPr>
+            <a:picLocks noChangeAspect="1"/>
+          </p:cNvPicPr>
+          <p:nvPr/>
+        </p:nvPicPr>
+        <p:blipFill>
+          <a:blip r:embed="rId5"/>
+          <a:stretch>
+            <a:fillRect/>
+          </a:stretch>
+        </p:blipFill>
+        <p:spPr>
+          <a:xfrm>
+            <a:off x="9627074" y="2259141"/>
+            <a:ext cx="1229541" cy="1147969"/>
+          </a:xfrm>
+          <a:prstGeom prst="rect">
+            <a:avLst/>
+          </a:prstGeom>
+        </p:spPr>
+      </p:pic>
+      <p:sp>
+        <p:nvSpPr>
+          <p:cNvPr id="20" name="TextBox 19">
+            <a:extLst>
+              <a:ext uri="{FF2B5EF4-FFF2-40B4-BE49-F238E27FC236}">
+                <a16:creationId xmlns:a16="http://schemas.microsoft.com/office/drawing/2014/main" id="{A31956DE-144E-49C9-9EE3-FB3EE3AF7013}"/>
+              </a:ext>
+            </a:extLst>
+          </p:cNvPr>
+          <p:cNvSpPr txBox="1"/>
+          <p:nvPr/>
+        </p:nvSpPr>
+        <p:spPr>
+          <a:xfrm>
+            <a:off x="1004710" y="1441409"/>
+            <a:ext cx="6372813" cy="369332"/>
+          </a:xfrm>
+          <a:prstGeom prst="rect">
+            <a:avLst/>
+          </a:prstGeom>
+          <a:noFill/>
+        </p:spPr>
+        <p:txBody>
+          <a:bodyPr wrap="square" rtlCol="0">
+            <a:spAutoFit/>
+          </a:bodyPr>
+          <a:lstStyle/>
+          <a:p>
+            <a:r>
+              <a:rPr lang="en-US" dirty="0"/>
+              <a:t>Final Features = </a:t>
+            </a:r>
+            <a:r>
+              <a:rPr lang="en-US" dirty="0" err="1"/>
+              <a:t>rawFeatures</a:t>
+            </a:r>
+            <a:r>
+              <a:rPr lang="en-US" dirty="0"/>
+              <a:t> + </a:t>
+            </a:r>
+            <a:r>
+              <a:rPr lang="en-US" dirty="0" err="1"/>
+              <a:t>polarity_index</a:t>
+            </a:r>
+            <a:endParaRPr lang="en-US" dirty="0"/>
+          </a:p>
+        </p:txBody>
+      </p:sp>
+    </p:spTree>
+    <p:extLst>
+      <p:ext uri="{BB962C8B-B14F-4D97-AF65-F5344CB8AC3E}">
+        <p14:creationId xmlns:p14="http://schemas.microsoft.com/office/powerpoint/2010/main" val="2548914005"/>
+      </p:ext>
+    </p:extLst>
+  </p:cSld>
+  <p:clrMapOvr>
+    <a:masterClrMapping/>
+  </p:clrMapOvr>
+</p:sld>
+</file>
+
+<file path=ppt/slides/slide14.xml><?xml version="1.0" encoding="utf-8"?>
+<p:sld xmlns:a="http://schemas.openxmlformats.org/drawingml/2006/main" xmlns:r="http://schemas.openxmlformats.org/officeDocument/2006/relationships" xmlns:p="http://schemas.openxmlformats.org/presentationml/2006/main">
+  <p:cSld>
+    <p:spTree>
+      <p:nvGrpSpPr>
+        <p:cNvPr id="1" name=""/>
+        <p:cNvGrpSpPr/>
+        <p:nvPr/>
+      </p:nvGrpSpPr>
+      <p:grpSpPr>
+        <a:xfrm>
+          <a:off x="0" y="0"/>
+          <a:ext cx="0" cy="0"/>
+          <a:chOff x="0" y="0"/>
+          <a:chExt cx="0" cy="0"/>
+        </a:xfrm>
+      </p:grpSpPr>
+      <p:sp>
+        <p:nvSpPr>
+          <p:cNvPr id="2" name="Text Placeholder 1">
+            <a:extLst>
+              <a:ext uri="{FF2B5EF4-FFF2-40B4-BE49-F238E27FC236}">
+                <a16:creationId xmlns:a16="http://schemas.microsoft.com/office/drawing/2014/main" id="{4789CAEC-4ABA-4548-A382-AD1C28D024EA}"/>
+              </a:ext>
+            </a:extLst>
+          </p:cNvPr>
+          <p:cNvSpPr>
+            <a:spLocks noGrp="1"/>
+          </p:cNvSpPr>
+          <p:nvPr>
+            <p:ph type="body" sz="quarter" idx="16"/>
+          </p:nvPr>
+        </p:nvSpPr>
+        <p:spPr/>
+        <p:txBody>
+          <a:bodyPr/>
+          <a:lstStyle/>
+          <a:p>
+            <a:r>
+              <a:rPr lang="en-US" dirty="0"/>
+              <a:t>Midterm vs Current</a:t>
+            </a:r>
+          </a:p>
+        </p:txBody>
+      </p:sp>
+      <p:sp>
+        <p:nvSpPr>
+          <p:cNvPr id="3" name="Footer Placeholder 2">
+            <a:extLst>
+              <a:ext uri="{FF2B5EF4-FFF2-40B4-BE49-F238E27FC236}">
+                <a16:creationId xmlns:a16="http://schemas.microsoft.com/office/drawing/2014/main" id="{FE3BCD02-D331-476E-8C9C-A43997CA63C2}"/>
+              </a:ext>
+            </a:extLst>
+          </p:cNvPr>
+          <p:cNvSpPr>
+            <a:spLocks noGrp="1"/>
+          </p:cNvSpPr>
+          <p:nvPr>
+            <p:ph type="ftr" sz="quarter" idx="17"/>
+          </p:nvPr>
+        </p:nvSpPr>
+        <p:spPr/>
+        <p:txBody>
+          <a:bodyPr/>
+          <a:lstStyle/>
+          <a:p>
+            <a:r>
+              <a:rPr lang="en-US" noProof="0"/>
+              <a:t>Add a footer</a:t>
+            </a:r>
+            <a:endParaRPr lang="en-US" noProof="0" dirty="0"/>
+          </a:p>
+        </p:txBody>
+      </p:sp>
+      <p:sp>
+        <p:nvSpPr>
+          <p:cNvPr id="4" name="Slide Number Placeholder 3">
+            <a:extLst>
+              <a:ext uri="{FF2B5EF4-FFF2-40B4-BE49-F238E27FC236}">
+                <a16:creationId xmlns:a16="http://schemas.microsoft.com/office/drawing/2014/main" id="{F077F780-5CE9-4969-B205-39FF1A15520F}"/>
+              </a:ext>
+            </a:extLst>
+          </p:cNvPr>
+          <p:cNvSpPr>
+            <a:spLocks noGrp="1"/>
+          </p:cNvSpPr>
+          <p:nvPr>
+            <p:ph type="sldNum" sz="quarter" idx="18"/>
+          </p:nvPr>
+        </p:nvSpPr>
+        <p:spPr/>
+        <p:txBody>
+          <a:bodyPr/>
+          <a:lstStyle/>
+          <a:p>
+            <a:fld id="{8699F50C-BE38-4BD0-BA84-9B090E1F2B9B}" type="slidenum">
+              <a:rPr lang="en-US" noProof="0" smtClean="0"/>
+              <a:t>14</a:t>
+            </a:fld>
+            <a:endParaRPr lang="en-US" noProof="0" dirty="0"/>
+          </a:p>
+        </p:txBody>
+      </p:sp>
+      <p:sp>
+        <p:nvSpPr>
+          <p:cNvPr id="5" name="Title 4">
+            <a:extLst>
+              <a:ext uri="{FF2B5EF4-FFF2-40B4-BE49-F238E27FC236}">
+                <a16:creationId xmlns:a16="http://schemas.microsoft.com/office/drawing/2014/main" id="{3FD09FEC-E397-45D5-B943-4F5F6F3CFD03}"/>
+              </a:ext>
+            </a:extLst>
+          </p:cNvPr>
+          <p:cNvSpPr>
+            <a:spLocks noGrp="1"/>
+          </p:cNvSpPr>
+          <p:nvPr>
+            <p:ph type="title"/>
+          </p:nvPr>
+        </p:nvSpPr>
+        <p:spPr/>
+        <p:txBody>
+          <a:bodyPr/>
+          <a:lstStyle/>
+          <a:p>
+            <a:r>
+              <a:rPr lang="en-US" dirty="0"/>
+              <a:t>Comparing Models</a:t>
+            </a:r>
+          </a:p>
+        </p:txBody>
+      </p:sp>
+      <p:sp>
+        <p:nvSpPr>
+          <p:cNvPr id="6" name="Text Placeholder 5">
+            <a:extLst>
+              <a:ext uri="{FF2B5EF4-FFF2-40B4-BE49-F238E27FC236}">
+                <a16:creationId xmlns:a16="http://schemas.microsoft.com/office/drawing/2014/main" id="{9086CE41-76FC-4E10-8FBE-318C30278A4C}"/>
+              </a:ext>
+            </a:extLst>
+          </p:cNvPr>
+          <p:cNvSpPr>
+            <a:spLocks noGrp="1"/>
+          </p:cNvSpPr>
+          <p:nvPr>
+            <p:ph type="body" sz="quarter" idx="19"/>
+          </p:nvPr>
+        </p:nvSpPr>
+        <p:spPr/>
+        <p:txBody>
+          <a:bodyPr/>
+          <a:lstStyle/>
+          <a:p>
+            <a:pPr algn="ctr"/>
+            <a:r>
+              <a:rPr lang="en-US" b="1" dirty="0"/>
+              <a:t>Text Blob</a:t>
+            </a:r>
+          </a:p>
+          <a:p>
+            <a:pPr marL="342900" indent="-342900">
+              <a:buFont typeface="Arial" panose="020B0604020202020204" pitchFamily="34" charset="0"/>
+              <a:buChar char="•"/>
+            </a:pPr>
+            <a:r>
+              <a:rPr lang="en-US" sz="2000" dirty="0"/>
+              <a:t>Generates polarity and subjectivity </a:t>
+            </a:r>
+          </a:p>
+          <a:p>
+            <a:pPr marL="342900" indent="-342900">
+              <a:buFont typeface="Arial" panose="020B0604020202020204" pitchFamily="34" charset="0"/>
+              <a:buChar char="•"/>
+            </a:pPr>
+            <a:r>
+              <a:rPr lang="en-US" sz="2000" dirty="0"/>
+              <a:t>Rated sentiment on a scale of -1 to 1</a:t>
+            </a:r>
+          </a:p>
+          <a:p>
+            <a:pPr marL="342900" indent="-342900">
+              <a:buFont typeface="Arial" panose="020B0604020202020204" pitchFamily="34" charset="0"/>
+              <a:buChar char="•"/>
+            </a:pPr>
+            <a:r>
+              <a:rPr lang="en-US" sz="2000" dirty="0"/>
+              <a:t>Uses Pattern Analyzer</a:t>
+            </a:r>
+          </a:p>
+          <a:p>
+            <a:pPr marL="800100" lvl="1" indent="-342900">
+              <a:buFont typeface="Arial" panose="020B0604020202020204" pitchFamily="34" charset="0"/>
+              <a:buChar char="•"/>
+            </a:pPr>
+            <a:r>
+              <a:rPr lang="en-US" sz="2000" dirty="0">
+                <a:solidFill>
+                  <a:schemeClr val="tx1"/>
+                </a:solidFill>
+              </a:rPr>
+              <a:t>Based on pattern library</a:t>
+            </a:r>
+          </a:p>
+          <a:p>
+            <a:pPr lvl="1"/>
+            <a:endParaRPr lang="en-US" sz="2000" dirty="0">
+              <a:solidFill>
+                <a:schemeClr val="tx1"/>
+              </a:solidFill>
+            </a:endParaRPr>
+          </a:p>
+          <a:p>
+            <a:pPr algn="ctr"/>
+            <a:r>
+              <a:rPr lang="en-US" b="1" dirty="0"/>
+              <a:t>Naïve Bayes</a:t>
+            </a:r>
+          </a:p>
+          <a:p>
+            <a:pPr marL="342900" indent="-342900">
+              <a:buFont typeface="Arial" panose="020B0604020202020204" pitchFamily="34" charset="0"/>
+              <a:buChar char="•"/>
+            </a:pPr>
+            <a:r>
+              <a:rPr lang="en-US" sz="2000" dirty="0"/>
+              <a:t>Generates prediction</a:t>
+            </a:r>
+          </a:p>
+          <a:p>
+            <a:pPr marL="342900" indent="-342900">
+              <a:buFont typeface="Arial" panose="020B0604020202020204" pitchFamily="34" charset="0"/>
+              <a:buChar char="•"/>
+            </a:pPr>
+            <a:r>
+              <a:rPr lang="en-US" sz="2000" dirty="0"/>
+              <a:t>Rated sentiment on a scale of 0 to 10</a:t>
+            </a:r>
+          </a:p>
+          <a:p>
+            <a:pPr marL="342900" indent="-342900">
+              <a:buFont typeface="Arial" panose="020B0604020202020204" pitchFamily="34" charset="0"/>
+              <a:buChar char="•"/>
+            </a:pPr>
+            <a:r>
+              <a:rPr lang="en-US" sz="2000" dirty="0"/>
+              <a:t>Uses TF-IDF and Naïve Bayes</a:t>
+            </a:r>
+            <a:endParaRPr lang="en-US" sz="2000" dirty="0">
+              <a:solidFill>
+                <a:schemeClr val="tx1"/>
+              </a:solidFill>
+            </a:endParaRPr>
+          </a:p>
+          <a:p>
+            <a:pPr lvl="1"/>
+            <a:endParaRPr lang="en-US" b="1" dirty="0">
+              <a:solidFill>
+                <a:schemeClr val="tx1"/>
+              </a:solidFill>
+            </a:endParaRPr>
+          </a:p>
+          <a:p>
+            <a:pPr lvl="1"/>
+            <a:endParaRPr lang="en-US" b="1" dirty="0">
+              <a:solidFill>
+                <a:schemeClr val="tx1"/>
+              </a:solidFill>
+            </a:endParaRPr>
+          </a:p>
+        </p:txBody>
+      </p:sp>
+      <p:sp>
+        <p:nvSpPr>
+          <p:cNvPr id="8" name="Rectangle 7">
+            <a:extLst>
+              <a:ext uri="{FF2B5EF4-FFF2-40B4-BE49-F238E27FC236}">
+                <a16:creationId xmlns:a16="http://schemas.microsoft.com/office/drawing/2014/main" id="{FFEE9C38-039E-4900-B854-2D4915262FBA}"/>
+              </a:ext>
+            </a:extLst>
+          </p:cNvPr>
+          <p:cNvSpPr/>
+          <p:nvPr/>
+        </p:nvSpPr>
+        <p:spPr>
+          <a:xfrm>
+            <a:off x="11146971" y="209028"/>
+            <a:ext cx="740227" cy="546752"/>
+          </a:xfrm>
+          <a:prstGeom prst="rect">
+            <a:avLst/>
+          </a:prstGeom>
+          <a:solidFill>
+            <a:schemeClr val="bg1"/>
+          </a:solidFill>
+          <a:ln>
+            <a:noFill/>
+          </a:ln>
+        </p:spPr>
+        <p:style>
+          <a:lnRef idx="2">
+            <a:schemeClr val="accent1">
+              <a:shade val="50000"/>
+            </a:schemeClr>
+          </a:lnRef>
+          <a:fillRef idx="1">
+            <a:schemeClr val="accent1"/>
+          </a:fillRef>
+          <a:effectRef idx="0">
+            <a:schemeClr val="accent1"/>
+          </a:effectRef>
+          <a:fontRef idx="minor">
+            <a:schemeClr val="lt1"/>
+          </a:fontRef>
+        </p:style>
+        <p:txBody>
+          <a:bodyPr rtlCol="0" anchor="ctr"/>
+          <a:lstStyle/>
+          <a:p>
+            <a:pPr algn="ctr"/>
+            <a:endParaRPr lang="en-US"/>
+          </a:p>
+        </p:txBody>
+      </p:sp>
+      <p:graphicFrame>
+        <p:nvGraphicFramePr>
+          <p:cNvPr id="9" name="Chart 8">
+            <a:extLst>
+              <a:ext uri="{FF2B5EF4-FFF2-40B4-BE49-F238E27FC236}">
+                <a16:creationId xmlns:a16="http://schemas.microsoft.com/office/drawing/2014/main" id="{F9C2E030-5975-4AED-A216-40630A84BA85}"/>
+              </a:ext>
+            </a:extLst>
+          </p:cNvPr>
+          <p:cNvGraphicFramePr>
+            <a:graphicFrameLocks/>
+          </p:cNvGraphicFramePr>
+          <p:nvPr>
+            <p:extLst>
+              <p:ext uri="{D42A27DB-BD31-4B8C-83A1-F6EECF244321}">
+                <p14:modId xmlns:p14="http://schemas.microsoft.com/office/powerpoint/2010/main" val="460294630"/>
+              </p:ext>
+            </p:extLst>
+          </p:nvPr>
+        </p:nvGraphicFramePr>
+        <p:xfrm>
+          <a:off x="6434423" y="1427888"/>
+          <a:ext cx="4712547" cy="2477884"/>
+        </p:xfrm>
+        <a:graphic>
+          <a:graphicData uri="http://schemas.openxmlformats.org/drawingml/2006/chart">
+            <c:chart xmlns:c="http://schemas.openxmlformats.org/drawingml/2006/chart" xmlns:r="http://schemas.openxmlformats.org/officeDocument/2006/relationships" r:id="rId2"/>
+          </a:graphicData>
+        </a:graphic>
+      </p:graphicFrame>
+      <p:graphicFrame>
+        <p:nvGraphicFramePr>
+          <p:cNvPr id="10" name="Chart 9">
+            <a:extLst>
+              <a:ext uri="{FF2B5EF4-FFF2-40B4-BE49-F238E27FC236}">
+                <a16:creationId xmlns:a16="http://schemas.microsoft.com/office/drawing/2014/main" id="{333B07C0-124F-4CEF-978F-BF2E8FA988DE}"/>
+              </a:ext>
+            </a:extLst>
+          </p:cNvPr>
+          <p:cNvGraphicFramePr>
+            <a:graphicFrameLocks/>
+          </p:cNvGraphicFramePr>
+          <p:nvPr>
+            <p:extLst>
+              <p:ext uri="{D42A27DB-BD31-4B8C-83A1-F6EECF244321}">
+                <p14:modId xmlns:p14="http://schemas.microsoft.com/office/powerpoint/2010/main" val="1284494364"/>
+              </p:ext>
+            </p:extLst>
+          </p:nvPr>
+        </p:nvGraphicFramePr>
+        <p:xfrm>
+          <a:off x="6434423" y="3976663"/>
+          <a:ext cx="4712547" cy="2672309"/>
+        </p:xfrm>
+        <a:graphic>
+          <a:graphicData uri="http://schemas.openxmlformats.org/drawingml/2006/chart">
+            <c:chart xmlns:c="http://schemas.openxmlformats.org/drawingml/2006/chart" xmlns:r="http://schemas.openxmlformats.org/officeDocument/2006/relationships" r:id="rId3"/>
+          </a:graphicData>
+        </a:graphic>
+      </p:graphicFrame>
+      <p:sp>
+        <p:nvSpPr>
+          <p:cNvPr id="11" name="Rectangle 10">
+            <a:extLst>
+              <a:ext uri="{FF2B5EF4-FFF2-40B4-BE49-F238E27FC236}">
+                <a16:creationId xmlns:a16="http://schemas.microsoft.com/office/drawing/2014/main" id="{1EDD1F66-FA46-45F6-9808-3E1705C0B902}"/>
+              </a:ext>
+            </a:extLst>
+          </p:cNvPr>
+          <p:cNvSpPr/>
+          <p:nvPr/>
+        </p:nvSpPr>
+        <p:spPr>
+          <a:xfrm>
+            <a:off x="632178" y="2370103"/>
+            <a:ext cx="5328355" cy="45719"/>
+          </a:xfrm>
+          <a:prstGeom prst="rect">
+            <a:avLst/>
+          </a:prstGeom>
+        </p:spPr>
+        <p:style>
+          <a:lnRef idx="2">
+            <a:schemeClr val="accent1">
+              <a:shade val="50000"/>
+            </a:schemeClr>
+          </a:lnRef>
+          <a:fillRef idx="1">
+            <a:schemeClr val="accent1"/>
+          </a:fillRef>
+          <a:effectRef idx="0">
+            <a:schemeClr val="accent1"/>
+          </a:effectRef>
+          <a:fontRef idx="minor">
+            <a:schemeClr val="lt1"/>
+          </a:fontRef>
+        </p:style>
+        <p:txBody>
+          <a:bodyPr rtlCol="0" anchor="ctr"/>
+          <a:lstStyle/>
+          <a:p>
+            <a:pPr algn="ctr"/>
+            <a:endParaRPr lang="en-US"/>
+          </a:p>
+        </p:txBody>
+      </p:sp>
+      <p:sp>
+        <p:nvSpPr>
+          <p:cNvPr id="12" name="Rectangle 11">
+            <a:extLst>
+              <a:ext uri="{FF2B5EF4-FFF2-40B4-BE49-F238E27FC236}">
+                <a16:creationId xmlns:a16="http://schemas.microsoft.com/office/drawing/2014/main" id="{9BEE94D2-33E0-4E17-906C-23C6B0A160BF}"/>
+              </a:ext>
+            </a:extLst>
+          </p:cNvPr>
+          <p:cNvSpPr/>
+          <p:nvPr/>
+        </p:nvSpPr>
+        <p:spPr>
+          <a:xfrm>
+            <a:off x="632178" y="4723836"/>
+            <a:ext cx="5328355" cy="45719"/>
+          </a:xfrm>
+          <a:prstGeom prst="rect">
+            <a:avLst/>
+          </a:prstGeom>
+        </p:spPr>
+        <p:style>
+          <a:lnRef idx="2">
+            <a:schemeClr val="accent1">
+              <a:shade val="50000"/>
+            </a:schemeClr>
+          </a:lnRef>
+          <a:fillRef idx="1">
+            <a:schemeClr val="accent1"/>
+          </a:fillRef>
+          <a:effectRef idx="0">
+            <a:schemeClr val="accent1"/>
+          </a:effectRef>
+          <a:fontRef idx="minor">
+            <a:schemeClr val="lt1"/>
+          </a:fontRef>
+        </p:style>
+        <p:txBody>
+          <a:bodyPr rtlCol="0" anchor="ctr"/>
+          <a:lstStyle/>
+          <a:p>
+            <a:pPr algn="ctr"/>
+            <a:endParaRPr lang="en-US"/>
+          </a:p>
+        </p:txBody>
+      </p:sp>
+    </p:spTree>
+    <p:extLst>
+      <p:ext uri="{BB962C8B-B14F-4D97-AF65-F5344CB8AC3E}">
+        <p14:creationId xmlns:p14="http://schemas.microsoft.com/office/powerpoint/2010/main" val="3081038314"/>
+      </p:ext>
+    </p:extLst>
+  </p:cSld>
+  <p:clrMapOvr>
+    <a:masterClrMapping/>
+  </p:clrMapOvr>
+</p:sld>
+</file>
+
+<file path=ppt/slides/slide15.xml><?xml version="1.0" encoding="utf-8"?>
+<p:sld xmlns:a="http://schemas.openxmlformats.org/drawingml/2006/main" xmlns:r="http://schemas.openxmlformats.org/officeDocument/2006/relationships" xmlns:p="http://schemas.openxmlformats.org/presentationml/2006/main">
+  <p:cSld>
+    <p:spTree>
+      <p:nvGrpSpPr>
+        <p:cNvPr id="1" name=""/>
+        <p:cNvGrpSpPr/>
+        <p:nvPr/>
+      </p:nvGrpSpPr>
+      <p:grpSpPr>
+        <a:xfrm>
+          <a:off x="0" y="0"/>
+          <a:ext cx="0" cy="0"/>
+          <a:chOff x="0" y="0"/>
+          <a:chExt cx="0" cy="0"/>
+        </a:xfrm>
+      </p:grpSpPr>
       <p:sp>
         <p:nvSpPr>
           <p:cNvPr id="18" name="Title 13">
@@ -14395,7 +20532,7 @@
             <a:fld id="{8699F50C-BE38-4BD0-BA84-9B090E1F2B9B}" type="slidenum">
               <a:rPr lang="en-US" smtClean="0"/>
               <a:pPr/>
-              <a:t>13</a:t>
+              <a:t>15</a:t>
             </a:fld>
             <a:endParaRPr lang="en-US" dirty="0"/>
           </a:p>
@@ -14453,36 +20590,6 @@
           </a:p>
         </p:txBody>
       </p:sp>
-      <p:pic>
-        <p:nvPicPr>
-          <p:cNvPr id="5" name="Picture 4" descr="A picture containing qr code&#10;&#10;Description automatically generated">
-            <a:extLst>
-              <a:ext uri="{FF2B5EF4-FFF2-40B4-BE49-F238E27FC236}">
-                <a16:creationId xmlns:a16="http://schemas.microsoft.com/office/drawing/2014/main" id="{E1E93317-0A3E-4CFB-8423-518867774A01}"/>
-              </a:ext>
-            </a:extLst>
-          </p:cNvPr>
-          <p:cNvPicPr>
-            <a:picLocks noChangeAspect="1"/>
-          </p:cNvPicPr>
-          <p:nvPr/>
-        </p:nvPicPr>
-        <p:blipFill>
-          <a:blip r:embed="rId2"/>
-          <a:stretch>
-            <a:fillRect/>
-          </a:stretch>
-        </p:blipFill>
-        <p:spPr>
-          <a:xfrm>
-            <a:off x="352339" y="1551963"/>
-            <a:ext cx="11190912" cy="4941116"/>
-          </a:xfrm>
-          <a:prstGeom prst="rect">
-            <a:avLst/>
-          </a:prstGeom>
-        </p:spPr>
-      </p:pic>
     </p:spTree>
     <p:extLst>
       <p:ext uri="{BB962C8B-B14F-4D97-AF65-F5344CB8AC3E}">
@@ -14496,7 +20603,7 @@
 </p:sld>
 </file>
 
-<file path=ppt/slides/slide14.xml><?xml version="1.0" encoding="utf-8"?>
+<file path=ppt/slides/slide16.xml><?xml version="1.0" encoding="utf-8"?>
 <p:sld xmlns:a="http://schemas.openxmlformats.org/drawingml/2006/main" xmlns:r="http://schemas.openxmlformats.org/officeDocument/2006/relationships" xmlns:p="http://schemas.openxmlformats.org/presentationml/2006/main">
   <p:cSld>
     <p:spTree>
@@ -14529,220 +20636,6 @@
             <p:ph type="title"/>
           </p:nvPr>
         </p:nvSpPr>
-        <p:spPr>
-          <a:xfrm>
-            <a:off x="518678" y="209028"/>
-            <a:ext cx="8333222" cy="814429"/>
-          </a:xfrm>
-        </p:spPr>
-        <p:txBody>
-          <a:bodyPr/>
-          <a:lstStyle/>
-          <a:p>
-            <a:r>
-              <a:rPr lang="en-US" dirty="0"/>
-              <a:t>Findings </a:t>
-            </a:r>
-            <a:r>
-              <a:rPr lang="en-US" b="0" dirty="0"/>
-              <a:t>&amp; Results</a:t>
-            </a:r>
-          </a:p>
-        </p:txBody>
-      </p:sp>
-      <p:sp>
-        <p:nvSpPr>
-          <p:cNvPr id="33" name="Text Placeholder 32">
-            <a:extLst>
-              <a:ext uri="{FF2B5EF4-FFF2-40B4-BE49-F238E27FC236}">
-                <a16:creationId xmlns:a16="http://schemas.microsoft.com/office/drawing/2014/main" id="{7CFD0302-279C-8A48-9E27-AD5B08D6501E}"/>
-              </a:ext>
-            </a:extLst>
-          </p:cNvPr>
-          <p:cNvSpPr>
-            <a:spLocks noGrp="1"/>
-          </p:cNvSpPr>
-          <p:nvPr>
-            <p:ph type="body" sz="quarter" idx="19"/>
-          </p:nvPr>
-        </p:nvSpPr>
-        <p:spPr>
-          <a:xfrm>
-            <a:off x="518678" y="2005762"/>
-            <a:ext cx="6285567" cy="1624465"/>
-          </a:xfrm>
-        </p:spPr>
-        <p:txBody>
-          <a:bodyPr/>
-          <a:lstStyle/>
-          <a:p>
-            <a:pPr>
-              <a:buClr>
-                <a:schemeClr val="accent2"/>
-              </a:buClr>
-            </a:pPr>
-            <a:endParaRPr lang="en-US" sz="2800" dirty="0"/>
-          </a:p>
-        </p:txBody>
-      </p:sp>
-      <p:sp>
-        <p:nvSpPr>
-          <p:cNvPr id="4" name="Slide Number Placeholder 3">
-            <a:extLst>
-              <a:ext uri="{FF2B5EF4-FFF2-40B4-BE49-F238E27FC236}">
-                <a16:creationId xmlns:a16="http://schemas.microsoft.com/office/drawing/2014/main" id="{B2228214-87DB-4B3A-BD81-9A709A69BAAC}"/>
-              </a:ext>
-            </a:extLst>
-          </p:cNvPr>
-          <p:cNvSpPr>
-            <a:spLocks noGrp="1"/>
-          </p:cNvSpPr>
-          <p:nvPr>
-            <p:ph type="sldNum" sz="quarter" idx="18"/>
-          </p:nvPr>
-        </p:nvSpPr>
-        <p:spPr/>
-        <p:txBody>
-          <a:bodyPr/>
-          <a:lstStyle/>
-          <a:p>
-            <a:fld id="{8699F50C-BE38-4BD0-BA84-9B090E1F2B9B}" type="slidenum">
-              <a:rPr lang="en-US" smtClean="0"/>
-              <a:pPr/>
-              <a:t>14</a:t>
-            </a:fld>
-            <a:endParaRPr lang="en-US" dirty="0"/>
-          </a:p>
-        </p:txBody>
-      </p:sp>
-      <p:sp>
-        <p:nvSpPr>
-          <p:cNvPr id="8" name="Rectangle 7">
-            <a:extLst>
-              <a:ext uri="{FF2B5EF4-FFF2-40B4-BE49-F238E27FC236}">
-                <a16:creationId xmlns:a16="http://schemas.microsoft.com/office/drawing/2014/main" id="{6F9714D7-847D-42AD-91A8-060CEF90428C}"/>
-              </a:ext>
-            </a:extLst>
-          </p:cNvPr>
-          <p:cNvSpPr/>
-          <p:nvPr/>
-        </p:nvSpPr>
-        <p:spPr>
-          <a:xfrm>
-            <a:off x="11146971" y="292608"/>
-            <a:ext cx="667077" cy="484632"/>
-          </a:xfrm>
-          <a:prstGeom prst="rect">
-            <a:avLst/>
-          </a:prstGeom>
-          <a:solidFill>
-            <a:schemeClr val="bg1"/>
-          </a:solidFill>
-          <a:ln>
-            <a:noFill/>
-          </a:ln>
-        </p:spPr>
-        <p:style>
-          <a:lnRef idx="2">
-            <a:schemeClr val="accent1">
-              <a:shade val="50000"/>
-            </a:schemeClr>
-          </a:lnRef>
-          <a:fillRef idx="1">
-            <a:schemeClr val="accent1"/>
-          </a:fillRef>
-          <a:effectRef idx="0">
-            <a:schemeClr val="accent1"/>
-          </a:effectRef>
-          <a:fontRef idx="minor">
-            <a:schemeClr val="lt1"/>
-          </a:fontRef>
-        </p:style>
-        <p:txBody>
-          <a:bodyPr rtlCol="0" anchor="ctr"/>
-          <a:lstStyle/>
-          <a:p>
-            <a:pPr algn="ctr"/>
-            <a:endParaRPr lang="en-US"/>
-          </a:p>
-        </p:txBody>
-      </p:sp>
-      <p:pic>
-        <p:nvPicPr>
-          <p:cNvPr id="3" name="Picture 2" descr="Chart, bar chart&#10;&#10;Description automatically generated">
-            <a:extLst>
-              <a:ext uri="{FF2B5EF4-FFF2-40B4-BE49-F238E27FC236}">
-                <a16:creationId xmlns:a16="http://schemas.microsoft.com/office/drawing/2014/main" id="{989A9155-9DFF-4AA3-9A4A-16DF708C9425}"/>
-              </a:ext>
-            </a:extLst>
-          </p:cNvPr>
-          <p:cNvPicPr>
-            <a:picLocks noChangeAspect="1"/>
-          </p:cNvPicPr>
-          <p:nvPr/>
-        </p:nvPicPr>
-        <p:blipFill>
-          <a:blip r:embed="rId2"/>
-          <a:stretch>
-            <a:fillRect/>
-          </a:stretch>
-        </p:blipFill>
-        <p:spPr>
-          <a:xfrm>
-            <a:off x="518678" y="1132515"/>
-            <a:ext cx="9858504" cy="5725486"/>
-          </a:xfrm>
-          <a:prstGeom prst="rect">
-            <a:avLst/>
-          </a:prstGeom>
-        </p:spPr>
-      </p:pic>
-    </p:spTree>
-    <p:extLst>
-      <p:ext uri="{BB962C8B-B14F-4D97-AF65-F5344CB8AC3E}">
-        <p14:creationId xmlns:p14="http://schemas.microsoft.com/office/powerpoint/2010/main" val="2316906156"/>
-      </p:ext>
-    </p:extLst>
-  </p:cSld>
-  <p:clrMapOvr>
-    <a:masterClrMapping/>
-  </p:clrMapOvr>
-</p:sld>
-</file>
-
-<file path=ppt/slides/slide15.xml><?xml version="1.0" encoding="utf-8"?>
-<p:sld xmlns:a="http://schemas.openxmlformats.org/drawingml/2006/main" xmlns:r="http://schemas.openxmlformats.org/officeDocument/2006/relationships" xmlns:p="http://schemas.openxmlformats.org/presentationml/2006/main">
-  <p:cSld>
-    <p:spTree>
-      <p:nvGrpSpPr>
-        <p:cNvPr id="1" name=""/>
-        <p:cNvGrpSpPr/>
-        <p:nvPr/>
-      </p:nvGrpSpPr>
-      <p:grpSpPr>
-        <a:xfrm>
-          <a:off x="0" y="0"/>
-          <a:ext cx="0" cy="0"/>
-          <a:chOff x="0" y="0"/>
-          <a:chExt cx="0" cy="0"/>
-        </a:xfrm>
-      </p:grpSpPr>
-      <p:sp>
-        <p:nvSpPr>
-          <p:cNvPr id="18" name="Title 13">
-            <a:extLst>
-              <a:ext uri="{FF2B5EF4-FFF2-40B4-BE49-F238E27FC236}">
-                <a16:creationId xmlns:a16="http://schemas.microsoft.com/office/drawing/2014/main" id="{92896B42-4638-40D0-8887-7AB8D1D86B3D}"/>
-              </a:ext>
-            </a:extLst>
-          </p:cNvPr>
-          <p:cNvSpPr>
-            <a:spLocks noGrp="1"/>
-          </p:cNvSpPr>
-          <p:nvPr>
-            <p:ph type="title"/>
-          </p:nvPr>
-        </p:nvSpPr>
         <p:spPr/>
         <p:txBody>
           <a:bodyPr/>
@@ -14870,7 +20763,7 @@
             <a:fld id="{8699F50C-BE38-4BD0-BA84-9B090E1F2B9B}" type="slidenum">
               <a:rPr lang="en-US" smtClean="0"/>
               <a:pPr/>
-              <a:t>15</a:t>
+              <a:t>16</a:t>
             </a:fld>
             <a:endParaRPr lang="en-US" dirty="0"/>
           </a:p>
@@ -15005,7 +20898,7 @@
 </p:sld>
 </file>
 
-<file path=ppt/slides/slide16.xml><?xml version="1.0" encoding="utf-8"?>
+<file path=ppt/slides/slide17.xml><?xml version="1.0" encoding="utf-8"?>
 <p:sld xmlns:a="http://schemas.openxmlformats.org/drawingml/2006/main" xmlns:r="http://schemas.openxmlformats.org/officeDocument/2006/relationships" xmlns:p="http://schemas.openxmlformats.org/presentationml/2006/main">
   <p:cSld>
     <p:spTree>
@@ -15024,44 +20917,6 @@
       </p:grpSpPr>
       <p:sp>
         <p:nvSpPr>
-          <p:cNvPr id="18" name="Title 13">
-            <a:extLst>
-              <a:ext uri="{FF2B5EF4-FFF2-40B4-BE49-F238E27FC236}">
-                <a16:creationId xmlns:a16="http://schemas.microsoft.com/office/drawing/2014/main" id="{92896B42-4638-40D0-8887-7AB8D1D86B3D}"/>
-              </a:ext>
-            </a:extLst>
-          </p:cNvPr>
-          <p:cNvSpPr>
-            <a:spLocks noGrp="1"/>
-          </p:cNvSpPr>
-          <p:nvPr>
-            <p:ph type="title"/>
-          </p:nvPr>
-        </p:nvSpPr>
-        <p:spPr>
-          <a:xfrm>
-            <a:off x="1725296" y="86934"/>
-            <a:ext cx="8333222" cy="1147969"/>
-          </a:xfrm>
-        </p:spPr>
-        <p:txBody>
-          <a:bodyPr/>
-          <a:lstStyle/>
-          <a:p>
-            <a:pPr algn="ctr"/>
-            <a:r>
-              <a:rPr lang="en-US" dirty="0"/>
-              <a:t>Company </a:t>
-            </a:r>
-            <a:r>
-              <a:rPr lang="en-US" b="0" dirty="0"/>
-              <a:t>Analysis</a:t>
-            </a:r>
-          </a:p>
-        </p:txBody>
-      </p:sp>
-      <p:sp>
-        <p:nvSpPr>
           <p:cNvPr id="4" name="Slide Number Placeholder 3">
             <a:extLst>
               <a:ext uri="{FF2B5EF4-FFF2-40B4-BE49-F238E27FC236}">
@@ -15084,7 +20939,7 @@
             <a:fld id="{8699F50C-BE38-4BD0-BA84-9B090E1F2B9B}" type="slidenum">
               <a:rPr lang="en-US" smtClean="0"/>
               <a:pPr/>
-              <a:t>16</a:t>
+              <a:t>17</a:t>
             </a:fld>
             <a:endParaRPr lang="en-US" dirty="0"/>
           </a:p>
@@ -15144,10 +20999,10 @@
       </p:sp>
       <p:pic>
         <p:nvPicPr>
-          <p:cNvPr id="3" name="Picture 2" descr="Chart, histogram&#10;&#10;Description automatically generated">
-            <a:extLst>
-              <a:ext uri="{FF2B5EF4-FFF2-40B4-BE49-F238E27FC236}">
-                <a16:creationId xmlns:a16="http://schemas.microsoft.com/office/drawing/2014/main" id="{5E33C8A4-8B79-4E8A-960A-6367E05B2030}"/>
+          <p:cNvPr id="5" name="Picture 4">
+            <a:extLst>
+              <a:ext uri="{FF2B5EF4-FFF2-40B4-BE49-F238E27FC236}">
+                <a16:creationId xmlns:a16="http://schemas.microsoft.com/office/drawing/2014/main" id="{E1F51B6B-3A09-4E31-8292-7A971E3F169D}"/>
               </a:ext>
             </a:extLst>
           </p:cNvPr>
@@ -15164,8 +21019,8 @@
         </p:blipFill>
         <p:spPr>
           <a:xfrm>
-            <a:off x="254387" y="1476463"/>
-            <a:ext cx="2941819" cy="2491530"/>
+            <a:off x="339490" y="1704938"/>
+            <a:ext cx="2747907" cy="2194097"/>
           </a:xfrm>
           <a:prstGeom prst="rect">
             <a:avLst/>
@@ -15174,10 +21029,10 @@
       </p:pic>
       <p:pic>
         <p:nvPicPr>
-          <p:cNvPr id="9" name="Picture 8" descr="Chart, histogram&#10;&#10;Description automatically generated">
-            <a:extLst>
-              <a:ext uri="{FF2B5EF4-FFF2-40B4-BE49-F238E27FC236}">
-                <a16:creationId xmlns:a16="http://schemas.microsoft.com/office/drawing/2014/main" id="{0F970402-2CEC-4886-8E93-821B7376A48D}"/>
+          <p:cNvPr id="7" name="Picture 6">
+            <a:extLst>
+              <a:ext uri="{FF2B5EF4-FFF2-40B4-BE49-F238E27FC236}">
+                <a16:creationId xmlns:a16="http://schemas.microsoft.com/office/drawing/2014/main" id="{95FEDF70-9B7C-4EEF-ACE1-B6E76286EB7A}"/>
               </a:ext>
             </a:extLst>
           </p:cNvPr>
@@ -15194,8 +21049,8 @@
         </p:blipFill>
         <p:spPr>
           <a:xfrm>
-            <a:off x="6339360" y="1476463"/>
-            <a:ext cx="2813030" cy="2492658"/>
+            <a:off x="3120592" y="1694442"/>
+            <a:ext cx="2830907" cy="2194560"/>
           </a:xfrm>
           <a:prstGeom prst="rect">
             <a:avLst/>
@@ -15204,10 +21059,10 @@
       </p:pic>
       <p:pic>
         <p:nvPicPr>
-          <p:cNvPr id="11" name="Picture 10" descr="Chart, histogram&#10;&#10;Description automatically generated">
-            <a:extLst>
-              <a:ext uri="{FF2B5EF4-FFF2-40B4-BE49-F238E27FC236}">
-                <a16:creationId xmlns:a16="http://schemas.microsoft.com/office/drawing/2014/main" id="{5270071C-9F9E-4ECF-B972-A740FFAFFD3E}"/>
+          <p:cNvPr id="12" name="Picture 11">
+            <a:extLst>
+              <a:ext uri="{FF2B5EF4-FFF2-40B4-BE49-F238E27FC236}">
+                <a16:creationId xmlns:a16="http://schemas.microsoft.com/office/drawing/2014/main" id="{9656668B-06A3-43EC-BA8D-D843E90DADFD}"/>
               </a:ext>
             </a:extLst>
           </p:cNvPr>
@@ -15224,8 +21079,8 @@
         </p:blipFill>
         <p:spPr>
           <a:xfrm>
-            <a:off x="9152390" y="1476800"/>
-            <a:ext cx="2653717" cy="2486542"/>
+            <a:off x="6030992" y="1694442"/>
+            <a:ext cx="2830907" cy="2162602"/>
           </a:xfrm>
           <a:prstGeom prst="rect">
             <a:avLst/>
@@ -15234,10 +21089,10 @@
       </p:pic>
       <p:pic>
         <p:nvPicPr>
-          <p:cNvPr id="13" name="Picture 12" descr="Chart, histogram&#10;&#10;Description automatically generated">
-            <a:extLst>
-              <a:ext uri="{FF2B5EF4-FFF2-40B4-BE49-F238E27FC236}">
-                <a16:creationId xmlns:a16="http://schemas.microsoft.com/office/drawing/2014/main" id="{6AC0697E-AFB1-4F09-87E2-AD1538C0C481}"/>
+          <p:cNvPr id="16" name="Picture 15">
+            <a:extLst>
+              <a:ext uri="{FF2B5EF4-FFF2-40B4-BE49-F238E27FC236}">
+                <a16:creationId xmlns:a16="http://schemas.microsoft.com/office/drawing/2014/main" id="{DBA2A0D9-A441-4AA3-8835-2D258DA5AE6D}"/>
               </a:ext>
             </a:extLst>
           </p:cNvPr>
@@ -15254,8 +21109,8 @@
         </p:blipFill>
         <p:spPr>
           <a:xfrm>
-            <a:off x="254387" y="4356151"/>
-            <a:ext cx="2460849" cy="2501849"/>
+            <a:off x="8941392" y="1704938"/>
+            <a:ext cx="2830907" cy="2194097"/>
           </a:xfrm>
           <a:prstGeom prst="rect">
             <a:avLst/>
@@ -15264,10 +21119,10 @@
       </p:pic>
       <p:pic>
         <p:nvPicPr>
-          <p:cNvPr id="15" name="Picture 14" descr="Chart, histogram&#10;&#10;Description automatically generated">
-            <a:extLst>
-              <a:ext uri="{FF2B5EF4-FFF2-40B4-BE49-F238E27FC236}">
-                <a16:creationId xmlns:a16="http://schemas.microsoft.com/office/drawing/2014/main" id="{4B8D0811-A181-403E-BD18-45A9841B150C}"/>
+          <p:cNvPr id="21" name="Picture 20">
+            <a:extLst>
+              <a:ext uri="{FF2B5EF4-FFF2-40B4-BE49-F238E27FC236}">
+                <a16:creationId xmlns:a16="http://schemas.microsoft.com/office/drawing/2014/main" id="{48D7E277-736E-4248-A665-17ED69B3A161}"/>
               </a:ext>
             </a:extLst>
           </p:cNvPr>
@@ -15284,8 +21139,8 @@
         </p:blipFill>
         <p:spPr>
           <a:xfrm>
-            <a:off x="3196206" y="4356152"/>
-            <a:ext cx="2460849" cy="2431692"/>
+            <a:off x="339490" y="4203380"/>
+            <a:ext cx="2827400" cy="2194098"/>
           </a:xfrm>
           <a:prstGeom prst="rect">
             <a:avLst/>
@@ -15294,10 +21149,10 @@
       </p:pic>
       <p:pic>
         <p:nvPicPr>
-          <p:cNvPr id="17" name="Picture 16" descr="Chart, histogram&#10;&#10;Description automatically generated">
-            <a:extLst>
-              <a:ext uri="{FF2B5EF4-FFF2-40B4-BE49-F238E27FC236}">
-                <a16:creationId xmlns:a16="http://schemas.microsoft.com/office/drawing/2014/main" id="{47AEA447-1D30-4268-B763-42F40A7BB9B8}"/>
+          <p:cNvPr id="23" name="Picture 22">
+            <a:extLst>
+              <a:ext uri="{FF2B5EF4-FFF2-40B4-BE49-F238E27FC236}">
+                <a16:creationId xmlns:a16="http://schemas.microsoft.com/office/drawing/2014/main" id="{6332FF80-B231-47EA-BA06-718C49D9F601}"/>
               </a:ext>
             </a:extLst>
           </p:cNvPr>
@@ -15314,8 +21169,8 @@
         </p:blipFill>
         <p:spPr>
           <a:xfrm>
-            <a:off x="5981194" y="4356151"/>
-            <a:ext cx="2944537" cy="2431692"/>
+            <a:off x="3301431" y="4202918"/>
+            <a:ext cx="2729561" cy="2194560"/>
           </a:xfrm>
           <a:prstGeom prst="rect">
             <a:avLst/>
@@ -15324,10 +21179,10 @@
       </p:pic>
       <p:pic>
         <p:nvPicPr>
-          <p:cNvPr id="20" name="Picture 19" descr="Chart, histogram&#10;&#10;Description automatically generated">
-            <a:extLst>
-              <a:ext uri="{FF2B5EF4-FFF2-40B4-BE49-F238E27FC236}">
-                <a16:creationId xmlns:a16="http://schemas.microsoft.com/office/drawing/2014/main" id="{4CA2A155-7D44-4756-97FB-63CE755BD252}"/>
+          <p:cNvPr id="26" name="Picture 25">
+            <a:extLst>
+              <a:ext uri="{FF2B5EF4-FFF2-40B4-BE49-F238E27FC236}">
+                <a16:creationId xmlns:a16="http://schemas.microsoft.com/office/drawing/2014/main" id="{0B293305-672B-4526-8108-C6E910CB6B97}"/>
               </a:ext>
             </a:extLst>
           </p:cNvPr>
@@ -15344,8 +21199,8 @@
         </p:blipFill>
         <p:spPr>
           <a:xfrm>
-            <a:off x="9152390" y="4356151"/>
-            <a:ext cx="2858084" cy="2501849"/>
+            <a:off x="6030992" y="4202918"/>
+            <a:ext cx="2910402" cy="2194097"/>
           </a:xfrm>
           <a:prstGeom prst="rect">
             <a:avLst/>
@@ -15354,10 +21209,10 @@
       </p:pic>
       <p:pic>
         <p:nvPicPr>
-          <p:cNvPr id="24" name="Picture 23" descr="Chart, histogram&#10;&#10;Description automatically generated">
-            <a:extLst>
-              <a:ext uri="{FF2B5EF4-FFF2-40B4-BE49-F238E27FC236}">
-                <a16:creationId xmlns:a16="http://schemas.microsoft.com/office/drawing/2014/main" id="{622F476A-EF42-4A4D-9F77-70FAAB2B977C}"/>
+          <p:cNvPr id="28" name="Picture 27">
+            <a:extLst>
+              <a:ext uri="{FF2B5EF4-FFF2-40B4-BE49-F238E27FC236}">
+                <a16:creationId xmlns:a16="http://schemas.microsoft.com/office/drawing/2014/main" id="{10880B49-EA0E-4AC5-989A-6064B30D64F3}"/>
               </a:ext>
             </a:extLst>
           </p:cNvPr>
@@ -15374,14 +21229,46 @@
         </p:blipFill>
         <p:spPr>
           <a:xfrm>
-            <a:off x="3196206" y="1470686"/>
-            <a:ext cx="3095537" cy="2497308"/>
+            <a:off x="8983140" y="4202455"/>
+            <a:ext cx="2830907" cy="2194560"/>
           </a:xfrm>
           <a:prstGeom prst="rect">
             <a:avLst/>
           </a:prstGeom>
         </p:spPr>
       </p:pic>
+      <p:sp>
+        <p:nvSpPr>
+          <p:cNvPr id="30" name="Title 29">
+            <a:extLst>
+              <a:ext uri="{FF2B5EF4-FFF2-40B4-BE49-F238E27FC236}">
+                <a16:creationId xmlns:a16="http://schemas.microsoft.com/office/drawing/2014/main" id="{1F64A6E2-29E0-42B6-975C-0EA55DE751E1}"/>
+              </a:ext>
+            </a:extLst>
+          </p:cNvPr>
+          <p:cNvSpPr>
+            <a:spLocks noGrp="1"/>
+          </p:cNvSpPr>
+          <p:nvPr>
+            <p:ph type="title"/>
+          </p:nvPr>
+        </p:nvSpPr>
+        <p:spPr/>
+        <p:txBody>
+          <a:bodyPr/>
+          <a:lstStyle/>
+          <a:p>
+            <a:r>
+              <a:rPr lang="en-US" dirty="0"/>
+              <a:t>Company </a:t>
+            </a:r>
+            <a:r>
+              <a:rPr lang="en-US" b="0" dirty="0"/>
+              <a:t>Analysis</a:t>
+            </a:r>
+          </a:p>
+        </p:txBody>
+      </p:sp>
     </p:spTree>
     <p:extLst>
       <p:ext uri="{BB962C8B-B14F-4D97-AF65-F5344CB8AC3E}">
@@ -15395,7 +21282,7 @@
 </p:sld>
 </file>
 
-<file path=ppt/slides/slide17.xml><?xml version="1.0" encoding="utf-8"?>
+<file path=ppt/slides/slide18.xml><?xml version="1.0" encoding="utf-8"?>
 <p:sld xmlns:a="http://schemas.openxmlformats.org/drawingml/2006/main" xmlns:r="http://schemas.openxmlformats.org/officeDocument/2006/relationships" xmlns:p="http://schemas.openxmlformats.org/presentationml/2006/main">
   <p:cSld>
     <p:spTree>
@@ -15562,7 +21449,7 @@
             <a:fld id="{8699F50C-BE38-4BD0-BA84-9B090E1F2B9B}" type="slidenum">
               <a:rPr lang="en-US" smtClean="0"/>
               <a:pPr/>
-              <a:t>17</a:t>
+              <a:t>18</a:t>
             </a:fld>
             <a:endParaRPr lang="en-US" dirty="0"/>
           </a:p>
@@ -15697,7 +21584,7 @@
 </p:sld>
 </file>
 
-<file path=ppt/slides/slide18.xml><?xml version="1.0" encoding="utf-8"?>
+<file path=ppt/slides/slide19.xml><?xml version="1.0" encoding="utf-8"?>
 <p:sld xmlns:a="http://schemas.openxmlformats.org/drawingml/2006/main" xmlns:r="http://schemas.openxmlformats.org/officeDocument/2006/relationships" xmlns:p="http://schemas.openxmlformats.org/presentationml/2006/main">
   <p:cSld>
     <p:spTree>
@@ -15770,7 +21657,7 @@
           <a:p>
             <a:fld id="{8699F50C-BE38-4BD0-BA84-9B090E1F2B9B}" type="slidenum">
               <a:rPr lang="en-US" noProof="0" smtClean="0"/>
-              <a:t>18</a:t>
+              <a:t>19</a:t>
             </a:fld>
             <a:endParaRPr lang="en-US" noProof="0" dirty="0"/>
           </a:p>
@@ -16082,7 +21969,12 @@
             <p:ph idx="1"/>
           </p:nvPr>
         </p:nvSpPr>
-        <p:spPr/>
+        <p:spPr>
+          <a:xfrm>
+            <a:off x="531378" y="3196915"/>
+            <a:ext cx="6447920" cy="2958275"/>
+          </a:xfrm>
+        </p:spPr>
         <p:txBody>
           <a:bodyPr>
             <a:normAutofit lnSpcReduction="10000"/>
@@ -16092,14 +21984,28 @@
             <a:pPr lvl="0"/>
             <a:r>
               <a:rPr lang="en-US" dirty="0"/>
-              <a:t>Local fashion startup company of &gt;75 employees</a:t>
+              <a:t>Local fashion startup company</a:t>
+            </a:r>
+          </a:p>
+          <a:p>
+            <a:pPr lvl="1"/>
+            <a:r>
+              <a:rPr lang="en-US" dirty="0"/>
+              <a:t>&gt;75 employees</a:t>
             </a:r>
           </a:p>
           <a:p>
             <a:pPr lvl="0"/>
             <a:r>
               <a:rPr lang="en-US" dirty="0"/>
-              <a:t>Sell fast fashion and looking to improve targeted marketing for upcoming quarter</a:t>
+              <a:t>Sell fast fashion </a:t>
+            </a:r>
+          </a:p>
+          <a:p>
+            <a:pPr lvl="0"/>
+            <a:r>
+              <a:rPr lang="en-US" dirty="0"/>
+              <a:t>Looking to improve targeted marketing for upcoming quarter</a:t>
             </a:r>
           </a:p>
           <a:p>
@@ -16376,7 +22282,7 @@
             <a:pPr lvl="1"/>
             <a:r>
               <a:rPr lang="en-US" dirty="0"/>
-              <a:t>2020-01-01 to Present</a:t>
+              <a:t>2020-01-30 to Present</a:t>
             </a:r>
           </a:p>
           <a:p>
@@ -17661,7 +23567,7 @@
         </p:spPr>
         <p:txBody>
           <a:bodyPr>
-            <a:normAutofit fontScale="92500" lnSpcReduction="10000"/>
+            <a:normAutofit fontScale="92500" lnSpcReduction="20000"/>
           </a:bodyPr>
           <a:lstStyle/>
           <a:p>
@@ -17694,7 +23600,15 @@
             </a:r>
             <a:r>
               <a:rPr lang="en-US" dirty="0"/>
-              <a:t>, IDF, Tokenizer</a:t>
+              <a:t>, IDF, Tokenizer, </a:t>
+            </a:r>
+            <a:r>
+              <a:rPr lang="en-US" dirty="0" err="1"/>
+              <a:t>AssemblerData</a:t>
+            </a:r>
+            <a:r>
+              <a:rPr lang="en-US" dirty="0"/>
+              <a:t> </a:t>
             </a:r>
           </a:p>
           <a:p>
@@ -17981,27 +23895,6 @@
             <a:r>
               <a:rPr lang="en-US" sz="3200" dirty="0"/>
               <a:t> of select Twitter feeds</a:t>
-            </a:r>
-          </a:p>
-          <a:p>
-            <a:pPr marL="342900" indent="-342900">
-              <a:buClr>
-                <a:schemeClr val="accent2"/>
-              </a:buClr>
-              <a:buFont typeface="Arial" panose="020B0604020202020204" pitchFamily="34" charset="0"/>
-              <a:buChar char="•"/>
-            </a:pPr>
-            <a:r>
-              <a:rPr lang="en-US" sz="3200" dirty="0"/>
-              <a:t>Use </a:t>
-            </a:r>
-            <a:r>
-              <a:rPr lang="en-US" sz="3200" dirty="0" err="1"/>
-              <a:t>TextBlob</a:t>
-            </a:r>
-            <a:r>
-              <a:rPr lang="en-US" sz="3200" dirty="0"/>
-              <a:t> to generate polarity of tweets</a:t>
             </a:r>
           </a:p>
           <a:p>
@@ -18311,7 +24204,7 @@
             </a:pPr>
             <a:r>
               <a:rPr lang="en-US" sz="3200" dirty="0"/>
-              <a:t>Add Polarity Type</a:t>
+              <a:t>Polarity Type</a:t>
             </a:r>
           </a:p>
           <a:p>
@@ -19542,6 +25435,23 @@
 </file>
 
 <file path=customXml/item1.xml><?xml version="1.0" encoding="utf-8"?>
+<p:properties xmlns:p="http://schemas.microsoft.com/office/2006/metadata/properties" xmlns:xsi="http://www.w3.org/2001/XMLSchema-instance" xmlns:pc="http://schemas.microsoft.com/office/infopath/2007/PartnerControls">
+  <documentManagement>
+    <MediaServiceKeyPoints xmlns="71af3243-3dd4-4a8d-8c0d-dd76da1f02a5" xsi:nil="true"/>
+  </documentManagement>
+</p:properties>
+</file>
+
+<file path=customXml/item2.xml><?xml version="1.0" encoding="utf-8"?>
+<?mso-contentType ?>
+<FormTemplates xmlns="http://schemas.microsoft.com/sharepoint/v3/contenttype/forms">
+  <Display>DocumentLibraryForm</Display>
+  <Edit>DocumentLibraryForm</Edit>
+  <New>DocumentLibraryForm</New>
+</FormTemplates>
+</file>
+
+<file path=customXml/item3.xml><?xml version="1.0" encoding="utf-8"?>
 <ct:contentTypeSchema xmlns:ct="http://schemas.microsoft.com/office/2006/metadata/contentType" xmlns:ma="http://schemas.microsoft.com/office/2006/metadata/properties/metaAttributes" ct:_="" ma:_="" ma:contentTypeName="Document" ma:contentTypeID="0x01010079F111ED35F8CC479449609E8A0923A6" ma:contentTypeVersion="11" ma:contentTypeDescription="Create a new document." ma:contentTypeScope="" ma:versionID="96291512c1ee715ab617f4c07df79fc1">
   <xsd:schema xmlns:xsd="http://www.w3.org/2001/XMLSchema" xmlns:xs="http://www.w3.org/2001/XMLSchema" xmlns:p="http://schemas.microsoft.com/office/2006/metadata/properties" xmlns:ns2="71af3243-3dd4-4a8d-8c0d-dd76da1f02a5" xmlns:ns3="16c05727-aa75-4e4a-9b5f-8a80a1165891" targetNamespace="http://schemas.microsoft.com/office/2006/metadata/properties" ma:root="true" ma:fieldsID="8256c27c40ca5c40ce1cf6c44f0205df" ns2:_="" ns3:_="">
     <xsd:import namespace="71af3243-3dd4-4a8d-8c0d-dd76da1f02a5"/>
@@ -19752,24 +25662,25 @@
 </ct:contentTypeSchema>
 </file>
 
-<file path=customXml/item2.xml><?xml version="1.0" encoding="utf-8"?>
-<?mso-contentType ?>
-<FormTemplates xmlns="http://schemas.microsoft.com/sharepoint/v3/contenttype/forms">
-  <Display>DocumentLibraryForm</Display>
-  <Edit>DocumentLibraryForm</Edit>
-  <New>DocumentLibraryForm</New>
-</FormTemplates>
+<file path=customXml/itemProps1.xml><?xml version="1.0" encoding="utf-8"?>
+<ds:datastoreItem xmlns:ds="http://schemas.openxmlformats.org/officeDocument/2006/customXml" ds:itemID="{C87F4215-C6BB-44A3-9A5E-9446E6835900}">
+  <ds:schemaRefs>
+    <ds:schemaRef ds:uri="http://schemas.microsoft.com/office/2006/metadata/properties"/>
+    <ds:schemaRef ds:uri="http://schemas.microsoft.com/office/infopath/2007/PartnerControls"/>
+    <ds:schemaRef ds:uri="71af3243-3dd4-4a8d-8c0d-dd76da1f02a5"/>
+  </ds:schemaRefs>
+</ds:datastoreItem>
 </file>
 
-<file path=customXml/item3.xml><?xml version="1.0" encoding="utf-8"?>
-<p:properties xmlns:p="http://schemas.microsoft.com/office/2006/metadata/properties" xmlns:xsi="http://www.w3.org/2001/XMLSchema-instance" xmlns:pc="http://schemas.microsoft.com/office/infopath/2007/PartnerControls">
-  <documentManagement>
-    <MediaServiceKeyPoints xmlns="71af3243-3dd4-4a8d-8c0d-dd76da1f02a5" xsi:nil="true"/>
-  </documentManagement>
-</p:properties>
+<file path=customXml/itemProps2.xml><?xml version="1.0" encoding="utf-8"?>
+<ds:datastoreItem xmlns:ds="http://schemas.openxmlformats.org/officeDocument/2006/customXml" ds:itemID="{A80A5AF1-8C57-4290-936E-5FD27C957251}">
+  <ds:schemaRefs>
+    <ds:schemaRef ds:uri="http://schemas.microsoft.com/sharepoint/v3/contenttype/forms"/>
+  </ds:schemaRefs>
+</ds:datastoreItem>
 </file>
 
-<file path=customXml/itemProps1.xml><?xml version="1.0" encoding="utf-8"?>
+<file path=customXml/itemProps3.xml><?xml version="1.0" encoding="utf-8"?>
 <ds:datastoreItem xmlns:ds="http://schemas.openxmlformats.org/officeDocument/2006/customXml" ds:itemID="{8F8919DE-9BD9-47A9-9F5D-16EBB9687974}">
   <ds:schemaRefs>
     <ds:schemaRef ds:uri="http://schemas.microsoft.com/office/2006/metadata/contentType"/>
@@ -19786,22 +25697,4 @@
     <ds:schemaRef ds:uri="http://schemas.microsoft.com/internal/obd"/>
   </ds:schemaRefs>
 </ds:datastoreItem>
-</file>
-
-<file path=customXml/itemProps2.xml><?xml version="1.0" encoding="utf-8"?>
-<ds:datastoreItem xmlns:ds="http://schemas.openxmlformats.org/officeDocument/2006/customXml" ds:itemID="{A80A5AF1-8C57-4290-936E-5FD27C957251}">
-  <ds:schemaRefs>
-    <ds:schemaRef ds:uri="http://schemas.microsoft.com/sharepoint/v3/contenttype/forms"/>
-  </ds:schemaRefs>
-</ds:datastoreItem>
-</file>
-
-<file path=customXml/itemProps3.xml><?xml version="1.0" encoding="utf-8"?>
-<ds:datastoreItem xmlns:ds="http://schemas.openxmlformats.org/officeDocument/2006/customXml" ds:itemID="{C87F4215-C6BB-44A3-9A5E-9446E6835900}">
-  <ds:schemaRefs>
-    <ds:schemaRef ds:uri="http://schemas.microsoft.com/office/2006/metadata/properties"/>
-    <ds:schemaRef ds:uri="http://schemas.microsoft.com/office/infopath/2007/PartnerControls"/>
-    <ds:schemaRef ds:uri="71af3243-3dd4-4a8d-8c0d-dd76da1f02a5"/>
-  </ds:schemaRefs>
-</ds:datastoreItem>
 </file>
--- a/ML Group Project_Sentiment Analysis of Twitter Data (1).pptx
+++ b/ML Group Project_Sentiment Analysis of Twitter Data (1).pptx
@@ -3357,7 +3357,7 @@
             </a:spcAft>
             <a:buNone/>
           </a:pPr>
-          <a:endParaRPr lang="en-US" sz="2900" kern="1200"/>
+          <a:endParaRPr lang="en-US" sz="2900" kern="1200" dirty="0"/>
         </a:p>
       </dsp:txBody>
       <dsp:txXfrm>
@@ -3432,7 +3432,7 @@
             </a:spcAft>
             <a:buNone/>
           </a:pPr>
-          <a:endParaRPr lang="en-US" sz="2900" kern="1200"/>
+          <a:endParaRPr lang="en-US" sz="2900" kern="1200" dirty="0"/>
         </a:p>
       </dsp:txBody>
       <dsp:txXfrm>
@@ -19023,9 +19023,9 @@
           </p:cNvPicPr>
           <p:nvPr/>
         </p:nvPicPr>
-        <p:blipFill rotWithShape="1">
+        <p:blipFill>
           <a:blip r:embed="rId2"/>
-          <a:srcRect l="13153" t="169" r="24377" b="-169"/>
+          <a:srcRect l="18769" r="18769"/>
           <a:stretch/>
         </p:blipFill>
         <p:spPr>
@@ -21269,6 +21269,382 @@
           </a:p>
         </p:txBody>
       </p:sp>
+      <p:sp>
+        <p:nvSpPr>
+          <p:cNvPr id="2" name="TextBox 1">
+            <a:extLst>
+              <a:ext uri="{FF2B5EF4-FFF2-40B4-BE49-F238E27FC236}">
+                <a16:creationId xmlns:a16="http://schemas.microsoft.com/office/drawing/2014/main" id="{326D59F8-86D1-44B4-B360-8FD40FB31D85}"/>
+              </a:ext>
+            </a:extLst>
+          </p:cNvPr>
+          <p:cNvSpPr txBox="1"/>
+          <p:nvPr/>
+        </p:nvSpPr>
+        <p:spPr>
+          <a:xfrm>
+            <a:off x="1470930" y="2514133"/>
+            <a:ext cx="1129004" cy="261610"/>
+          </a:xfrm>
+          <a:prstGeom prst="rect">
+            <a:avLst/>
+          </a:prstGeom>
+          <a:solidFill>
+            <a:schemeClr val="tx2">
+              <a:lumMod val="90000"/>
+            </a:schemeClr>
+          </a:solidFill>
+          <a:ln>
+            <a:noFill/>
+          </a:ln>
+        </p:spPr>
+        <p:txBody>
+          <a:bodyPr wrap="square" rtlCol="0">
+            <a:spAutoFit/>
+          </a:bodyPr>
+          <a:lstStyle/>
+          <a:p>
+            <a:pPr algn="ctr"/>
+            <a:r>
+              <a:rPr lang="en-US" sz="1100" dirty="0"/>
+              <a:t># of Tweets: </a:t>
+            </a:r>
+            <a:r>
+              <a:rPr lang="en-US" sz="1100" b="1" dirty="0"/>
+              <a:t>362</a:t>
+            </a:r>
+          </a:p>
+        </p:txBody>
+      </p:sp>
+      <p:sp>
+        <p:nvSpPr>
+          <p:cNvPr id="15" name="TextBox 14">
+            <a:extLst>
+              <a:ext uri="{FF2B5EF4-FFF2-40B4-BE49-F238E27FC236}">
+                <a16:creationId xmlns:a16="http://schemas.microsoft.com/office/drawing/2014/main" id="{7EE1FB69-4621-4CAA-B393-2AA0CE354C7F}"/>
+              </a:ext>
+            </a:extLst>
+          </p:cNvPr>
+          <p:cNvSpPr txBox="1"/>
+          <p:nvPr/>
+        </p:nvSpPr>
+        <p:spPr>
+          <a:xfrm>
+            <a:off x="4297740" y="2514133"/>
+            <a:ext cx="1129004" cy="261610"/>
+          </a:xfrm>
+          <a:prstGeom prst="rect">
+            <a:avLst/>
+          </a:prstGeom>
+          <a:solidFill>
+            <a:schemeClr val="tx2">
+              <a:lumMod val="90000"/>
+            </a:schemeClr>
+          </a:solidFill>
+          <a:ln>
+            <a:noFill/>
+          </a:ln>
+        </p:spPr>
+        <p:txBody>
+          <a:bodyPr wrap="square" rtlCol="0">
+            <a:spAutoFit/>
+          </a:bodyPr>
+          <a:lstStyle/>
+          <a:p>
+            <a:pPr algn="ctr"/>
+            <a:r>
+              <a:rPr lang="en-US" sz="1100" dirty="0"/>
+              <a:t># of Tweets: </a:t>
+            </a:r>
+            <a:r>
+              <a:rPr lang="en-US" sz="1100" b="1" dirty="0"/>
+              <a:t>246</a:t>
+            </a:r>
+          </a:p>
+        </p:txBody>
+      </p:sp>
+      <p:sp>
+        <p:nvSpPr>
+          <p:cNvPr id="17" name="TextBox 16">
+            <a:extLst>
+              <a:ext uri="{FF2B5EF4-FFF2-40B4-BE49-F238E27FC236}">
+                <a16:creationId xmlns:a16="http://schemas.microsoft.com/office/drawing/2014/main" id="{50C0490E-D73A-46C3-8A25-B982A57A15BF}"/>
+              </a:ext>
+            </a:extLst>
+          </p:cNvPr>
+          <p:cNvSpPr txBox="1"/>
+          <p:nvPr/>
+        </p:nvSpPr>
+        <p:spPr>
+          <a:xfrm>
+            <a:off x="7062711" y="2514133"/>
+            <a:ext cx="1129004" cy="261610"/>
+          </a:xfrm>
+          <a:prstGeom prst="rect">
+            <a:avLst/>
+          </a:prstGeom>
+          <a:solidFill>
+            <a:schemeClr val="tx2">
+              <a:lumMod val="90000"/>
+            </a:schemeClr>
+          </a:solidFill>
+          <a:ln>
+            <a:noFill/>
+          </a:ln>
+        </p:spPr>
+        <p:txBody>
+          <a:bodyPr wrap="square" rtlCol="0">
+            <a:spAutoFit/>
+          </a:bodyPr>
+          <a:lstStyle/>
+          <a:p>
+            <a:pPr algn="ctr"/>
+            <a:r>
+              <a:rPr lang="en-US" sz="1100" dirty="0"/>
+              <a:t># of Tweets: </a:t>
+            </a:r>
+            <a:r>
+              <a:rPr lang="en-US" sz="1100" b="1" dirty="0"/>
+              <a:t>107</a:t>
+            </a:r>
+          </a:p>
+        </p:txBody>
+      </p:sp>
+      <p:sp>
+        <p:nvSpPr>
+          <p:cNvPr id="18" name="TextBox 17">
+            <a:extLst>
+              <a:ext uri="{FF2B5EF4-FFF2-40B4-BE49-F238E27FC236}">
+                <a16:creationId xmlns:a16="http://schemas.microsoft.com/office/drawing/2014/main" id="{03B38A67-1ED6-4928-B08E-79A94D51D5A5}"/>
+              </a:ext>
+            </a:extLst>
+          </p:cNvPr>
+          <p:cNvSpPr txBox="1"/>
+          <p:nvPr/>
+        </p:nvSpPr>
+        <p:spPr>
+          <a:xfrm>
+            <a:off x="10089364" y="2514133"/>
+            <a:ext cx="1129004" cy="261610"/>
+          </a:xfrm>
+          <a:prstGeom prst="rect">
+            <a:avLst/>
+          </a:prstGeom>
+          <a:solidFill>
+            <a:schemeClr val="tx2">
+              <a:lumMod val="90000"/>
+            </a:schemeClr>
+          </a:solidFill>
+          <a:ln>
+            <a:noFill/>
+          </a:ln>
+        </p:spPr>
+        <p:txBody>
+          <a:bodyPr wrap="square" rtlCol="0">
+            <a:spAutoFit/>
+          </a:bodyPr>
+          <a:lstStyle/>
+          <a:p>
+            <a:pPr algn="ctr"/>
+            <a:r>
+              <a:rPr lang="en-US" sz="1100" dirty="0"/>
+              <a:t># of Tweets: </a:t>
+            </a:r>
+            <a:r>
+              <a:rPr lang="en-US" sz="1100" b="1" dirty="0"/>
+              <a:t>487</a:t>
+            </a:r>
+          </a:p>
+        </p:txBody>
+      </p:sp>
+      <p:sp>
+        <p:nvSpPr>
+          <p:cNvPr id="19" name="TextBox 18">
+            <a:extLst>
+              <a:ext uri="{FF2B5EF4-FFF2-40B4-BE49-F238E27FC236}">
+                <a16:creationId xmlns:a16="http://schemas.microsoft.com/office/drawing/2014/main" id="{DFB564EB-928D-4962-824C-A1A77E3CD098}"/>
+              </a:ext>
+            </a:extLst>
+          </p:cNvPr>
+          <p:cNvSpPr txBox="1"/>
+          <p:nvPr/>
+        </p:nvSpPr>
+        <p:spPr>
+          <a:xfrm>
+            <a:off x="1188688" y="5038125"/>
+            <a:ext cx="1129004" cy="261610"/>
+          </a:xfrm>
+          <a:prstGeom prst="rect">
+            <a:avLst/>
+          </a:prstGeom>
+          <a:solidFill>
+            <a:schemeClr val="tx2">
+              <a:lumMod val="90000"/>
+            </a:schemeClr>
+          </a:solidFill>
+          <a:ln>
+            <a:noFill/>
+          </a:ln>
+        </p:spPr>
+        <p:txBody>
+          <a:bodyPr wrap="square" rtlCol="0">
+            <a:spAutoFit/>
+          </a:bodyPr>
+          <a:lstStyle/>
+          <a:p>
+            <a:pPr algn="ctr"/>
+            <a:r>
+              <a:rPr lang="en-US" sz="1100" dirty="0"/>
+              <a:t># of Tweets: </a:t>
+            </a:r>
+            <a:r>
+              <a:rPr lang="en-US" sz="1100" b="1" dirty="0"/>
+              <a:t>157</a:t>
+            </a:r>
+          </a:p>
+        </p:txBody>
+      </p:sp>
+      <p:sp>
+        <p:nvSpPr>
+          <p:cNvPr id="20" name="TextBox 19">
+            <a:extLst>
+              <a:ext uri="{FF2B5EF4-FFF2-40B4-BE49-F238E27FC236}">
+                <a16:creationId xmlns:a16="http://schemas.microsoft.com/office/drawing/2014/main" id="{CA8E8951-83D8-418A-82A2-F2A7618FB0AA}"/>
+              </a:ext>
+            </a:extLst>
+          </p:cNvPr>
+          <p:cNvSpPr txBox="1"/>
+          <p:nvPr/>
+        </p:nvSpPr>
+        <p:spPr>
+          <a:xfrm>
+            <a:off x="4323552" y="5032753"/>
+            <a:ext cx="1129004" cy="261610"/>
+          </a:xfrm>
+          <a:prstGeom prst="rect">
+            <a:avLst/>
+          </a:prstGeom>
+          <a:solidFill>
+            <a:schemeClr val="tx2">
+              <a:lumMod val="90000"/>
+            </a:schemeClr>
+          </a:solidFill>
+          <a:ln>
+            <a:noFill/>
+          </a:ln>
+        </p:spPr>
+        <p:txBody>
+          <a:bodyPr wrap="square" rtlCol="0">
+            <a:spAutoFit/>
+          </a:bodyPr>
+          <a:lstStyle/>
+          <a:p>
+            <a:pPr algn="ctr"/>
+            <a:r>
+              <a:rPr lang="en-US" sz="1100" dirty="0"/>
+              <a:t># of Tweets: </a:t>
+            </a:r>
+            <a:r>
+              <a:rPr lang="en-US" sz="1100" b="1" dirty="0"/>
+              <a:t>208</a:t>
+            </a:r>
+          </a:p>
+        </p:txBody>
+      </p:sp>
+      <p:sp>
+        <p:nvSpPr>
+          <p:cNvPr id="22" name="TextBox 21">
+            <a:extLst>
+              <a:ext uri="{FF2B5EF4-FFF2-40B4-BE49-F238E27FC236}">
+                <a16:creationId xmlns:a16="http://schemas.microsoft.com/office/drawing/2014/main" id="{8A9D1D20-CD75-402D-A517-75A386831A52}"/>
+              </a:ext>
+            </a:extLst>
+          </p:cNvPr>
+          <p:cNvSpPr txBox="1"/>
+          <p:nvPr/>
+        </p:nvSpPr>
+        <p:spPr>
+          <a:xfrm>
+            <a:off x="7062711" y="5032753"/>
+            <a:ext cx="1129004" cy="261610"/>
+          </a:xfrm>
+          <a:prstGeom prst="rect">
+            <a:avLst/>
+          </a:prstGeom>
+          <a:solidFill>
+            <a:schemeClr val="tx2">
+              <a:lumMod val="90000"/>
+            </a:schemeClr>
+          </a:solidFill>
+          <a:ln>
+            <a:noFill/>
+          </a:ln>
+        </p:spPr>
+        <p:txBody>
+          <a:bodyPr wrap="square" rtlCol="0">
+            <a:spAutoFit/>
+          </a:bodyPr>
+          <a:lstStyle/>
+          <a:p>
+            <a:pPr algn="ctr"/>
+            <a:r>
+              <a:rPr lang="en-US" sz="1100" dirty="0"/>
+              <a:t># of Tweets: </a:t>
+            </a:r>
+            <a:r>
+              <a:rPr lang="en-US" sz="1100" b="1" dirty="0"/>
+              <a:t>207</a:t>
+            </a:r>
+          </a:p>
+        </p:txBody>
+      </p:sp>
+      <p:sp>
+        <p:nvSpPr>
+          <p:cNvPr id="24" name="TextBox 23">
+            <a:extLst>
+              <a:ext uri="{FF2B5EF4-FFF2-40B4-BE49-F238E27FC236}">
+                <a16:creationId xmlns:a16="http://schemas.microsoft.com/office/drawing/2014/main" id="{7530A49D-D099-414E-96DF-F978721A433F}"/>
+              </a:ext>
+            </a:extLst>
+          </p:cNvPr>
+          <p:cNvSpPr txBox="1"/>
+          <p:nvPr/>
+        </p:nvSpPr>
+        <p:spPr>
+          <a:xfrm>
+            <a:off x="9993264" y="5032753"/>
+            <a:ext cx="1129004" cy="261610"/>
+          </a:xfrm>
+          <a:prstGeom prst="rect">
+            <a:avLst/>
+          </a:prstGeom>
+          <a:solidFill>
+            <a:schemeClr val="tx2">
+              <a:lumMod val="90000"/>
+            </a:schemeClr>
+          </a:solidFill>
+          <a:ln>
+            <a:noFill/>
+          </a:ln>
+        </p:spPr>
+        <p:txBody>
+          <a:bodyPr wrap="square" rtlCol="0">
+            <a:spAutoFit/>
+          </a:bodyPr>
+          <a:lstStyle/>
+          <a:p>
+            <a:pPr algn="ctr"/>
+            <a:r>
+              <a:rPr lang="en-US" sz="1100" dirty="0"/>
+              <a:t># of Tweets: </a:t>
+            </a:r>
+            <a:r>
+              <a:rPr lang="en-US" sz="1100" b="1" dirty="0"/>
+              <a:t>62</a:t>
+            </a:r>
+          </a:p>
+        </p:txBody>
+      </p:sp>
     </p:spTree>
     <p:extLst>
       <p:ext uri="{BB962C8B-B14F-4D97-AF65-F5344CB8AC3E}">
@@ -21403,6 +21779,120 @@
             <a:r>
               <a:rPr lang="en-US" sz="3200" dirty="0"/>
               <a:t>Running outside data through the model</a:t>
+            </a:r>
+          </a:p>
+          <a:p>
+            <a:pPr marL="342900" indent="-342900">
+              <a:buClr>
+                <a:schemeClr val="accent2"/>
+              </a:buClr>
+              <a:buFont typeface="Arial" panose="020B0604020202020204" pitchFamily="34" charset="0"/>
+              <a:buChar char="•"/>
+            </a:pPr>
+            <a:r>
+              <a:rPr lang="en-US" sz="3200" dirty="0"/>
+              <a:t>Other uses in business:</a:t>
+            </a:r>
+          </a:p>
+          <a:p>
+            <a:pPr marL="800100" lvl="1" indent="-342900">
+              <a:buClr>
+                <a:schemeClr val="accent2"/>
+              </a:buClr>
+              <a:buFont typeface="Arial" panose="020B0604020202020204" pitchFamily="34" charset="0"/>
+              <a:buChar char="•"/>
+            </a:pPr>
+            <a:r>
+              <a:rPr lang="en-US" sz="1800" dirty="0">
+                <a:solidFill>
+                  <a:schemeClr val="tx1"/>
+                </a:solidFill>
+              </a:rPr>
+              <a:t>Customer Feedback</a:t>
+            </a:r>
+          </a:p>
+          <a:p>
+            <a:pPr marL="800100" lvl="1" indent="-342900">
+              <a:buClr>
+                <a:schemeClr val="accent2"/>
+              </a:buClr>
+              <a:buFont typeface="Arial" panose="020B0604020202020204" pitchFamily="34" charset="0"/>
+              <a:buChar char="•"/>
+            </a:pPr>
+            <a:r>
+              <a:rPr lang="en-US" sz="1800" dirty="0">
+                <a:solidFill>
+                  <a:schemeClr val="tx1"/>
+                </a:solidFill>
+              </a:rPr>
+              <a:t>Marketing</a:t>
+            </a:r>
+          </a:p>
+          <a:p>
+            <a:pPr marL="800100" lvl="1" indent="-342900">
+              <a:buClr>
+                <a:schemeClr val="accent2"/>
+              </a:buClr>
+              <a:buFont typeface="Arial" panose="020B0604020202020204" pitchFamily="34" charset="0"/>
+              <a:buChar char="•"/>
+            </a:pPr>
+            <a:r>
+              <a:rPr lang="en-US" sz="1800" dirty="0">
+                <a:solidFill>
+                  <a:schemeClr val="tx1"/>
+                </a:solidFill>
+              </a:rPr>
+              <a:t>Performance Monitoring</a:t>
+            </a:r>
+          </a:p>
+          <a:p>
+            <a:pPr marL="800100" lvl="1" indent="-342900">
+              <a:buClr>
+                <a:schemeClr val="accent2"/>
+              </a:buClr>
+              <a:buFont typeface="Arial" panose="020B0604020202020204" pitchFamily="34" charset="0"/>
+              <a:buChar char="•"/>
+            </a:pPr>
+            <a:r>
+              <a:rPr lang="en-US" sz="1800" dirty="0">
+                <a:solidFill>
+                  <a:schemeClr val="tx1"/>
+                </a:solidFill>
+              </a:rPr>
+              <a:t>Brand Monitoring</a:t>
+            </a:r>
+          </a:p>
+          <a:p>
+            <a:pPr marL="800100" lvl="1" indent="-342900">
+              <a:buClr>
+                <a:schemeClr val="accent2"/>
+              </a:buClr>
+              <a:buFont typeface="Arial" panose="020B0604020202020204" pitchFamily="34" charset="0"/>
+              <a:buChar char="•"/>
+            </a:pPr>
+            <a:r>
+              <a:rPr lang="en-US" sz="1800" dirty="0">
+                <a:solidFill>
+                  <a:schemeClr val="tx1"/>
+                </a:solidFill>
+              </a:rPr>
+              <a:t>Voice of the Customer (</a:t>
+            </a:r>
+            <a:r>
+              <a:rPr lang="en-US" sz="1800" dirty="0" err="1">
+                <a:solidFill>
+                  <a:schemeClr val="tx1"/>
+                </a:solidFill>
+              </a:rPr>
+              <a:t>VoC</a:t>
+            </a:r>
+            <a:r>
+              <a:rPr lang="en-US" sz="1800" dirty="0">
+                <a:solidFill>
+                  <a:schemeClr val="tx1"/>
+                </a:solidFill>
+              </a:rPr>
+              <a:t>)</a:t>
             </a:r>
           </a:p>
           <a:p>
@@ -25435,23 +25925,6 @@
 </file>
 
 <file path=customXml/item1.xml><?xml version="1.0" encoding="utf-8"?>
-<p:properties xmlns:p="http://schemas.microsoft.com/office/2006/metadata/properties" xmlns:xsi="http://www.w3.org/2001/XMLSchema-instance" xmlns:pc="http://schemas.microsoft.com/office/infopath/2007/PartnerControls">
-  <documentManagement>
-    <MediaServiceKeyPoints xmlns="71af3243-3dd4-4a8d-8c0d-dd76da1f02a5" xsi:nil="true"/>
-  </documentManagement>
-</p:properties>
-</file>
-
-<file path=customXml/item2.xml><?xml version="1.0" encoding="utf-8"?>
-<?mso-contentType ?>
-<FormTemplates xmlns="http://schemas.microsoft.com/sharepoint/v3/contenttype/forms">
-  <Display>DocumentLibraryForm</Display>
-  <Edit>DocumentLibraryForm</Edit>
-  <New>DocumentLibraryForm</New>
-</FormTemplates>
-</file>
-
-<file path=customXml/item3.xml><?xml version="1.0" encoding="utf-8"?>
 <ct:contentTypeSchema xmlns:ct="http://schemas.microsoft.com/office/2006/metadata/contentType" xmlns:ma="http://schemas.microsoft.com/office/2006/metadata/properties/metaAttributes" ct:_="" ma:_="" ma:contentTypeName="Document" ma:contentTypeID="0x01010079F111ED35F8CC479449609E8A0923A6" ma:contentTypeVersion="11" ma:contentTypeDescription="Create a new document." ma:contentTypeScope="" ma:versionID="96291512c1ee715ab617f4c07df79fc1">
   <xsd:schema xmlns:xsd="http://www.w3.org/2001/XMLSchema" xmlns:xs="http://www.w3.org/2001/XMLSchema" xmlns:p="http://schemas.microsoft.com/office/2006/metadata/properties" xmlns:ns2="71af3243-3dd4-4a8d-8c0d-dd76da1f02a5" xmlns:ns3="16c05727-aa75-4e4a-9b5f-8a80a1165891" targetNamespace="http://schemas.microsoft.com/office/2006/metadata/properties" ma:root="true" ma:fieldsID="8256c27c40ca5c40ce1cf6c44f0205df" ns2:_="" ns3:_="">
     <xsd:import namespace="71af3243-3dd4-4a8d-8c0d-dd76da1f02a5"/>
@@ -25662,25 +26135,24 @@
 </ct:contentTypeSchema>
 </file>
 
-<file path=customXml/itemProps1.xml><?xml version="1.0" encoding="utf-8"?>
-<ds:datastoreItem xmlns:ds="http://schemas.openxmlformats.org/officeDocument/2006/customXml" ds:itemID="{C87F4215-C6BB-44A3-9A5E-9446E6835900}">
-  <ds:schemaRefs>
-    <ds:schemaRef ds:uri="http://schemas.microsoft.com/office/2006/metadata/properties"/>
-    <ds:schemaRef ds:uri="http://schemas.microsoft.com/office/infopath/2007/PartnerControls"/>
-    <ds:schemaRef ds:uri="71af3243-3dd4-4a8d-8c0d-dd76da1f02a5"/>
-  </ds:schemaRefs>
-</ds:datastoreItem>
+<file path=customXml/item2.xml><?xml version="1.0" encoding="utf-8"?>
+<?mso-contentType ?>
+<FormTemplates xmlns="http://schemas.microsoft.com/sharepoint/v3/contenttype/forms">
+  <Display>DocumentLibraryForm</Display>
+  <Edit>DocumentLibraryForm</Edit>
+  <New>DocumentLibraryForm</New>
+</FormTemplates>
 </file>
 
-<file path=customXml/itemProps2.xml><?xml version="1.0" encoding="utf-8"?>
-<ds:datastoreItem xmlns:ds="http://schemas.openxmlformats.org/officeDocument/2006/customXml" ds:itemID="{A80A5AF1-8C57-4290-936E-5FD27C957251}">
-  <ds:schemaRefs>
-    <ds:schemaRef ds:uri="http://schemas.microsoft.com/sharepoint/v3/contenttype/forms"/>
-  </ds:schemaRefs>
-</ds:datastoreItem>
+<file path=customXml/item3.xml><?xml version="1.0" encoding="utf-8"?>
+<p:properties xmlns:p="http://schemas.microsoft.com/office/2006/metadata/properties" xmlns:xsi="http://www.w3.org/2001/XMLSchema-instance" xmlns:pc="http://schemas.microsoft.com/office/infopath/2007/PartnerControls">
+  <documentManagement>
+    <MediaServiceKeyPoints xmlns="71af3243-3dd4-4a8d-8c0d-dd76da1f02a5" xsi:nil="true"/>
+  </documentManagement>
+</p:properties>
 </file>
 
-<file path=customXml/itemProps3.xml><?xml version="1.0" encoding="utf-8"?>
+<file path=customXml/itemProps1.xml><?xml version="1.0" encoding="utf-8"?>
 <ds:datastoreItem xmlns:ds="http://schemas.openxmlformats.org/officeDocument/2006/customXml" ds:itemID="{8F8919DE-9BD9-47A9-9F5D-16EBB9687974}">
   <ds:schemaRefs>
     <ds:schemaRef ds:uri="http://schemas.microsoft.com/office/2006/metadata/contentType"/>
@@ -25697,4 +26169,22 @@
     <ds:schemaRef ds:uri="http://schemas.microsoft.com/internal/obd"/>
   </ds:schemaRefs>
 </ds:datastoreItem>
+</file>
+
+<file path=customXml/itemProps2.xml><?xml version="1.0" encoding="utf-8"?>
+<ds:datastoreItem xmlns:ds="http://schemas.openxmlformats.org/officeDocument/2006/customXml" ds:itemID="{A80A5AF1-8C57-4290-936E-5FD27C957251}">
+  <ds:schemaRefs>
+    <ds:schemaRef ds:uri="http://schemas.microsoft.com/sharepoint/v3/contenttype/forms"/>
+  </ds:schemaRefs>
+</ds:datastoreItem>
+</file>
+
+<file path=customXml/itemProps3.xml><?xml version="1.0" encoding="utf-8"?>
+<ds:datastoreItem xmlns:ds="http://schemas.openxmlformats.org/officeDocument/2006/customXml" ds:itemID="{C87F4215-C6BB-44A3-9A5E-9446E6835900}">
+  <ds:schemaRefs>
+    <ds:schemaRef ds:uri="http://schemas.microsoft.com/office/2006/metadata/properties"/>
+    <ds:schemaRef ds:uri="http://schemas.microsoft.com/office/infopath/2007/PartnerControls"/>
+    <ds:schemaRef ds:uri="71af3243-3dd4-4a8d-8c0d-dd76da1f02a5"/>
+  </ds:schemaRefs>
+</ds:datastoreItem>
 </file>